--- a/work/00_NEWEST/KaunsasSol/KaunsasPresentation.pptx
+++ b/work/00_NEWEST/KaunsasSol/KaunsasPresentation.pptx
@@ -5,13 +5,15 @@
     <p:sldMasterId id="2147483648" r:id="rId1"/>
   </p:sldMasterIdLst>
   <p:notesMasterIdLst>
-    <p:notesMasterId r:id="rId6"/>
+    <p:notesMasterId r:id="rId8"/>
   </p:notesMasterIdLst>
   <p:sldIdLst>
     <p:sldId id="256" r:id="rId2"/>
-    <p:sldId id="257" r:id="rId3"/>
+    <p:sldId id="260" r:id="rId3"/>
     <p:sldId id="258" r:id="rId4"/>
-    <p:sldId id="259" r:id="rId5"/>
+    <p:sldId id="261" r:id="rId5"/>
+    <p:sldId id="259" r:id="rId6"/>
+    <p:sldId id="262" r:id="rId7"/>
   </p:sldIdLst>
   <p:sldSz cx="9144000" cy="6858000" type="screen4x3"/>
   <p:notesSz cx="6858000" cy="9144000"/>
@@ -110,6 +112,22 @@
       </a:defRPr>
     </a:lvl9pPr>
   </p:defaultTextStyle>
+  <p:extLst>
+    <p:ext uri="{EFAFB233-063F-42B5-8137-9DF3F51BA10A}">
+      <p15:sldGuideLst xmlns:p15="http://schemas.microsoft.com/office/powerpoint/2012/main">
+        <p15:guide id="1" orient="horz" pos="2160">
+          <p15:clr>
+            <a:srgbClr val="A4A3A4"/>
+          </p15:clr>
+        </p15:guide>
+        <p15:guide id="2" pos="2880">
+          <p15:clr>
+            <a:srgbClr val="A4A3A4"/>
+          </p15:clr>
+        </p15:guide>
+      </p15:sldGuideLst>
+    </p:ext>
+  </p:extLst>
 </p:presentation>
 </file>
 
@@ -195,7 +213,7 @@
           <a:p>
             <a:fld id="{F5F5BCB2-2641-423B-B564-3B0E029C2E05}" type="datetimeFigureOut">
               <a:rPr lang="en-US" smtClean="0"/>
-              <a:t>6/11/2023</a:t>
+              <a:t>6/12/2023</a:t>
             </a:fld>
             <a:endParaRPr lang="en-US"/>
           </a:p>
@@ -641,7 +659,7 @@
           <a:p>
             <a:fld id="{903AD205-7EDD-4277-95A3-1171EC231E71}" type="datetimeFigureOut">
               <a:rPr lang="en-US" smtClean="0"/>
-              <a:t>6/11/2023</a:t>
+              <a:t>6/12/2023</a:t>
             </a:fld>
             <a:endParaRPr lang="en-US"/>
           </a:p>
@@ -806,7 +824,7 @@
           <a:p>
             <a:fld id="{903AD205-7EDD-4277-95A3-1171EC231E71}" type="datetimeFigureOut">
               <a:rPr lang="en-US" smtClean="0"/>
-              <a:t>6/11/2023</a:t>
+              <a:t>6/12/2023</a:t>
             </a:fld>
             <a:endParaRPr lang="en-US"/>
           </a:p>
@@ -981,7 +999,7 @@
           <a:p>
             <a:fld id="{903AD205-7EDD-4277-95A3-1171EC231E71}" type="datetimeFigureOut">
               <a:rPr lang="en-US" smtClean="0"/>
-              <a:t>6/11/2023</a:t>
+              <a:t>6/12/2023</a:t>
             </a:fld>
             <a:endParaRPr lang="en-US"/>
           </a:p>
@@ -1146,7 +1164,7 @@
           <a:p>
             <a:fld id="{903AD205-7EDD-4277-95A3-1171EC231E71}" type="datetimeFigureOut">
               <a:rPr lang="en-US" smtClean="0"/>
-              <a:t>6/11/2023</a:t>
+              <a:t>6/12/2023</a:t>
             </a:fld>
             <a:endParaRPr lang="en-US"/>
           </a:p>
@@ -1387,7 +1405,7 @@
           <a:p>
             <a:fld id="{903AD205-7EDD-4277-95A3-1171EC231E71}" type="datetimeFigureOut">
               <a:rPr lang="en-US" smtClean="0"/>
-              <a:t>6/11/2023</a:t>
+              <a:t>6/12/2023</a:t>
             </a:fld>
             <a:endParaRPr lang="en-US"/>
           </a:p>
@@ -1670,7 +1688,7 @@
           <a:p>
             <a:fld id="{903AD205-7EDD-4277-95A3-1171EC231E71}" type="datetimeFigureOut">
               <a:rPr lang="en-US" smtClean="0"/>
-              <a:t>6/11/2023</a:t>
+              <a:t>6/12/2023</a:t>
             </a:fld>
             <a:endParaRPr lang="en-US"/>
           </a:p>
@@ -2087,7 +2105,7 @@
           <a:p>
             <a:fld id="{903AD205-7EDD-4277-95A3-1171EC231E71}" type="datetimeFigureOut">
               <a:rPr lang="en-US" smtClean="0"/>
-              <a:t>6/11/2023</a:t>
+              <a:t>6/12/2023</a:t>
             </a:fld>
             <a:endParaRPr lang="en-US"/>
           </a:p>
@@ -2200,7 +2218,7 @@
           <a:p>
             <a:fld id="{903AD205-7EDD-4277-95A3-1171EC231E71}" type="datetimeFigureOut">
               <a:rPr lang="en-US" smtClean="0"/>
-              <a:t>6/11/2023</a:t>
+              <a:t>6/12/2023</a:t>
             </a:fld>
             <a:endParaRPr lang="en-US"/>
           </a:p>
@@ -2290,7 +2308,7 @@
           <a:p>
             <a:fld id="{903AD205-7EDD-4277-95A3-1171EC231E71}" type="datetimeFigureOut">
               <a:rPr lang="en-US" smtClean="0"/>
-              <a:t>6/11/2023</a:t>
+              <a:t>6/12/2023</a:t>
             </a:fld>
             <a:endParaRPr lang="en-US"/>
           </a:p>
@@ -2562,7 +2580,7 @@
           <a:p>
             <a:fld id="{903AD205-7EDD-4277-95A3-1171EC231E71}" type="datetimeFigureOut">
               <a:rPr lang="en-US" smtClean="0"/>
-              <a:t>6/11/2023</a:t>
+              <a:t>6/12/2023</a:t>
             </a:fld>
             <a:endParaRPr lang="en-US"/>
           </a:p>
@@ -2810,7 +2828,7 @@
           <a:p>
             <a:fld id="{903AD205-7EDD-4277-95A3-1171EC231E71}" type="datetimeFigureOut">
               <a:rPr lang="en-US" smtClean="0"/>
-              <a:t>6/11/2023</a:t>
+              <a:t>6/12/2023</a:t>
             </a:fld>
             <a:endParaRPr lang="en-US"/>
           </a:p>
@@ -3018,7 +3036,7 @@
           <a:p>
             <a:fld id="{903AD205-7EDD-4277-95A3-1171EC231E71}" type="datetimeFigureOut">
               <a:rPr lang="en-US" smtClean="0"/>
-              <a:t>6/11/2023</a:t>
+              <a:t>6/12/2023</a:t>
             </a:fld>
             <a:endParaRPr lang="en-US"/>
           </a:p>
@@ -3398,55 +3416,118 @@
             <p:ph type="ctrTitle"/>
           </p:nvPr>
         </p:nvSpPr>
-        <p:spPr/>
+        <p:spPr>
+          <a:xfrm>
+            <a:off x="3886200" y="1882775"/>
+            <a:ext cx="5334000" cy="1470025"/>
+          </a:xfrm>
+        </p:spPr>
         <p:txBody>
           <a:bodyPr>
-            <a:normAutofit fontScale="90000"/>
+            <a:normAutofit/>
           </a:bodyPr>
           <a:lstStyle/>
           <a:p>
             <a:r>
-              <a:rPr lang="en-US" dirty="0" smtClean="0"/>
-              <a:t>Mitchell Verter : The Face of the Earth. A Black and Indigenously-Inspired</a:t>
+              <a:rPr lang="en-US" sz="4000" dirty="0" smtClean="0"/>
+              <a:t>The </a:t>
+            </a:r>
+            <a:r>
+              <a:rPr lang="en-US" sz="4000" dirty="0" smtClean="0"/>
+              <a:t>Face of the </a:t>
+            </a:r>
+            <a:r>
+              <a:rPr lang="en-US" sz="4000" dirty="0" smtClean="0"/>
+              <a:t>Earth </a:t>
             </a:r>
             <a:br>
-              <a:rPr lang="en-US" dirty="0" smtClean="0"/>
+              <a:rPr lang="en-US" sz="4000" dirty="0" smtClean="0"/>
             </a:br>
             <a:r>
-              <a:rPr lang="en-US" dirty="0" smtClean="0"/>
-              <a:t>Levinasian Conception of </a:t>
-            </a:r>
-            <a:r>
-              <a:rPr lang="en-US" dirty="0" err="1" smtClean="0"/>
+              <a:rPr lang="he-IL" sz="4000" b="1" i="1" dirty="0" smtClean="0"/>
+              <a:t>פְּנֵ֣י אֲדָמָֽה</a:t>
+            </a:r>
+            <a:endParaRPr lang="en-US" sz="4000" dirty="0"/>
+          </a:p>
+        </p:txBody>
+      </p:sp>
+      <p:sp>
+        <p:nvSpPr>
+          <p:cNvPr id="3" name="Subtitle 2"/>
+          <p:cNvSpPr>
+            <a:spLocks noGrp="1"/>
+          </p:cNvSpPr>
+          <p:nvPr>
+            <p:ph type="subTitle" idx="1"/>
+          </p:nvPr>
+        </p:nvSpPr>
+        <p:spPr>
+          <a:xfrm>
+            <a:off x="1828800" y="5105400"/>
+            <a:ext cx="6400800" cy="1752600"/>
+          </a:xfrm>
+        </p:spPr>
+        <p:txBody>
+          <a:bodyPr/>
+          <a:lstStyle/>
+          <a:p>
+            <a:r>
+              <a:rPr lang="en-US" dirty="0"/>
+              <a:t>A Black and Indigenously-Inspired</a:t>
+            </a:r>
+            <a:br>
+              <a:rPr lang="en-US" dirty="0"/>
+            </a:br>
+            <a:r>
+              <a:rPr lang="en-US" dirty="0" err="1"/>
+              <a:t>Levinasian</a:t>
+            </a:r>
+            <a:r>
+              <a:rPr lang="en-US" dirty="0"/>
+              <a:t> Conception of </a:t>
+            </a:r>
+            <a:r>
+              <a:rPr lang="en-US" dirty="0" err="1"/>
               <a:t>Matrisocial</a:t>
             </a:r>
             <a:r>
-              <a:rPr lang="en-US" dirty="0" smtClean="0"/>
+              <a:rPr lang="en-US" dirty="0"/>
               <a:t> Ecological Becoming.</a:t>
             </a:r>
             <a:endParaRPr lang="en-US" dirty="0"/>
           </a:p>
         </p:txBody>
       </p:sp>
-      <p:sp>
-        <p:nvSpPr>
-          <p:cNvPr id="3" name="Subtitle 2"/>
-          <p:cNvSpPr>
-            <a:spLocks noGrp="1"/>
-          </p:cNvSpPr>
-          <p:nvPr>
-            <p:ph type="subTitle" idx="1"/>
-          </p:nvPr>
-        </p:nvSpPr>
-        <p:spPr/>
-        <p:txBody>
-          <a:bodyPr/>
-          <a:lstStyle/>
-          <a:p>
-            <a:endParaRPr lang="en-US"/>
-          </a:p>
-        </p:txBody>
-      </p:sp>
+      <p:pic>
+        <p:nvPicPr>
+          <p:cNvPr id="4" name="Picture 3"/>
+          <p:cNvPicPr>
+            <a:picLocks noChangeAspect="1"/>
+          </p:cNvPicPr>
+          <p:nvPr/>
+        </p:nvPicPr>
+        <p:blipFill>
+          <a:blip r:embed="rId2">
+            <a:extLst>
+              <a:ext uri="{28A0092B-C50C-407E-A947-70E740481C1C}">
+                <a14:useLocalDpi xmlns:a14="http://schemas.microsoft.com/office/drawing/2010/main" val="0"/>
+              </a:ext>
+            </a:extLst>
+          </a:blip>
+          <a:stretch>
+            <a:fillRect/>
+          </a:stretch>
+        </p:blipFill>
+        <p:spPr>
+          <a:xfrm>
+            <a:off x="420414" y="304800"/>
+            <a:ext cx="3846786" cy="4789773"/>
+          </a:xfrm>
+          <a:prstGeom prst="rect">
+            <a:avLst/>
+          </a:prstGeom>
+        </p:spPr>
+      </p:pic>
     </p:spTree>
   </p:cSld>
   <p:clrMapOvr>
@@ -3491,62 +3572,59 @@
           <a:p>
             <a:r>
               <a:rPr lang="en-US" dirty="0" smtClean="0"/>
-              <a:t>There is no face</a:t>
-            </a:r>
-            <a:br>
+              <a:t>“Does X have a face” is always the wrong question</a:t>
+            </a:r>
+            <a:endParaRPr lang="en-US" dirty="0"/>
+          </a:p>
+        </p:txBody>
+      </p:sp>
+      <p:sp>
+        <p:nvSpPr>
+          <p:cNvPr id="3" name="Content Placeholder 2"/>
+          <p:cNvSpPr>
+            <a:spLocks noGrp="1"/>
+          </p:cNvSpPr>
+          <p:nvPr>
+            <p:ph idx="1"/>
+          </p:nvPr>
+        </p:nvSpPr>
+        <p:spPr/>
+        <p:txBody>
+          <a:bodyPr>
+            <a:normAutofit/>
+          </a:bodyPr>
+          <a:lstStyle/>
+          <a:p>
+            <a:r>
               <a:rPr lang="en-US" dirty="0" smtClean="0"/>
-            </a:br>
+              <a:t>Straightforwardly ontological, predicative</a:t>
+            </a:r>
+          </a:p>
+          <a:p>
             <a:r>
               <a:rPr lang="en-US" dirty="0" smtClean="0"/>
-              <a:t>reification of a thing</a:t>
-            </a:r>
-            <a:br>
+              <a:t>Reification of the face as </a:t>
+            </a:r>
+            <a:r>
+              <a:rPr lang="en-US" dirty="0"/>
+              <a:t>a </a:t>
+            </a:r>
+            <a:r>
               <a:rPr lang="en-US" dirty="0" smtClean="0"/>
-            </a:br>
-            <a:r>
-              <a:rPr lang="en-US" dirty="0" smtClean="0"/>
-              <a:t>placeholder subject position as </a:t>
-            </a:r>
-            <a:r>
-              <a:rPr lang="en-US" dirty="0" err="1" smtClean="0"/>
-              <a:t>theoria</a:t>
-            </a:r>
-            <a:r>
-              <a:rPr lang="en-US" dirty="0" smtClean="0"/>
-              <a:t> consciousness </a:t>
-            </a:r>
-            <a:r>
-              <a:rPr lang="en-US" dirty="0" err="1" smtClean="0"/>
-              <a:t>intentiolity</a:t>
-            </a:r>
+              <a:t>thing</a:t>
+            </a:r>
+          </a:p>
+          <a:p>
             <a:endParaRPr lang="en-US" dirty="0"/>
           </a:p>
         </p:txBody>
       </p:sp>
-      <p:pic>
-        <p:nvPicPr>
-          <p:cNvPr id="4" name="Content Placeholder 3" descr="FacelessLevinas.jpg"/>
-          <p:cNvPicPr>
-            <a:picLocks noGrp="1" noChangeAspect="1"/>
-          </p:cNvPicPr>
-          <p:nvPr>
-            <p:ph idx="1"/>
-          </p:nvPr>
-        </p:nvPicPr>
-        <p:blipFill>
-          <a:blip r:embed="rId2"/>
-          <a:stretch>
-            <a:fillRect/>
-          </a:stretch>
-        </p:blipFill>
-        <p:spPr>
-          <a:xfrm>
-            <a:off x="3566160" y="2420715"/>
-            <a:ext cx="2011680" cy="2884932"/>
-          </a:xfrm>
-        </p:spPr>
-      </p:pic>
     </p:spTree>
+    <p:extLst>
+      <p:ext uri="{BB962C8B-B14F-4D97-AF65-F5344CB8AC3E}">
+        <p14:creationId xmlns:p14="http://schemas.microsoft.com/office/powerpoint/2010/main" val="2566253375"/>
+      </p:ext>
+    </p:extLst>
   </p:cSld>
   <p:clrMapOvr>
     <a:masterClrMapping/>
@@ -3608,7 +3686,9 @@
         </p:nvSpPr>
         <p:spPr/>
         <p:txBody>
-          <a:bodyPr/>
+          <a:bodyPr>
+            <a:normAutofit fontScale="70000" lnSpcReduction="20000"/>
+          </a:bodyPr>
           <a:lstStyle/>
           <a:p>
             <a:r>
@@ -3642,8 +3722,62 @@
             </a:r>
             <a:r>
               <a:rPr lang="en-US" dirty="0" smtClean="0"/>
-              <a:t> in Levinas the visage is not the only important viewpoint</a:t>
-            </a:r>
+              <a:t> in Levinas the visage is not the only important </a:t>
+            </a:r>
+            <a:r>
+              <a:rPr lang="en-US" dirty="0" smtClean="0"/>
+              <a:t>viewpoint</a:t>
+            </a:r>
+          </a:p>
+          <a:p>
+            <a:r>
+              <a:rPr lang="en-US" dirty="0"/>
+              <a:t>“Le visage” is a straightforward wordplay, well-known philosophical </a:t>
+            </a:r>
+            <a:r>
+              <a:rPr lang="en-US" dirty="0" err="1"/>
+              <a:t>trops</a:t>
+            </a:r>
+            <a:endParaRPr lang="en-US" dirty="0"/>
+          </a:p>
+          <a:p>
+            <a:pPr lvl="1"/>
+            <a:r>
+              <a:rPr lang="en-US" dirty="0"/>
+              <a:t>Vis a vis, vision</a:t>
+            </a:r>
+          </a:p>
+          <a:p>
+            <a:pPr lvl="1"/>
+            <a:r>
+              <a:rPr lang="en-US" dirty="0"/>
+              <a:t>Intentionality of the seer, the power of </a:t>
+            </a:r>
+            <a:r>
+              <a:rPr lang="en-US" dirty="0" err="1"/>
+              <a:t>theoria</a:t>
+            </a:r>
+            <a:r>
+              <a:rPr lang="en-US" dirty="0"/>
+              <a:t>, of consciousness to subsume the external as internal</a:t>
+            </a:r>
+          </a:p>
+          <a:p>
+            <a:pPr lvl="1"/>
+            <a:r>
+              <a:rPr lang="en-US" dirty="0"/>
+              <a:t>A seer is a subject, a masculine and virile subjectivity</a:t>
+            </a:r>
+          </a:p>
+          <a:p>
+            <a:pPr lvl="1"/>
+            <a:r>
+              <a:rPr lang="en-US" dirty="0"/>
+              <a:t>The face-to-face is a man-to-man faceoff, a reconsideration of Hegel’s struggle for self-consciousness</a:t>
+            </a:r>
+          </a:p>
+          <a:p>
+            <a:endParaRPr lang="en-US" dirty="0" smtClean="0"/>
           </a:p>
         </p:txBody>
       </p:sp>
@@ -3687,7 +3821,154 @@
           <a:bodyPr/>
           <a:lstStyle/>
           <a:p>
-            <a:endParaRPr lang="en-US"/>
+            <a:r>
+              <a:rPr lang="en-US" dirty="0" smtClean="0"/>
+              <a:t>Anarchic</a:t>
+            </a:r>
+            <a:r>
+              <a:rPr lang="en-US" smtClean="0"/>
+              <a:t>, Faceless </a:t>
+            </a:r>
+            <a:r>
+              <a:rPr lang="en-US" dirty="0" err="1" smtClean="0"/>
+              <a:t>Levinas</a:t>
+            </a:r>
+            <a:endParaRPr lang="en-US" dirty="0"/>
+          </a:p>
+        </p:txBody>
+      </p:sp>
+      <p:sp>
+        <p:nvSpPr>
+          <p:cNvPr id="3" name="Content Placeholder 2"/>
+          <p:cNvSpPr>
+            <a:spLocks noGrp="1"/>
+          </p:cNvSpPr>
+          <p:nvPr>
+            <p:ph idx="1"/>
+          </p:nvPr>
+        </p:nvSpPr>
+        <p:spPr>
+          <a:xfrm>
+            <a:off x="457200" y="1600200"/>
+            <a:ext cx="5410200" cy="4525963"/>
+          </a:xfrm>
+        </p:spPr>
+        <p:txBody>
+          <a:bodyPr/>
+          <a:lstStyle/>
+          <a:p>
+            <a:r>
+              <a:rPr lang="en-US" dirty="0"/>
+              <a:t>In his later work, </a:t>
+            </a:r>
+            <a:r>
+              <a:rPr lang="en-US" dirty="0" err="1"/>
+              <a:t>Levinas</a:t>
+            </a:r>
+            <a:r>
+              <a:rPr lang="en-US" dirty="0"/>
+              <a:t> stops using the language of the face</a:t>
+            </a:r>
+          </a:p>
+          <a:p>
+            <a:pPr lvl="1"/>
+            <a:r>
+              <a:rPr lang="en-US" dirty="0"/>
+              <a:t>Prevents the ontological error of thinking the face is a thing</a:t>
+            </a:r>
+          </a:p>
+          <a:p>
+            <a:pPr lvl="1"/>
+            <a:r>
+              <a:rPr lang="en-US" dirty="0"/>
+              <a:t>His work foregrounds the depths from which subjectivity is given birth by maternity</a:t>
+            </a:r>
+          </a:p>
+          <a:p>
+            <a:endParaRPr lang="en-US" dirty="0"/>
+          </a:p>
+        </p:txBody>
+      </p:sp>
+      <p:pic>
+        <p:nvPicPr>
+          <p:cNvPr id="5" name="Picture 4"/>
+          <p:cNvPicPr>
+            <a:picLocks noChangeAspect="1"/>
+          </p:cNvPicPr>
+          <p:nvPr/>
+        </p:nvPicPr>
+        <p:blipFill>
+          <a:blip r:embed="rId2">
+            <a:extLst>
+              <a:ext uri="{28A0092B-C50C-407E-A947-70E740481C1C}">
+                <a14:useLocalDpi xmlns:a14="http://schemas.microsoft.com/office/drawing/2010/main" val="0"/>
+              </a:ext>
+            </a:extLst>
+          </a:blip>
+          <a:stretch>
+            <a:fillRect/>
+          </a:stretch>
+        </p:blipFill>
+        <p:spPr>
+          <a:xfrm>
+            <a:off x="6141720" y="2895600"/>
+            <a:ext cx="2011680" cy="2884932"/>
+          </a:xfrm>
+          <a:prstGeom prst="rect">
+            <a:avLst/>
+          </a:prstGeom>
+        </p:spPr>
+      </p:pic>
+    </p:spTree>
+    <p:extLst>
+      <p:ext uri="{BB962C8B-B14F-4D97-AF65-F5344CB8AC3E}">
+        <p14:creationId xmlns:p14="http://schemas.microsoft.com/office/powerpoint/2010/main" val="1984065366"/>
+      </p:ext>
+    </p:extLst>
+  </p:cSld>
+  <p:clrMapOvr>
+    <a:masterClrMapping/>
+  </p:clrMapOvr>
+</p:sld>
+</file>
+
+<file path=ppt/slides/slide5.xml><?xml version="1.0" encoding="utf-8"?>
+<p:sld xmlns:a="http://schemas.openxmlformats.org/drawingml/2006/main" xmlns:r="http://schemas.openxmlformats.org/officeDocument/2006/relationships" xmlns:p="http://schemas.openxmlformats.org/presentationml/2006/main">
+  <p:cSld>
+    <p:spTree>
+      <p:nvGrpSpPr>
+        <p:cNvPr id="1" name=""/>
+        <p:cNvGrpSpPr/>
+        <p:nvPr/>
+      </p:nvGrpSpPr>
+      <p:grpSpPr>
+        <a:xfrm>
+          <a:off x="0" y="0"/>
+          <a:ext cx="0" cy="0"/>
+          <a:chOff x="0" y="0"/>
+          <a:chExt cx="0" cy="0"/>
+        </a:xfrm>
+      </p:grpSpPr>
+      <p:sp>
+        <p:nvSpPr>
+          <p:cNvPr id="2" name="Title 1"/>
+          <p:cNvSpPr>
+            <a:spLocks noGrp="1"/>
+          </p:cNvSpPr>
+          <p:nvPr>
+            <p:ph type="title"/>
+          </p:nvPr>
+        </p:nvSpPr>
+        <p:spPr/>
+        <p:txBody>
+          <a:bodyPr/>
+          <a:lstStyle/>
+          <a:p>
+            <a:r>
+              <a:rPr lang="en-US" dirty="0" smtClean="0"/>
+              <a:t>The face of the element</a:t>
+            </a:r>
+            <a:endParaRPr lang="en-US" dirty="0"/>
           </a:p>
         </p:txBody>
       </p:sp>
@@ -3709,41 +3990,986 @@
           <a:lstStyle/>
           <a:p>
             <a:r>
+              <a:rPr lang="fr-FR" dirty="0">
+                <a:latin typeface="Courier New" panose="02070309020205020404" pitchFamily="49" charset="0"/>
+                <a:cs typeface="Courier New" panose="02070309020205020404" pitchFamily="49" charset="0"/>
+              </a:rPr>
+              <a:t>Il se déploie dans sa propre dimension la profondeur, inconvertible en largeur et en longueur où s'étend la face de l'élément. La chose, certes, elle non plus, ne s'offre que par une face unique; mais nous pouvons en faire le tour, et l'envers en vaut l'endroit. Tous les points de vue se valent. La profondeur de l'élément le prolonge et le perd dans la terre et dans le ciel « Rien ne finit, rien ne commence. »</a:t>
+            </a:r>
+            <a:r>
+              <a:rPr lang="en-US" dirty="0">
+                <a:latin typeface="Courier New" panose="02070309020205020404" pitchFamily="49" charset="0"/>
+                <a:cs typeface="Courier New" panose="02070309020205020404" pitchFamily="49" charset="0"/>
+              </a:rPr>
+              <a:t>”</a:t>
+            </a:r>
+          </a:p>
+          <a:p>
+            <a:r>
+              <a:rPr lang="en-US" dirty="0" smtClean="0">
+                <a:latin typeface="Courier New" panose="02070309020205020404" pitchFamily="49" charset="0"/>
+                <a:cs typeface="Courier New" panose="02070309020205020404" pitchFamily="49" charset="0"/>
+              </a:rPr>
+              <a:t>It </a:t>
+            </a:r>
+            <a:r>
+              <a:rPr lang="en-US" dirty="0" smtClean="0">
+                <a:latin typeface="Courier New" panose="02070309020205020404" pitchFamily="49" charset="0"/>
+                <a:cs typeface="Courier New" panose="02070309020205020404" pitchFamily="49" charset="0"/>
+              </a:rPr>
+              <a:t>unfolds in its own dimension: depth, which is inconvertible into the breadth and length in which the side of the element extends. To be sure, a thing likewise presents itself by but one unique side; but we can circle round it, and the reverse is equivalent to the obverse; all the points of view are equivalent. The depth of the element prolongs it till it is lost in the earth and in the heavens. “Nothing ends, nothing begins.</a:t>
+            </a:r>
+          </a:p>
+          <a:p>
+            <a:r>
               <a:rPr lang="en-US" dirty="0" smtClean="0"/>
-              <a:t>It is in order to reserve the English word ‘face’ to translate ‘visage’ — the countenance of the Other — that we are using the term ‘side’ to translate ‘face’ in this context.</a:t>
-            </a:r>
-          </a:p>
-          <a:p>
-            <a:r>
-              <a:rPr lang="fr-FR" dirty="0" smtClean="0"/>
-              <a:t>s. Il se déploie dans sa propre dimension la profondeur, inconvertible en largeur et en longueur où s'étend la face de l'élément </a:t>
-            </a:r>
-          </a:p>
-          <a:p>
+              <a:t>Translator’s Note: </a:t>
+            </a:r>
+          </a:p>
+          <a:p>
+            <a:pPr lvl="1"/>
             <a:r>
               <a:rPr lang="en-US" dirty="0" smtClean="0"/>
-              <a:t>The element has no forms containing it ; it is content without form. Or rather it has but a side : the surface of the sea and of the field, the edge of the wind ; the medium upon which this side5 takes form is not composed of things. It unfolds in its own dimension: depth, which is inconvertible into the breadth and length in which the side of the element extends. To be sure, a thing likewise presents itself by but one unique side; but we can circle round it, and the reverse is equivalent to the obverse; all the points of view are equivalent. The depth of the element prolongs it till it is lost in the earth and in the heavens. “Nothing ends, nothing begins.</a:t>
-            </a:r>
-          </a:p>
-          <a:p>
-            <a:r>
-              <a:rPr lang="fr-FR" dirty="0" smtClean="0"/>
-              <a:t>Il se déploie dans sa propre dimension la profondeur, inconvertible en largeur et en longueur où s'étend la face de l'élément. La chose, certes, elle non plus, ne s'offre que par une face unique; mais nous pouvons en faire le tour, et l'envers en vaut l'endroit. Tous les points de vue se valent. La profondeur de l'élément le prolonge et le perd dans la terre et dans le ciel « Rien ne finit, rien ne commence. »</a:t>
+              <a:t>It </a:t>
+            </a:r>
+            <a:r>
+              <a:rPr lang="en-US" dirty="0"/>
+              <a:t>is in order to reserve the English word ‘face’ to translate ‘visage’ — the countenance of the Other — that we are using the term ‘side’ to translate ‘face’ in this context</a:t>
             </a:r>
             <a:r>
               <a:rPr lang="en-US" dirty="0" smtClean="0"/>
-              <a:t>”</a:t>
-            </a:r>
-          </a:p>
-          <a:p>
+              <a:t>.</a:t>
+            </a:r>
             <a:endParaRPr lang="en-US" dirty="0" smtClean="0"/>
           </a:p>
           <a:p>
+            <a:r>
+              <a:rPr lang="en-US" dirty="0" smtClean="0"/>
+              <a:t>The dimension here is *depth* as opposed to *height*</a:t>
+            </a:r>
+            <a:endParaRPr lang="en-US" dirty="0" smtClean="0"/>
+          </a:p>
+          <a:p>
+            <a:pPr lvl="1"/>
+            <a:r>
+              <a:rPr lang="en-US" dirty="0" smtClean="0"/>
+              <a:t>Materiality, The Self attached to the Ego in Time and the Other</a:t>
+            </a:r>
+          </a:p>
+          <a:p>
+            <a:pPr lvl="1"/>
+            <a:r>
+              <a:rPr lang="en-US" dirty="0" smtClean="0"/>
+              <a:t>Materiality of Maternity in Otherwise than Being</a:t>
+            </a:r>
+          </a:p>
+          <a:p>
+            <a:pPr lvl="1"/>
+            <a:r>
+              <a:rPr lang="en-US" dirty="0" smtClean="0"/>
+              <a:t>Gravity, Curvature of Space Time, </a:t>
+            </a:r>
+            <a:r>
+              <a:rPr lang="en-US" dirty="0" err="1" smtClean="0"/>
+              <a:t>etc</a:t>
+            </a:r>
             <a:endParaRPr lang="en-US" dirty="0"/>
           </a:p>
         </p:txBody>
       </p:sp>
     </p:spTree>
+  </p:cSld>
+  <p:clrMapOvr>
+    <a:masterClrMapping/>
+  </p:clrMapOvr>
+</p:sld>
+</file>
+
+<file path=ppt/slides/slide6.xml><?xml version="1.0" encoding="utf-8"?>
+<p:sld xmlns:a="http://schemas.openxmlformats.org/drawingml/2006/main" xmlns:r="http://schemas.openxmlformats.org/officeDocument/2006/relationships" xmlns:p="http://schemas.openxmlformats.org/presentationml/2006/main">
+  <p:cSld>
+    <p:spTree>
+      <p:nvGrpSpPr>
+        <p:cNvPr id="1" name=""/>
+        <p:cNvGrpSpPr/>
+        <p:nvPr/>
+      </p:nvGrpSpPr>
+      <p:grpSpPr>
+        <a:xfrm>
+          <a:off x="0" y="0"/>
+          <a:ext cx="0" cy="0"/>
+          <a:chOff x="0" y="0"/>
+          <a:chExt cx="0" cy="0"/>
+        </a:xfrm>
+      </p:grpSpPr>
+      <p:sp>
+        <p:nvSpPr>
+          <p:cNvPr id="2" name="Title 1"/>
+          <p:cNvSpPr>
+            <a:spLocks noGrp="1"/>
+          </p:cNvSpPr>
+          <p:nvPr>
+            <p:ph type="title"/>
+          </p:nvPr>
+        </p:nvSpPr>
+        <p:spPr/>
+        <p:txBody>
+          <a:bodyPr/>
+          <a:lstStyle/>
+          <a:p>
+            <a:r>
+              <a:rPr lang="en-US" dirty="0" smtClean="0"/>
+              <a:t>Continuous Creation </a:t>
+            </a:r>
+            <a:endParaRPr lang="en-US" dirty="0"/>
+          </a:p>
+        </p:txBody>
+      </p:sp>
+      <p:graphicFrame>
+        <p:nvGraphicFramePr>
+          <p:cNvPr id="4" name="Content Placeholder 3"/>
+          <p:cNvGraphicFramePr>
+            <a:graphicFrameLocks noGrp="1"/>
+          </p:cNvGraphicFramePr>
+          <p:nvPr>
+            <p:ph idx="1"/>
+            <p:extLst>
+              <p:ext uri="{D42A27DB-BD31-4B8C-83A1-F6EECF244321}">
+                <p14:modId xmlns:p14="http://schemas.microsoft.com/office/powerpoint/2010/main" val="2778910431"/>
+              </p:ext>
+            </p:extLst>
+          </p:nvPr>
+        </p:nvGraphicFramePr>
+        <p:xfrm>
+          <a:off x="914400" y="4365358"/>
+          <a:ext cx="6172200" cy="691515"/>
+        </p:xfrm>
+        <a:graphic>
+          <a:graphicData uri="http://schemas.openxmlformats.org/drawingml/2006/table">
+            <a:tbl>
+              <a:tblPr/>
+              <a:tblGrid>
+                <a:gridCol w="6172200">
+                  <a:extLst>
+                    <a:ext uri="{9D8B030D-6E8A-4147-A177-3AD203B41FA5}">
+                      <a16:colId xmlns:a16="http://schemas.microsoft.com/office/drawing/2014/main" val="93883839"/>
+                    </a:ext>
+                  </a:extLst>
+                </a:gridCol>
+              </a:tblGrid>
+              <a:tr h="0">
+                <a:tc>
+                  <a:txBody>
+                    <a:bodyPr/>
+                    <a:lstStyle/>
+                    <a:p>
+                      <a:r>
+                        <a:rPr lang="en-US" b="1" u="none" strike="noStrike" dirty="0" smtClean="0">
+                          <a:effectLst/>
+                          <a:latin typeface="sbl_hebrew"/>
+                          <a:hlinkClick r:id="rId2"/>
+                        </a:rPr>
+                        <a:t>30</a:t>
+                      </a:r>
+                      <a:r>
+                        <a:rPr lang="en-US" b="1" u="none" strike="noStrike" dirty="0" smtClean="0">
+                          <a:effectLst/>
+                          <a:latin typeface="sbl_hebrew"/>
+                        </a:rPr>
+                        <a:t> </a:t>
+                      </a:r>
+                      <a:r>
+                        <a:rPr lang="en-US" dirty="0" smtClean="0">
+                          <a:effectLst/>
+                        </a:rPr>
+                        <a:t>You </a:t>
+                      </a:r>
+                      <a:r>
+                        <a:rPr lang="en-US" dirty="0">
+                          <a:effectLst/>
+                        </a:rPr>
+                        <a:t>will send forth Your </a:t>
+                      </a:r>
+                      <a:r>
+                        <a:rPr lang="en-US" dirty="0" smtClean="0">
+                          <a:effectLst/>
+                        </a:rPr>
+                        <a:t>spirit </a:t>
+                      </a:r>
+                      <a:r>
+                        <a:rPr lang="en-US" dirty="0">
+                          <a:effectLst/>
+                        </a:rPr>
+                        <a:t>and they will be created, </a:t>
+                      </a:r>
+                      <a:endParaRPr lang="en-US" dirty="0" smtClean="0">
+                        <a:effectLst/>
+                      </a:endParaRPr>
+                    </a:p>
+                    <a:p>
+                      <a:r>
+                        <a:rPr lang="en-US" dirty="0" smtClean="0">
+                          <a:effectLst/>
+                        </a:rPr>
+                        <a:t>     and You </a:t>
+                      </a:r>
+                      <a:r>
+                        <a:rPr lang="en-US" dirty="0">
+                          <a:effectLst/>
+                        </a:rPr>
+                        <a:t>will renew the </a:t>
+                      </a:r>
+                      <a:r>
+                        <a:rPr lang="en-US" dirty="0" smtClean="0">
+                          <a:effectLst/>
+                        </a:rPr>
+                        <a:t>face </a:t>
+                      </a:r>
+                      <a:r>
+                        <a:rPr lang="en-US" dirty="0">
+                          <a:effectLst/>
+                        </a:rPr>
+                        <a:t>of the </a:t>
+                      </a:r>
+                      <a:r>
+                        <a:rPr lang="en-US" dirty="0" smtClean="0">
+                          <a:effectLst/>
+                        </a:rPr>
+                        <a:t>earth.</a:t>
+                      </a:r>
+                      <a:endParaRPr lang="en-US" dirty="0">
+                        <a:effectLst/>
+                      </a:endParaRPr>
+                    </a:p>
+                  </a:txBody>
+                  <a:tcPr marL="0" marR="0" marT="47625" marB="95250">
+                    <a:lnL>
+                      <a:noFill/>
+                    </a:lnL>
+                    <a:lnR>
+                      <a:noFill/>
+                    </a:lnR>
+                    <a:lnT>
+                      <a:noFill/>
+                    </a:lnT>
+                    <a:lnB>
+                      <a:noFill/>
+                    </a:lnB>
+                    <a:solidFill>
+                      <a:srgbClr val="FFFFFF"/>
+                    </a:solidFill>
+                  </a:tcPr>
+                </a:tc>
+                <a:extLst>
+                  <a:ext uri="{0D108BD9-81ED-4DB2-BD59-A6C34878D82A}">
+                    <a16:rowId xmlns:a16="http://schemas.microsoft.com/office/drawing/2014/main" val="4083507763"/>
+                  </a:ext>
+                </a:extLst>
+              </a:tr>
+            </a:tbl>
+          </a:graphicData>
+        </a:graphic>
+      </p:graphicFrame>
+      <p:sp>
+        <p:nvSpPr>
+          <p:cNvPr id="5" name="Rectangle 1"/>
+          <p:cNvSpPr>
+            <a:spLocks noChangeArrowheads="1"/>
+          </p:cNvSpPr>
+          <p:nvPr/>
+        </p:nvSpPr>
+        <p:spPr bwMode="auto">
+          <a:xfrm>
+            <a:off x="0" y="0"/>
+            <a:ext cx="9144000" cy="0"/>
+          </a:xfrm>
+          <a:prstGeom prst="rect">
+            <a:avLst/>
+          </a:prstGeom>
+          <a:noFill/>
+          <a:ln>
+            <a:noFill/>
+          </a:ln>
+          <a:effectLst/>
+          <a:extLst>
+            <a:ext uri="{909E8E84-426E-40DD-AFC4-6F175D3DCCD1}">
+              <a14:hiddenFill xmlns:a14="http://schemas.microsoft.com/office/drawing/2010/main">
+                <a:solidFill>
+                  <a:schemeClr val="accent1"/>
+                </a:solidFill>
+              </a14:hiddenFill>
+            </a:ext>
+            <a:ext uri="{91240B29-F687-4F45-9708-019B960494DF}">
+              <a14:hiddenLine xmlns:a14="http://schemas.microsoft.com/office/drawing/2010/main" w="9525">
+                <a:solidFill>
+                  <a:schemeClr val="tx1"/>
+                </a:solidFill>
+                <a:miter lim="800000"/>
+                <a:headEnd/>
+                <a:tailEnd/>
+              </a14:hiddenLine>
+            </a:ext>
+            <a:ext uri="{AF507438-7753-43E0-B8FC-AC1667EBCBE1}">
+              <a14:hiddenEffects xmlns:a14="http://schemas.microsoft.com/office/drawing/2010/main">
+                <a:effectLst>
+                  <a:outerShdw dist="35921" dir="2700000" algn="ctr" rotWithShape="0">
+                    <a:schemeClr val="bg2"/>
+                  </a:outerShdw>
+                </a:effectLst>
+              </a14:hiddenEffects>
+            </a:ext>
+          </a:extLst>
+        </p:spPr>
+        <p:txBody>
+          <a:bodyPr vert="horz" wrap="none" lIns="91440" tIns="45720" rIns="91440" bIns="45720" numCol="1" anchor="ctr" anchorCtr="0" compatLnSpc="1">
+            <a:prstTxWarp prst="textNoShape">
+              <a:avLst/>
+            </a:prstTxWarp>
+            <a:spAutoFit/>
+          </a:bodyPr>
+          <a:lstStyle/>
+          <a:p>
+            <a:pPr marL="0" marR="0" lvl="0" indent="0" algn="l" defTabSz="914400" rtl="0" eaLnBrk="0" fontAlgn="base" latinLnBrk="0" hangingPunct="0">
+              <a:lnSpc>
+                <a:spcPct val="100000"/>
+              </a:lnSpc>
+              <a:spcBef>
+                <a:spcPct val="0"/>
+              </a:spcBef>
+              <a:spcAft>
+                <a:spcPct val="0"/>
+              </a:spcAft>
+              <a:buClrTx/>
+              <a:buSzTx/>
+              <a:buFontTx/>
+              <a:buNone/>
+              <a:tabLst/>
+            </a:pPr>
+            <a:r>
+              <a:rPr kumimoji="0" lang="en-US" altLang="en-US" sz="1800" b="0" i="0" u="none" strike="noStrike" cap="none" normalizeH="0" baseline="0" smtClean="0">
+                <a:ln>
+                  <a:noFill/>
+                </a:ln>
+                <a:solidFill>
+                  <a:schemeClr val="tx1"/>
+                </a:solidFill>
+                <a:effectLst/>
+                <a:latin typeface="Arial" panose="020B0604020202020204" pitchFamily="34" charset="0"/>
+              </a:rPr>
+              <a:t/>
+            </a:r>
+            <a:br>
+              <a:rPr kumimoji="0" lang="en-US" altLang="en-US" sz="1800" b="0" i="0" u="none" strike="noStrike" cap="none" normalizeH="0" baseline="0" smtClean="0">
+                <a:ln>
+                  <a:noFill/>
+                </a:ln>
+                <a:solidFill>
+                  <a:schemeClr val="tx1"/>
+                </a:solidFill>
+                <a:effectLst/>
+                <a:latin typeface="Arial" panose="020B0604020202020204" pitchFamily="34" charset="0"/>
+              </a:rPr>
+            </a:br>
+            <a:endParaRPr kumimoji="0" lang="en-US" altLang="en-US" sz="1800" b="0" i="0" u="none" strike="noStrike" cap="none" normalizeH="0" baseline="0" smtClean="0">
+              <a:ln>
+                <a:noFill/>
+              </a:ln>
+              <a:solidFill>
+                <a:schemeClr val="tx1"/>
+              </a:solidFill>
+              <a:effectLst/>
+              <a:latin typeface="Arial" panose="020B0604020202020204" pitchFamily="34" charset="0"/>
+            </a:endParaRPr>
+          </a:p>
+        </p:txBody>
+      </p:sp>
+      <p:sp>
+        <p:nvSpPr>
+          <p:cNvPr id="10" name="TextBox 9"/>
+          <p:cNvSpPr txBox="1"/>
+          <p:nvPr/>
+        </p:nvSpPr>
+        <p:spPr>
+          <a:xfrm>
+            <a:off x="762000" y="1981200"/>
+            <a:ext cx="184731" cy="369332"/>
+          </a:xfrm>
+          <a:prstGeom prst="rect">
+            <a:avLst/>
+          </a:prstGeom>
+          <a:noFill/>
+        </p:spPr>
+        <p:txBody>
+          <a:bodyPr wrap="none" rtlCol="0">
+            <a:spAutoFit/>
+          </a:bodyPr>
+          <a:lstStyle/>
+          <a:p>
+            <a:endParaRPr lang="en-US" dirty="0"/>
+          </a:p>
+        </p:txBody>
+      </p:sp>
+      <p:sp>
+        <p:nvSpPr>
+          <p:cNvPr id="12" name="Rectangle 3"/>
+          <p:cNvSpPr>
+            <a:spLocks noChangeArrowheads="1"/>
+          </p:cNvSpPr>
+          <p:nvPr/>
+        </p:nvSpPr>
+        <p:spPr bwMode="auto">
+          <a:xfrm>
+            <a:off x="5786747" y="4105335"/>
+            <a:ext cx="4064000" cy="646331"/>
+          </a:xfrm>
+          <a:prstGeom prst="rect">
+            <a:avLst/>
+          </a:prstGeom>
+          <a:noFill/>
+          <a:ln>
+            <a:noFill/>
+          </a:ln>
+          <a:effectLst/>
+          <a:extLst>
+            <a:ext uri="{909E8E84-426E-40DD-AFC4-6F175D3DCCD1}">
+              <a14:hiddenFill xmlns:a14="http://schemas.microsoft.com/office/drawing/2010/main">
+                <a:solidFill>
+                  <a:schemeClr val="accent1"/>
+                </a:solidFill>
+              </a14:hiddenFill>
+            </a:ext>
+            <a:ext uri="{91240B29-F687-4F45-9708-019B960494DF}">
+              <a14:hiddenLine xmlns:a14="http://schemas.microsoft.com/office/drawing/2010/main" w="9525">
+                <a:solidFill>
+                  <a:schemeClr val="tx1"/>
+                </a:solidFill>
+                <a:miter lim="800000"/>
+                <a:headEnd/>
+                <a:tailEnd/>
+              </a14:hiddenLine>
+            </a:ext>
+            <a:ext uri="{AF507438-7753-43E0-B8FC-AC1667EBCBE1}">
+              <a14:hiddenEffects xmlns:a14="http://schemas.microsoft.com/office/drawing/2010/main">
+                <a:effectLst>
+                  <a:outerShdw dist="35921" dir="2700000" algn="ctr" rotWithShape="0">
+                    <a:schemeClr val="bg2"/>
+                  </a:outerShdw>
+                </a:effectLst>
+              </a14:hiddenEffects>
+            </a:ext>
+          </a:extLst>
+        </p:spPr>
+        <p:txBody>
+          <a:bodyPr vert="horz" wrap="square" lIns="91440" tIns="45720" rIns="91440" bIns="45720" numCol="1" anchor="ctr" anchorCtr="0" compatLnSpc="1">
+            <a:prstTxWarp prst="textNoShape">
+              <a:avLst/>
+            </a:prstTxWarp>
+            <a:spAutoFit/>
+          </a:bodyPr>
+          <a:lstStyle/>
+          <a:p>
+            <a:pPr marL="0" marR="0" lvl="0" indent="0" algn="l" defTabSz="914400" rtl="0" eaLnBrk="0" fontAlgn="base" latinLnBrk="0" hangingPunct="0">
+              <a:lnSpc>
+                <a:spcPct val="100000"/>
+              </a:lnSpc>
+              <a:spcBef>
+                <a:spcPct val="0"/>
+              </a:spcBef>
+              <a:spcAft>
+                <a:spcPct val="0"/>
+              </a:spcAft>
+              <a:buClrTx/>
+              <a:buSzTx/>
+              <a:buFontTx/>
+              <a:buNone/>
+              <a:tabLst/>
+            </a:pPr>
+            <a:r>
+              <a:rPr kumimoji="0" lang="en-US" altLang="en-US" sz="1800" b="0" i="0" u="none" strike="noStrike" cap="none" normalizeH="0" baseline="0" smtClean="0">
+                <a:ln>
+                  <a:noFill/>
+                </a:ln>
+                <a:solidFill>
+                  <a:schemeClr val="tx1"/>
+                </a:solidFill>
+                <a:effectLst/>
+                <a:latin typeface="Arial" panose="020B0604020202020204" pitchFamily="34" charset="0"/>
+              </a:rPr>
+              <a:t/>
+            </a:r>
+            <a:br>
+              <a:rPr kumimoji="0" lang="en-US" altLang="en-US" sz="1800" b="0" i="0" u="none" strike="noStrike" cap="none" normalizeH="0" baseline="0" smtClean="0">
+                <a:ln>
+                  <a:noFill/>
+                </a:ln>
+                <a:solidFill>
+                  <a:schemeClr val="tx1"/>
+                </a:solidFill>
+                <a:effectLst/>
+                <a:latin typeface="Arial" panose="020B0604020202020204" pitchFamily="34" charset="0"/>
+              </a:rPr>
+            </a:br>
+            <a:endParaRPr kumimoji="0" lang="en-US" altLang="en-US" sz="1800" b="0" i="0" u="none" strike="noStrike" cap="none" normalizeH="0" baseline="0" smtClean="0">
+              <a:ln>
+                <a:noFill/>
+              </a:ln>
+              <a:solidFill>
+                <a:schemeClr val="tx1"/>
+              </a:solidFill>
+              <a:effectLst/>
+              <a:latin typeface="Arial" panose="020B0604020202020204" pitchFamily="34" charset="0"/>
+            </a:endParaRPr>
+          </a:p>
+        </p:txBody>
+      </p:sp>
+      <p:sp>
+        <p:nvSpPr>
+          <p:cNvPr id="13" name="TextBox 12"/>
+          <p:cNvSpPr txBox="1"/>
+          <p:nvPr/>
+        </p:nvSpPr>
+        <p:spPr>
+          <a:xfrm>
+            <a:off x="887627" y="4992469"/>
+            <a:ext cx="3714479" cy="646331"/>
+          </a:xfrm>
+          <a:prstGeom prst="rect">
+            <a:avLst/>
+          </a:prstGeom>
+          <a:noFill/>
+        </p:spPr>
+        <p:txBody>
+          <a:bodyPr wrap="none" rtlCol="0">
+            <a:spAutoFit/>
+          </a:bodyPr>
+          <a:lstStyle/>
+          <a:p>
+            <a:r>
+              <a:rPr lang="he-IL" b="1" dirty="0" smtClean="0">
+                <a:latin typeface="sbl_hebrew"/>
+                <a:hlinkClick r:id="rId2"/>
+              </a:rPr>
+              <a:t>ל</a:t>
+            </a:r>
+            <a:r>
+              <a:rPr lang="en-US" b="1" dirty="0" smtClean="0">
+                <a:latin typeface="sbl_hebrew"/>
+              </a:rPr>
+              <a:t> </a:t>
+            </a:r>
+            <a:r>
+              <a:rPr lang="he-IL" dirty="0" smtClean="0">
+                <a:latin typeface="sbl_hebrew"/>
+              </a:rPr>
+              <a:t>תְּשַׁלַּ֣ח </a:t>
+            </a:r>
+            <a:r>
+              <a:rPr lang="he-IL" dirty="0">
+                <a:latin typeface="sbl_hebrew"/>
+              </a:rPr>
+              <a:t>ר֖וּֽחֲךָ יִבָּֽרֵא֑וּן וּ֜תְחַדֵּ֗שׁ פְּנֵ֣י </a:t>
+            </a:r>
+            <a:r>
+              <a:rPr lang="he-IL" dirty="0" smtClean="0">
+                <a:latin typeface="sbl_hebrew"/>
+              </a:rPr>
+              <a:t>אֲדָמָֽה</a:t>
+            </a:r>
+            <a:endParaRPr lang="he-IL" dirty="0">
+              <a:latin typeface="sbl_hebrew"/>
+            </a:endParaRPr>
+          </a:p>
+          <a:p>
+            <a:endParaRPr lang="en-US" dirty="0"/>
+          </a:p>
+        </p:txBody>
+      </p:sp>
+      <p:sp>
+        <p:nvSpPr>
+          <p:cNvPr id="15" name="Rectangle 5"/>
+          <p:cNvSpPr>
+            <a:spLocks noChangeArrowheads="1"/>
+          </p:cNvSpPr>
+          <p:nvPr/>
+        </p:nvSpPr>
+        <p:spPr bwMode="auto">
+          <a:xfrm>
+            <a:off x="790687" y="3827382"/>
+            <a:ext cx="4291284" cy="954107"/>
+          </a:xfrm>
+          <a:prstGeom prst="rect">
+            <a:avLst/>
+          </a:prstGeom>
+          <a:noFill/>
+          <a:ln>
+            <a:noFill/>
+          </a:ln>
+          <a:effectLst/>
+          <a:extLst>
+            <a:ext uri="{909E8E84-426E-40DD-AFC4-6F175D3DCCD1}">
+              <a14:hiddenFill xmlns:a14="http://schemas.microsoft.com/office/drawing/2010/main">
+                <a:solidFill>
+                  <a:schemeClr val="accent1"/>
+                </a:solidFill>
+              </a14:hiddenFill>
+            </a:ext>
+            <a:ext uri="{91240B29-F687-4F45-9708-019B960494DF}">
+              <a14:hiddenLine xmlns:a14="http://schemas.microsoft.com/office/drawing/2010/main" w="9525">
+                <a:solidFill>
+                  <a:schemeClr val="tx1"/>
+                </a:solidFill>
+                <a:miter lim="800000"/>
+                <a:headEnd/>
+                <a:tailEnd/>
+              </a14:hiddenLine>
+            </a:ext>
+            <a:ext uri="{AF507438-7753-43E0-B8FC-AC1667EBCBE1}">
+              <a14:hiddenEffects xmlns:a14="http://schemas.microsoft.com/office/drawing/2010/main">
+                <a:effectLst>
+                  <a:outerShdw dist="35921" dir="2700000" algn="ctr" rotWithShape="0">
+                    <a:schemeClr val="bg2"/>
+                  </a:outerShdw>
+                </a:effectLst>
+              </a14:hiddenEffects>
+            </a:ext>
+          </a:extLst>
+        </p:spPr>
+        <p:txBody>
+          <a:bodyPr vert="horz" wrap="square" lIns="91440" tIns="45720" rIns="91440" bIns="45720" numCol="1" anchor="ctr" anchorCtr="0" compatLnSpc="1">
+            <a:prstTxWarp prst="textNoShape">
+              <a:avLst/>
+            </a:prstTxWarp>
+            <a:spAutoFit/>
+          </a:bodyPr>
+          <a:lstStyle/>
+          <a:p>
+            <a:pPr marL="0" marR="0" lvl="0" indent="0" algn="l" defTabSz="914400" rtl="0" eaLnBrk="0" fontAlgn="base" latinLnBrk="0" hangingPunct="0">
+              <a:lnSpc>
+                <a:spcPct val="100000"/>
+              </a:lnSpc>
+              <a:spcBef>
+                <a:spcPct val="0"/>
+              </a:spcBef>
+              <a:spcAft>
+                <a:spcPct val="0"/>
+              </a:spcAft>
+              <a:buClrTx/>
+              <a:buSzTx/>
+              <a:buFontTx/>
+              <a:buNone/>
+              <a:tabLst/>
+            </a:pPr>
+            <a:r>
+              <a:rPr kumimoji="0" lang="en-US" altLang="en-US" sz="2000" b="0" i="0" u="none" strike="noStrike" cap="none" normalizeH="0" baseline="0" dirty="0" smtClean="0">
+                <a:ln>
+                  <a:noFill/>
+                </a:ln>
+                <a:solidFill>
+                  <a:srgbClr val="1F2328"/>
+                </a:solidFill>
+                <a:effectLst/>
+                <a:latin typeface="-apple-system"/>
+              </a:rPr>
+              <a:t>Psalm 104:29-30</a:t>
+            </a:r>
+            <a:endParaRPr kumimoji="0" lang="en-US" altLang="en-US" sz="2000" b="0" i="0" u="none" strike="noStrike" cap="none" normalizeH="0" baseline="0" dirty="0" smtClean="0">
+              <a:ln>
+                <a:noFill/>
+              </a:ln>
+              <a:solidFill>
+                <a:schemeClr val="tx1"/>
+              </a:solidFill>
+              <a:effectLst/>
+            </a:endParaRPr>
+          </a:p>
+          <a:p>
+            <a:pPr marL="0" marR="0" lvl="0" indent="0" algn="l" defTabSz="914400" rtl="0" eaLnBrk="0" fontAlgn="base" latinLnBrk="0" hangingPunct="0">
+              <a:lnSpc>
+                <a:spcPct val="100000"/>
+              </a:lnSpc>
+              <a:spcBef>
+                <a:spcPct val="0"/>
+              </a:spcBef>
+              <a:spcAft>
+                <a:spcPct val="0"/>
+              </a:spcAft>
+              <a:buClrTx/>
+              <a:buSzTx/>
+              <a:buFontTx/>
+              <a:buNone/>
+              <a:tabLst/>
+            </a:pPr>
+            <a:r>
+              <a:rPr kumimoji="0" lang="en-US" altLang="en-US" sz="1800" b="0" i="0" u="none" strike="noStrike" cap="none" normalizeH="0" baseline="0" dirty="0" smtClean="0">
+                <a:ln>
+                  <a:noFill/>
+                </a:ln>
+                <a:solidFill>
+                  <a:schemeClr val="tx1"/>
+                </a:solidFill>
+                <a:effectLst/>
+                <a:latin typeface="Arial" panose="020B0604020202020204" pitchFamily="34" charset="0"/>
+              </a:rPr>
+              <a:t/>
+            </a:r>
+            <a:br>
+              <a:rPr kumimoji="0" lang="en-US" altLang="en-US" sz="1800" b="0" i="0" u="none" strike="noStrike" cap="none" normalizeH="0" baseline="0" dirty="0" smtClean="0">
+                <a:ln>
+                  <a:noFill/>
+                </a:ln>
+                <a:solidFill>
+                  <a:schemeClr val="tx1"/>
+                </a:solidFill>
+                <a:effectLst/>
+                <a:latin typeface="Arial" panose="020B0604020202020204" pitchFamily="34" charset="0"/>
+              </a:rPr>
+            </a:br>
+            <a:endParaRPr kumimoji="0" lang="en-US" altLang="en-US" sz="1800" b="0" i="0" u="none" strike="noStrike" cap="none" normalizeH="0" baseline="0" dirty="0" smtClean="0">
+              <a:ln>
+                <a:noFill/>
+              </a:ln>
+              <a:solidFill>
+                <a:schemeClr val="tx1"/>
+              </a:solidFill>
+              <a:effectLst/>
+              <a:latin typeface="Arial" panose="020B0604020202020204" pitchFamily="34" charset="0"/>
+            </a:endParaRPr>
+          </a:p>
+        </p:txBody>
+      </p:sp>
+      <p:sp>
+        <p:nvSpPr>
+          <p:cNvPr id="17" name="Rectangle 6"/>
+          <p:cNvSpPr>
+            <a:spLocks noChangeArrowheads="1"/>
+          </p:cNvSpPr>
+          <p:nvPr/>
+        </p:nvSpPr>
+        <p:spPr bwMode="auto">
+          <a:xfrm>
+            <a:off x="706747" y="1455002"/>
+            <a:ext cx="8964826" cy="1477328"/>
+          </a:xfrm>
+          <a:prstGeom prst="rect">
+            <a:avLst/>
+          </a:prstGeom>
+          <a:noFill/>
+          <a:ln>
+            <a:noFill/>
+          </a:ln>
+          <a:effectLst/>
+          <a:extLst>
+            <a:ext uri="{909E8E84-426E-40DD-AFC4-6F175D3DCCD1}">
+              <a14:hiddenFill xmlns:a14="http://schemas.microsoft.com/office/drawing/2010/main">
+                <a:solidFill>
+                  <a:schemeClr val="accent1"/>
+                </a:solidFill>
+              </a14:hiddenFill>
+            </a:ext>
+            <a:ext uri="{91240B29-F687-4F45-9708-019B960494DF}">
+              <a14:hiddenLine xmlns:a14="http://schemas.microsoft.com/office/drawing/2010/main" w="9525">
+                <a:solidFill>
+                  <a:schemeClr val="tx1"/>
+                </a:solidFill>
+                <a:miter lim="800000"/>
+                <a:headEnd/>
+                <a:tailEnd/>
+              </a14:hiddenLine>
+            </a:ext>
+            <a:ext uri="{AF507438-7753-43E0-B8FC-AC1667EBCBE1}">
+              <a14:hiddenEffects xmlns:a14="http://schemas.microsoft.com/office/drawing/2010/main">
+                <a:effectLst>
+                  <a:outerShdw dist="35921" dir="2700000" algn="ctr" rotWithShape="0">
+                    <a:schemeClr val="bg2"/>
+                  </a:outerShdw>
+                </a:effectLst>
+              </a14:hiddenEffects>
+            </a:ext>
+          </a:extLst>
+        </p:spPr>
+        <p:txBody>
+          <a:bodyPr vert="horz" wrap="none" lIns="91440" tIns="45720" rIns="91440" bIns="45720" numCol="1" anchor="ctr" anchorCtr="0" compatLnSpc="1">
+            <a:prstTxWarp prst="textNoShape">
+              <a:avLst/>
+            </a:prstTxWarp>
+            <a:spAutoFit/>
+          </a:bodyPr>
+          <a:lstStyle/>
+          <a:p>
+            <a:pPr marL="0" marR="0" lvl="0" indent="0" algn="l" defTabSz="914400" rtl="0" eaLnBrk="0" fontAlgn="base" latinLnBrk="0" hangingPunct="0">
+              <a:lnSpc>
+                <a:spcPct val="100000"/>
+              </a:lnSpc>
+              <a:spcBef>
+                <a:spcPct val="0"/>
+              </a:spcBef>
+              <a:spcAft>
+                <a:spcPct val="0"/>
+              </a:spcAft>
+              <a:buClrTx/>
+              <a:buSzTx/>
+              <a:buFontTx/>
+              <a:buNone/>
+              <a:tabLst/>
+            </a:pPr>
+            <a:r>
+              <a:rPr kumimoji="0" lang="en-US" altLang="en-US" sz="1800" b="0" i="0" u="none" strike="noStrike" cap="none" normalizeH="0" baseline="0" dirty="0" smtClean="0">
+                <a:ln>
+                  <a:noFill/>
+                </a:ln>
+                <a:solidFill>
+                  <a:schemeClr val="tx1"/>
+                </a:solidFill>
+                <a:effectLst/>
+                <a:latin typeface="Arial" panose="020B0604020202020204" pitchFamily="34" charset="0"/>
+              </a:rPr>
+              <a:t>Descartes: it does not follow that we shall exist a moment from now, </a:t>
+            </a:r>
+            <a:br>
+              <a:rPr kumimoji="0" lang="en-US" altLang="en-US" sz="1800" b="0" i="0" u="none" strike="noStrike" cap="none" normalizeH="0" baseline="0" dirty="0" smtClean="0">
+                <a:ln>
+                  <a:noFill/>
+                </a:ln>
+                <a:solidFill>
+                  <a:schemeClr val="tx1"/>
+                </a:solidFill>
+                <a:effectLst/>
+                <a:latin typeface="Arial" panose="020B0604020202020204" pitchFamily="34" charset="0"/>
+              </a:rPr>
+            </a:br>
+            <a:r>
+              <a:rPr kumimoji="0" lang="en-US" altLang="en-US" sz="1800" b="0" i="0" u="none" strike="noStrike" cap="none" normalizeH="0" baseline="0" dirty="0" smtClean="0">
+                <a:ln>
+                  <a:noFill/>
+                </a:ln>
+                <a:solidFill>
+                  <a:schemeClr val="tx1"/>
+                </a:solidFill>
+                <a:effectLst/>
+                <a:latin typeface="Arial" panose="020B0604020202020204" pitchFamily="34" charset="0"/>
+              </a:rPr>
+              <a:t>unless there is some cause—the same cause which originally produced us—</a:t>
+            </a:r>
+            <a:br>
+              <a:rPr kumimoji="0" lang="en-US" altLang="en-US" sz="1800" b="0" i="0" u="none" strike="noStrike" cap="none" normalizeH="0" baseline="0" dirty="0" smtClean="0">
+                <a:ln>
+                  <a:noFill/>
+                </a:ln>
+                <a:solidFill>
+                  <a:schemeClr val="tx1"/>
+                </a:solidFill>
+                <a:effectLst/>
+                <a:latin typeface="Arial" panose="020B0604020202020204" pitchFamily="34" charset="0"/>
+              </a:rPr>
+            </a:br>
+            <a:r>
+              <a:rPr kumimoji="0" lang="en-US" altLang="en-US" sz="1800" b="0" i="0" u="none" strike="noStrike" cap="none" normalizeH="0" baseline="0" dirty="0" smtClean="0">
+                <a:ln>
+                  <a:noFill/>
+                </a:ln>
+                <a:solidFill>
+                  <a:schemeClr val="tx1"/>
+                </a:solidFill>
+                <a:effectLst/>
+                <a:latin typeface="Arial" panose="020B0604020202020204" pitchFamily="34" charset="0"/>
+              </a:rPr>
+              <a:t>which continually reproduces us, as it were, that is to say, which keeps us in existence</a:t>
+            </a:r>
+          </a:p>
+          <a:p>
+            <a:pPr marL="0" marR="0" lvl="0" indent="0" algn="l" defTabSz="914400" rtl="0" eaLnBrk="0" fontAlgn="base" latinLnBrk="0" hangingPunct="0">
+              <a:lnSpc>
+                <a:spcPct val="100000"/>
+              </a:lnSpc>
+              <a:spcBef>
+                <a:spcPct val="0"/>
+              </a:spcBef>
+              <a:spcAft>
+                <a:spcPct val="0"/>
+              </a:spcAft>
+              <a:buClrTx/>
+              <a:buSzTx/>
+              <a:buFontTx/>
+              <a:buNone/>
+              <a:tabLst/>
+            </a:pPr>
+            <a:r>
+              <a:rPr kumimoji="0" lang="en-US" altLang="en-US" sz="1800" b="0" i="0" u="none" strike="noStrike" cap="none" normalizeH="0" baseline="0" dirty="0" smtClean="0">
+                <a:ln>
+                  <a:noFill/>
+                </a:ln>
+                <a:solidFill>
+                  <a:schemeClr val="tx1"/>
+                </a:solidFill>
+                <a:effectLst/>
+                <a:latin typeface="Arial" panose="020B0604020202020204" pitchFamily="34" charset="0"/>
+              </a:rPr>
+              <a:t/>
+            </a:r>
+            <a:br>
+              <a:rPr kumimoji="0" lang="en-US" altLang="en-US" sz="1800" b="0" i="0" u="none" strike="noStrike" cap="none" normalizeH="0" baseline="0" dirty="0" smtClean="0">
+                <a:ln>
+                  <a:noFill/>
+                </a:ln>
+                <a:solidFill>
+                  <a:schemeClr val="tx1"/>
+                </a:solidFill>
+                <a:effectLst/>
+                <a:latin typeface="Arial" panose="020B0604020202020204" pitchFamily="34" charset="0"/>
+              </a:rPr>
+            </a:br>
+            <a:endParaRPr kumimoji="0" lang="en-US" altLang="en-US" sz="1800" b="0" i="0" u="none" strike="noStrike" cap="none" normalizeH="0" baseline="0" dirty="0" smtClean="0">
+              <a:ln>
+                <a:noFill/>
+              </a:ln>
+              <a:solidFill>
+                <a:schemeClr val="tx1"/>
+              </a:solidFill>
+              <a:effectLst/>
+              <a:latin typeface="Arial" panose="020B0604020202020204" pitchFamily="34" charset="0"/>
+            </a:endParaRPr>
+          </a:p>
+        </p:txBody>
+      </p:sp>
+      <p:sp>
+        <p:nvSpPr>
+          <p:cNvPr id="18" name="Rectangle 17"/>
+          <p:cNvSpPr/>
+          <p:nvPr/>
+        </p:nvSpPr>
+        <p:spPr>
+          <a:xfrm>
+            <a:off x="762000" y="2505670"/>
+            <a:ext cx="7294253" cy="923330"/>
+          </a:xfrm>
+          <a:prstGeom prst="rect">
+            <a:avLst/>
+          </a:prstGeom>
+        </p:spPr>
+        <p:txBody>
+          <a:bodyPr wrap="square">
+            <a:spAutoFit/>
+          </a:bodyPr>
+          <a:lstStyle/>
+          <a:p>
+            <a:r>
+              <a:rPr lang="en-US" dirty="0" smtClean="0"/>
+              <a:t>Bergson: Creation </a:t>
+            </a:r>
+            <a:r>
+              <a:rPr lang="en-US" dirty="0"/>
+              <a:t>would have appeared not simply as continued, but also as continuous. The universe, regarded as a whole, would really evolve. The future would no longer be determinable by the present</a:t>
+            </a:r>
+            <a:endParaRPr lang="en-US" dirty="0"/>
+          </a:p>
+        </p:txBody>
+      </p:sp>
+    </p:spTree>
+    <p:extLst>
+      <p:ext uri="{BB962C8B-B14F-4D97-AF65-F5344CB8AC3E}">
+        <p14:creationId xmlns:p14="http://schemas.microsoft.com/office/powerpoint/2010/main" val="1472257390"/>
+      </p:ext>
+    </p:extLst>
   </p:cSld>
   <p:clrMapOvr>
     <a:masterClrMapping/>

--- a/work/00_NEWEST/KaunsasSol/KaunsasPresentation.pptx
+++ b/work/00_NEWEST/KaunsasSol/KaunsasPresentation.pptx
@@ -1,30 +1,31 @@
 
 <file path=ppt/presentation.xml><?xml version="1.0" encoding="utf-8"?>
-<p:presentation xmlns:a="http://schemas.openxmlformats.org/drawingml/2006/main" xmlns:r="http://schemas.openxmlformats.org/officeDocument/2006/relationships" xmlns:p="http://schemas.openxmlformats.org/presentationml/2006/main" xmlns:m="http://schemas.openxmlformats.org/officeDocument/2006/math" xmlns:a14="http://schemas.microsoft.com/office/drawing/2010/main">
+<p:presentation xmlns:a="http://schemas.openxmlformats.org/drawingml/2006/main" xmlns:r="http://schemas.openxmlformats.org/officeDocument/2006/relationships" xmlns:p="http://schemas.openxmlformats.org/presentationml/2006/main">
   <p:sldMasterIdLst>
-    <p:sldMasterId id="2147483648" r:id="rId5"/>
+    <p:sldMasterId id="2147483648" r:id="rId1"/>
   </p:sldMasterIdLst>
   <p:notesMasterIdLst>
-    <p:notesMasterId r:id="rId7"/>
+    <p:notesMasterId r:id="rId18"/>
   </p:notesMasterIdLst>
   <p:sldIdLst>
-    <p:sldId id="256" r:id="rId8"/>
-    <p:sldId id="257" r:id="rId9"/>
-    <p:sldId id="258" r:id="rId10"/>
-    <p:sldId id="259" r:id="rId11"/>
-    <p:sldId id="260" r:id="rId12"/>
-    <p:sldId id="261" r:id="rId13"/>
-    <p:sldId id="262" r:id="rId14"/>
-    <p:sldId id="263" r:id="rId15"/>
-    <p:sldId id="264" r:id="rId16"/>
-    <p:sldId id="265" r:id="rId17"/>
-    <p:sldId id="266" r:id="rId18"/>
-    <p:sldId id="267" r:id="rId19"/>
-    <p:sldId id="268" r:id="rId20"/>
-    <p:sldId id="269" r:id="rId21"/>
-    <p:sldId id="270" r:id="rId22"/>
+    <p:sldId id="256" r:id="rId2"/>
+    <p:sldId id="257" r:id="rId3"/>
+    <p:sldId id="258" r:id="rId4"/>
+    <p:sldId id="259" r:id="rId5"/>
+    <p:sldId id="271" r:id="rId6"/>
+    <p:sldId id="260" r:id="rId7"/>
+    <p:sldId id="261" r:id="rId8"/>
+    <p:sldId id="262" r:id="rId9"/>
+    <p:sldId id="263" r:id="rId10"/>
+    <p:sldId id="264" r:id="rId11"/>
+    <p:sldId id="265" r:id="rId12"/>
+    <p:sldId id="266" r:id="rId13"/>
+    <p:sldId id="267" r:id="rId14"/>
+    <p:sldId id="268" r:id="rId15"/>
+    <p:sldId id="269" r:id="rId16"/>
+    <p:sldId id="270" r:id="rId17"/>
   </p:sldIdLst>
-  <p:sldSz cx="9144000" cy="6858000"/>
+  <p:sldSz cx="9144000" cy="6858000" type="screen4x3"/>
   <p:notesSz cx="6858000" cy="9144000"/>
   <p:defaultTextStyle>
     <a:defPPr marL="0" marR="0" indent="0" algn="l" defTabSz="914400" rtl="0" fontAlgn="auto" latinLnBrk="1" hangingPunct="0">
@@ -42,7 +43,7 @@
       <a:buFontTx/>
       <a:buNone/>
       <a:tabLst/>
-      <a:defRPr b="0" baseline="0" cap="none" i="0" spc="0" strike="noStrike" sz="1800" u="none" kumimoji="0" normalizeH="0">
+      <a:defRPr kumimoji="0" sz="1800" b="0" i="0" u="none" strike="noStrike" cap="none" spc="0" normalizeH="0" baseline="0">
         <a:ln>
           <a:noFill/>
         </a:ln>
@@ -68,7 +69,7 @@
       <a:buFontTx/>
       <a:buNone/>
       <a:tabLst/>
-      <a:defRPr b="0" baseline="0" cap="none" i="0" spc="0" strike="noStrike" sz="1800" u="none" kumimoji="0" normalizeH="0">
+      <a:defRPr kumimoji="0" sz="1800" b="0" i="0" u="none" strike="noStrike" cap="none" spc="0" normalizeH="0" baseline="0">
         <a:ln>
           <a:noFill/>
         </a:ln>
@@ -98,7 +99,7 @@
       <a:buFontTx/>
       <a:buNone/>
       <a:tabLst/>
-      <a:defRPr b="0" baseline="0" cap="none" i="0" spc="0" strike="noStrike" sz="1800" u="none" kumimoji="0" normalizeH="0">
+      <a:defRPr kumimoji="0" sz="1800" b="0" i="0" u="none" strike="noStrike" cap="none" spc="0" normalizeH="0" baseline="0">
         <a:ln>
           <a:noFill/>
         </a:ln>
@@ -128,7 +129,7 @@
       <a:buFontTx/>
       <a:buNone/>
       <a:tabLst/>
-      <a:defRPr b="0" baseline="0" cap="none" i="0" spc="0" strike="noStrike" sz="1800" u="none" kumimoji="0" normalizeH="0">
+      <a:defRPr kumimoji="0" sz="1800" b="0" i="0" u="none" strike="noStrike" cap="none" spc="0" normalizeH="0" baseline="0">
         <a:ln>
           <a:noFill/>
         </a:ln>
@@ -158,7 +159,7 @@
       <a:buFontTx/>
       <a:buNone/>
       <a:tabLst/>
-      <a:defRPr b="0" baseline="0" cap="none" i="0" spc="0" strike="noStrike" sz="1800" u="none" kumimoji="0" normalizeH="0">
+      <a:defRPr kumimoji="0" sz="1800" b="0" i="0" u="none" strike="noStrike" cap="none" spc="0" normalizeH="0" baseline="0">
         <a:ln>
           <a:noFill/>
         </a:ln>
@@ -188,7 +189,7 @@
       <a:buFontTx/>
       <a:buNone/>
       <a:tabLst/>
-      <a:defRPr b="0" baseline="0" cap="none" i="0" spc="0" strike="noStrike" sz="1800" u="none" kumimoji="0" normalizeH="0">
+      <a:defRPr kumimoji="0" sz="1800" b="0" i="0" u="none" strike="noStrike" cap="none" spc="0" normalizeH="0" baseline="0">
         <a:ln>
           <a:noFill/>
         </a:ln>
@@ -218,7 +219,7 @@
       <a:buFontTx/>
       <a:buNone/>
       <a:tabLst/>
-      <a:defRPr b="0" baseline="0" cap="none" i="0" spc="0" strike="noStrike" sz="1800" u="none" kumimoji="0" normalizeH="0">
+      <a:defRPr kumimoji="0" sz="1800" b="0" i="0" u="none" strike="noStrike" cap="none" spc="0" normalizeH="0" baseline="0">
         <a:ln>
           <a:noFill/>
         </a:ln>
@@ -248,7 +249,7 @@
       <a:buFontTx/>
       <a:buNone/>
       <a:tabLst/>
-      <a:defRPr b="0" baseline="0" cap="none" i="0" spc="0" strike="noStrike" sz="1800" u="none" kumimoji="0" normalizeH="0">
+      <a:defRPr kumimoji="0" sz="1800" b="0" i="0" u="none" strike="noStrike" cap="none" spc="0" normalizeH="0" baseline="0">
         <a:ln>
           <a:noFill/>
         </a:ln>
@@ -278,7 +279,7 @@
       <a:buFontTx/>
       <a:buNone/>
       <a:tabLst/>
-      <a:defRPr b="0" baseline="0" cap="none" i="0" spc="0" strike="noStrike" sz="1800" u="none" kumimoji="0" normalizeH="0">
+      <a:defRPr kumimoji="0" sz="1800" b="0" i="0" u="none" strike="noStrike" cap="none" spc="0" normalizeH="0" baseline="0">
         <a:ln>
           <a:noFill/>
         </a:ln>
@@ -308,7 +309,7 @@
       <a:buFontTx/>
       <a:buNone/>
       <a:tabLst/>
-      <a:defRPr b="0" baseline="0" cap="none" i="0" spc="0" strike="noStrike" sz="1800" u="none" kumimoji="0" normalizeH="0">
+      <a:defRPr kumimoji="0" sz="1800" b="0" i="0" u="none" strike="noStrike" cap="none" spc="0" normalizeH="0" baseline="0">
         <a:ln>
           <a:noFill/>
         </a:ln>
@@ -327,13 +328,14 @@
 </p:presentation>
 </file>
 
-<file path=ppt/commentAuthors.xml><?xml version="1.0" encoding="utf-8"?>
-<p:cmAuthorLst xmlns:a="http://schemas.openxmlformats.org/drawingml/2006/main" xmlns:r="http://schemas.openxmlformats.org/officeDocument/2006/relationships" xmlns:p="http://schemas.openxmlformats.org/presentationml/2006/main" xmlns:m="http://schemas.openxmlformats.org/officeDocument/2006/math" xmlns:a14="http://schemas.microsoft.com/office/drawing/2010/main"/>
-</file>
-
 <file path=ppt/notesMasters/notesMaster1.xml><?xml version="1.0" encoding="utf-8"?>
-<p:notesMaster xmlns:a="http://schemas.openxmlformats.org/drawingml/2006/main" xmlns:r="http://schemas.openxmlformats.org/officeDocument/2006/relationships" xmlns:p="http://schemas.openxmlformats.org/presentationml/2006/main" xmlns:m="http://schemas.openxmlformats.org/officeDocument/2006/math" xmlns:a14="http://schemas.microsoft.com/office/drawing/2010/main">
+<p:notesMaster xmlns:a="http://schemas.openxmlformats.org/drawingml/2006/main" xmlns:r="http://schemas.openxmlformats.org/officeDocument/2006/relationships" xmlns:p="http://schemas.openxmlformats.org/presentationml/2006/main">
   <p:cSld>
+    <p:bg>
+      <p:bgRef idx="1001">
+        <a:schemeClr val="bg1"/>
+      </p:bgRef>
+    </p:bg>
     <p:spTree>
       <p:nvGrpSpPr>
         <p:cNvPr id="1" name=""/>
@@ -351,7 +353,9 @@
       <p:sp>
         <p:nvSpPr>
           <p:cNvPr id="91" name="Shape 91"/>
-          <p:cNvSpPr/>
+          <p:cNvSpPr>
+            <a:spLocks noGrp="1" noRot="1" noChangeAspect="1"/>
+          </p:cNvSpPr>
           <p:nvPr>
             <p:ph type="sldImg"/>
           </p:nvPr>
@@ -369,14 +373,16 @@
           <a:bodyPr/>
           <a:lstStyle/>
           <a:p>
-            <a:pPr/>
+            <a:endParaRPr/>
           </a:p>
         </p:txBody>
       </p:sp>
       <p:sp>
         <p:nvSpPr>
           <p:cNvPr id="92" name="Shape 92"/>
-          <p:cNvSpPr/>
+          <p:cNvSpPr>
+            <a:spLocks noGrp="1"/>
+          </p:cNvSpPr>
           <p:nvPr>
             <p:ph type="body" sz="quarter" idx="1"/>
           </p:nvPr>
@@ -394,7 +400,7 @@
           <a:bodyPr/>
           <a:lstStyle/>
           <a:p>
-            <a:pPr/>
+            <a:endParaRPr/>
           </a:p>
         </p:txBody>
       </p:sp>
@@ -479,7 +485,7 @@
 </file>
 
 <file path=ppt/slideLayouts/slideLayout1.xml><?xml version="1.0" encoding="utf-8"?>
-<p:sldLayout xmlns:a="http://schemas.openxmlformats.org/drawingml/2006/main" xmlns:r="http://schemas.openxmlformats.org/officeDocument/2006/relationships" xmlns:p="http://schemas.openxmlformats.org/presentationml/2006/main" xmlns:m="http://schemas.openxmlformats.org/officeDocument/2006/math" xmlns:a14="http://schemas.microsoft.com/office/drawing/2010/main" type="title" showMasterSp="1" showMasterPhAnim="1">
+<p:sldLayout xmlns:a="http://schemas.openxmlformats.org/drawingml/2006/main" xmlns:r="http://schemas.openxmlformats.org/officeDocument/2006/relationships" xmlns:p="http://schemas.openxmlformats.org/presentationml/2006/main" type="title">
   <p:cSld name="Title Slide">
     <p:spTree>
       <p:nvGrpSpPr>
@@ -498,7 +504,9 @@
       <p:sp>
         <p:nvSpPr>
           <p:cNvPr id="11" name="Title Text"/>
-          <p:cNvSpPr txBox="1"/>
+          <p:cNvSpPr txBox="1">
+            <a:spLocks noGrp="1"/>
+          </p:cNvSpPr>
           <p:nvPr>
             <p:ph type="title"/>
           </p:nvPr>
@@ -516,7 +524,6 @@
           <a:bodyPr/>
           <a:lstStyle/>
           <a:p>
-            <a:pPr/>
             <a:r>
               <a:t>Title Text</a:t>
             </a:r>
@@ -526,7 +533,9 @@
       <p:sp>
         <p:nvSpPr>
           <p:cNvPr id="12" name="Body Level One…"/>
-          <p:cNvSpPr txBox="1"/>
+          <p:cNvSpPr txBox="1">
+            <a:spLocks noGrp="1"/>
+          </p:cNvSpPr>
           <p:nvPr>
             <p:ph type="body" sz="quarter" idx="1"/>
           </p:nvPr>
@@ -595,7 +604,6 @@
             </a:lvl5pPr>
           </a:lstStyle>
           <a:p>
-            <a:pPr/>
             <a:r>
               <a:t>Body Level One</a:t>
             </a:r>
@@ -629,7 +637,9 @@
       <p:sp>
         <p:nvSpPr>
           <p:cNvPr id="13" name="Slide Number"/>
-          <p:cNvSpPr txBox="1"/>
+          <p:cNvSpPr txBox="1">
+            <a:spLocks noGrp="1"/>
+          </p:cNvSpPr>
           <p:nvPr>
             <p:ph type="sldNum" sz="quarter" idx="2"/>
           </p:nvPr>
@@ -643,8 +653,10 @@
           <a:bodyPr/>
           <a:lstStyle/>
           <a:p>
-            <a:pPr/>
-            <a:fld id="{86CB4B4D-7CA3-9044-876B-883B54F8677D}" type="slidenum"/>
+            <a:fld id="{86CB4B4D-7CA3-9044-876B-883B54F8677D}" type="slidenum">
+              <a:t>‹#›</a:t>
+            </a:fld>
+            <a:endParaRPr/>
           </a:p>
         </p:txBody>
       </p:sp>
@@ -653,12 +665,12 @@
   <p:clrMapOvr>
     <a:masterClrMapping/>
   </p:clrMapOvr>
-  <p:transition xmlns:p14="http://schemas.microsoft.com/office/powerpoint/2010/main" spd="med" advClick="1"/>
+  <p:transition spd="med"/>
 </p:sldLayout>
 </file>
 
 <file path=ppt/slideLayouts/slideLayout2.xml><?xml version="1.0" encoding="utf-8"?>
-<p:sldLayout xmlns:a="http://schemas.openxmlformats.org/drawingml/2006/main" xmlns:r="http://schemas.openxmlformats.org/officeDocument/2006/relationships" xmlns:p="http://schemas.openxmlformats.org/presentationml/2006/main" xmlns:m="http://schemas.openxmlformats.org/officeDocument/2006/math" xmlns:a14="http://schemas.microsoft.com/office/drawing/2010/main" type="tx" showMasterSp="1" showMasterPhAnim="1">
+<p:sldLayout xmlns:a="http://schemas.openxmlformats.org/drawingml/2006/main" xmlns:r="http://schemas.openxmlformats.org/officeDocument/2006/relationships" xmlns:p="http://schemas.openxmlformats.org/presentationml/2006/main" type="tx">
   <p:cSld name="Title and Content">
     <p:spTree>
       <p:nvGrpSpPr>
@@ -677,7 +689,9 @@
       <p:sp>
         <p:nvSpPr>
           <p:cNvPr id="20" name="Title Text"/>
-          <p:cNvSpPr txBox="1"/>
+          <p:cNvSpPr txBox="1">
+            <a:spLocks noGrp="1"/>
+          </p:cNvSpPr>
           <p:nvPr>
             <p:ph type="title"/>
           </p:nvPr>
@@ -691,7 +705,6 @@
           <a:bodyPr/>
           <a:lstStyle/>
           <a:p>
-            <a:pPr/>
             <a:r>
               <a:t>Title Text</a:t>
             </a:r>
@@ -701,7 +714,9 @@
       <p:sp>
         <p:nvSpPr>
           <p:cNvPr id="21" name="Body Level One…"/>
-          <p:cNvSpPr txBox="1"/>
+          <p:cNvSpPr txBox="1">
+            <a:spLocks noGrp="1"/>
+          </p:cNvSpPr>
           <p:nvPr>
             <p:ph type="body" idx="1"/>
           </p:nvPr>
@@ -715,7 +730,6 @@
           <a:bodyPr/>
           <a:lstStyle/>
           <a:p>
-            <a:pPr/>
             <a:r>
               <a:t>Body Level One</a:t>
             </a:r>
@@ -749,7 +763,9 @@
       <p:sp>
         <p:nvSpPr>
           <p:cNvPr id="22" name="Slide Number"/>
-          <p:cNvSpPr txBox="1"/>
+          <p:cNvSpPr txBox="1">
+            <a:spLocks noGrp="1"/>
+          </p:cNvSpPr>
           <p:nvPr>
             <p:ph type="sldNum" sz="quarter" idx="2"/>
           </p:nvPr>
@@ -763,8 +779,10 @@
           <a:bodyPr/>
           <a:lstStyle/>
           <a:p>
-            <a:pPr/>
-            <a:fld id="{86CB4B4D-7CA3-9044-876B-883B54F8677D}" type="slidenum"/>
+            <a:fld id="{86CB4B4D-7CA3-9044-876B-883B54F8677D}" type="slidenum">
+              <a:t>‹#›</a:t>
+            </a:fld>
+            <a:endParaRPr/>
           </a:p>
         </p:txBody>
       </p:sp>
@@ -773,12 +791,12 @@
   <p:clrMapOvr>
     <a:masterClrMapping/>
   </p:clrMapOvr>
-  <p:transition xmlns:p14="http://schemas.microsoft.com/office/powerpoint/2010/main" spd="med" advClick="1"/>
+  <p:transition spd="med"/>
 </p:sldLayout>
 </file>
 
 <file path=ppt/slideLayouts/slideLayout3.xml><?xml version="1.0" encoding="utf-8"?>
-<p:sldLayout xmlns:a="http://schemas.openxmlformats.org/drawingml/2006/main" xmlns:r="http://schemas.openxmlformats.org/officeDocument/2006/relationships" xmlns:p="http://schemas.openxmlformats.org/presentationml/2006/main" xmlns:m="http://schemas.openxmlformats.org/officeDocument/2006/math" xmlns:a14="http://schemas.microsoft.com/office/drawing/2010/main" type="tx" showMasterSp="1" showMasterPhAnim="1">
+<p:sldLayout xmlns:a="http://schemas.openxmlformats.org/drawingml/2006/main" xmlns:r="http://schemas.openxmlformats.org/officeDocument/2006/relationships" xmlns:p="http://schemas.openxmlformats.org/presentationml/2006/main" type="tx">
   <p:cSld name="Section Header">
     <p:spTree>
       <p:nvGrpSpPr>
@@ -797,7 +815,9 @@
       <p:sp>
         <p:nvSpPr>
           <p:cNvPr id="29" name="Title Text"/>
-          <p:cNvSpPr txBox="1"/>
+          <p:cNvSpPr txBox="1">
+            <a:spLocks noGrp="1"/>
+          </p:cNvSpPr>
           <p:nvPr>
             <p:ph type="title"/>
           </p:nvPr>
@@ -815,11 +835,10 @@
           <a:bodyPr anchor="t"/>
           <a:lstStyle>
             <a:lvl1pPr algn="l">
-              <a:defRPr b="1" cap="all" sz="4000"/>
+              <a:defRPr sz="4000" b="1" cap="all"/>
             </a:lvl1pPr>
           </a:lstStyle>
           <a:p>
-            <a:pPr/>
             <a:r>
               <a:t>Title Text</a:t>
             </a:r>
@@ -829,7 +848,9 @@
       <p:sp>
         <p:nvSpPr>
           <p:cNvPr id="30" name="Body Level One…"/>
-          <p:cNvSpPr txBox="1"/>
+          <p:cNvSpPr txBox="1">
+            <a:spLocks noGrp="1"/>
+          </p:cNvSpPr>
           <p:nvPr>
             <p:ph type="body" sz="quarter" idx="1"/>
           </p:nvPr>
@@ -913,7 +934,6 @@
             </a:lvl5pPr>
           </a:lstStyle>
           <a:p>
-            <a:pPr/>
             <a:r>
               <a:t>Body Level One</a:t>
             </a:r>
@@ -947,7 +967,9 @@
       <p:sp>
         <p:nvSpPr>
           <p:cNvPr id="31" name="Slide Number"/>
-          <p:cNvSpPr txBox="1"/>
+          <p:cNvSpPr txBox="1">
+            <a:spLocks noGrp="1"/>
+          </p:cNvSpPr>
           <p:nvPr>
             <p:ph type="sldNum" sz="quarter" idx="2"/>
           </p:nvPr>
@@ -961,8 +983,10 @@
           <a:bodyPr/>
           <a:lstStyle/>
           <a:p>
-            <a:pPr/>
-            <a:fld id="{86CB4B4D-7CA3-9044-876B-883B54F8677D}" type="slidenum"/>
+            <a:fld id="{86CB4B4D-7CA3-9044-876B-883B54F8677D}" type="slidenum">
+              <a:t>‹#›</a:t>
+            </a:fld>
+            <a:endParaRPr/>
           </a:p>
         </p:txBody>
       </p:sp>
@@ -971,12 +995,12 @@
   <p:clrMapOvr>
     <a:masterClrMapping/>
   </p:clrMapOvr>
-  <p:transition xmlns:p14="http://schemas.microsoft.com/office/powerpoint/2010/main" spd="med" advClick="1"/>
+  <p:transition spd="med"/>
 </p:sldLayout>
 </file>
 
 <file path=ppt/slideLayouts/slideLayout4.xml><?xml version="1.0" encoding="utf-8"?>
-<p:sldLayout xmlns:a="http://schemas.openxmlformats.org/drawingml/2006/main" xmlns:r="http://schemas.openxmlformats.org/officeDocument/2006/relationships" xmlns:p="http://schemas.openxmlformats.org/presentationml/2006/main" xmlns:m="http://schemas.openxmlformats.org/officeDocument/2006/math" xmlns:a14="http://schemas.microsoft.com/office/drawing/2010/main" type="tx" showMasterSp="1" showMasterPhAnim="1">
+<p:sldLayout xmlns:a="http://schemas.openxmlformats.org/drawingml/2006/main" xmlns:r="http://schemas.openxmlformats.org/officeDocument/2006/relationships" xmlns:p="http://schemas.openxmlformats.org/presentationml/2006/main" type="tx">
   <p:cSld name="Two Content">
     <p:spTree>
       <p:nvGrpSpPr>
@@ -995,7 +1019,9 @@
       <p:sp>
         <p:nvSpPr>
           <p:cNvPr id="38" name="Title Text"/>
-          <p:cNvSpPr txBox="1"/>
+          <p:cNvSpPr txBox="1">
+            <a:spLocks noGrp="1"/>
+          </p:cNvSpPr>
           <p:nvPr>
             <p:ph type="title"/>
           </p:nvPr>
@@ -1009,7 +1035,6 @@
           <a:bodyPr/>
           <a:lstStyle/>
           <a:p>
-            <a:pPr/>
             <a:r>
               <a:t>Title Text</a:t>
             </a:r>
@@ -1019,7 +1044,9 @@
       <p:sp>
         <p:nvSpPr>
           <p:cNvPr id="39" name="Body Level One…"/>
-          <p:cNvSpPr txBox="1"/>
+          <p:cNvSpPr txBox="1">
+            <a:spLocks noGrp="1"/>
+          </p:cNvSpPr>
           <p:nvPr>
             <p:ph type="body" sz="half" idx="1"/>
           </p:nvPr>
@@ -1068,7 +1095,6 @@
             </a:lvl5pPr>
           </a:lstStyle>
           <a:p>
-            <a:pPr/>
             <a:r>
               <a:t>Body Level One</a:t>
             </a:r>
@@ -1102,7 +1128,9 @@
       <p:sp>
         <p:nvSpPr>
           <p:cNvPr id="40" name="Slide Number"/>
-          <p:cNvSpPr txBox="1"/>
+          <p:cNvSpPr txBox="1">
+            <a:spLocks noGrp="1"/>
+          </p:cNvSpPr>
           <p:nvPr>
             <p:ph type="sldNum" sz="quarter" idx="2"/>
           </p:nvPr>
@@ -1116,8 +1144,10 @@
           <a:bodyPr/>
           <a:lstStyle/>
           <a:p>
-            <a:pPr/>
-            <a:fld id="{86CB4B4D-7CA3-9044-876B-883B54F8677D}" type="slidenum"/>
+            <a:fld id="{86CB4B4D-7CA3-9044-876B-883B54F8677D}" type="slidenum">
+              <a:t>‹#›</a:t>
+            </a:fld>
+            <a:endParaRPr/>
           </a:p>
         </p:txBody>
       </p:sp>
@@ -1126,12 +1156,12 @@
   <p:clrMapOvr>
     <a:masterClrMapping/>
   </p:clrMapOvr>
-  <p:transition xmlns:p14="http://schemas.microsoft.com/office/powerpoint/2010/main" spd="med" advClick="1"/>
+  <p:transition spd="med"/>
 </p:sldLayout>
 </file>
 
 <file path=ppt/slideLayouts/slideLayout5.xml><?xml version="1.0" encoding="utf-8"?>
-<p:sldLayout xmlns:a="http://schemas.openxmlformats.org/drawingml/2006/main" xmlns:r="http://schemas.openxmlformats.org/officeDocument/2006/relationships" xmlns:p="http://schemas.openxmlformats.org/presentationml/2006/main" xmlns:m="http://schemas.openxmlformats.org/officeDocument/2006/math" xmlns:a14="http://schemas.microsoft.com/office/drawing/2010/main" type="tx" showMasterSp="1" showMasterPhAnim="1">
+<p:sldLayout xmlns:a="http://schemas.openxmlformats.org/drawingml/2006/main" xmlns:r="http://schemas.openxmlformats.org/officeDocument/2006/relationships" xmlns:p="http://schemas.openxmlformats.org/presentationml/2006/main" type="tx">
   <p:cSld name="Comparison">
     <p:spTree>
       <p:nvGrpSpPr>
@@ -1150,7 +1180,9 @@
       <p:sp>
         <p:nvSpPr>
           <p:cNvPr id="47" name="Title Text"/>
-          <p:cNvSpPr txBox="1"/>
+          <p:cNvSpPr txBox="1">
+            <a:spLocks noGrp="1"/>
+          </p:cNvSpPr>
           <p:nvPr>
             <p:ph type="title"/>
           </p:nvPr>
@@ -1164,7 +1196,6 @@
           <a:bodyPr/>
           <a:lstStyle/>
           <a:p>
-            <a:pPr/>
             <a:r>
               <a:t>Title Text</a:t>
             </a:r>
@@ -1174,7 +1205,9 @@
       <p:sp>
         <p:nvSpPr>
           <p:cNvPr id="48" name="Body Level One…"/>
-          <p:cNvSpPr txBox="1"/>
+          <p:cNvSpPr txBox="1">
+            <a:spLocks noGrp="1"/>
+          </p:cNvSpPr>
           <p:nvPr>
             <p:ph type="body" sz="quarter" idx="1"/>
           </p:nvPr>
@@ -1198,7 +1231,7 @@
               <a:buSzTx/>
               <a:buFontTx/>
               <a:buNone/>
-              <a:defRPr b="1" sz="2400"/>
+              <a:defRPr sz="2400" b="1"/>
             </a:lvl1pPr>
             <a:lvl2pPr marL="0" indent="457200">
               <a:spcBef>
@@ -1207,7 +1240,7 @@
               <a:buSzTx/>
               <a:buFontTx/>
               <a:buNone/>
-              <a:defRPr b="1" sz="2400"/>
+              <a:defRPr sz="2400" b="1"/>
             </a:lvl2pPr>
             <a:lvl3pPr marL="0" indent="914400">
               <a:spcBef>
@@ -1216,7 +1249,7 @@
               <a:buSzTx/>
               <a:buFontTx/>
               <a:buNone/>
-              <a:defRPr b="1" sz="2400"/>
+              <a:defRPr sz="2400" b="1"/>
             </a:lvl3pPr>
             <a:lvl4pPr marL="0" indent="1371600">
               <a:spcBef>
@@ -1225,7 +1258,7 @@
               <a:buSzTx/>
               <a:buFontTx/>
               <a:buNone/>
-              <a:defRPr b="1" sz="2400"/>
+              <a:defRPr sz="2400" b="1"/>
             </a:lvl4pPr>
             <a:lvl5pPr marL="0" indent="1828800">
               <a:spcBef>
@@ -1234,11 +1267,10 @@
               <a:buSzTx/>
               <a:buFontTx/>
               <a:buNone/>
-              <a:defRPr b="1" sz="2400"/>
+              <a:defRPr sz="2400" b="1"/>
             </a:lvl5pPr>
           </a:lstStyle>
           <a:p>
-            <a:pPr/>
             <a:r>
               <a:t>Body Level One</a:t>
             </a:r>
@@ -1272,7 +1304,9 @@
       <p:sp>
         <p:nvSpPr>
           <p:cNvPr id="49" name="Text Placeholder 4"/>
-          <p:cNvSpPr/>
+          <p:cNvSpPr>
+            <a:spLocks noGrp="1"/>
+          </p:cNvSpPr>
           <p:nvPr>
             <p:ph type="body" sz="quarter" idx="21"/>
           </p:nvPr>
@@ -1297,15 +1331,18 @@
               <a:buSzTx/>
               <a:buFontTx/>
               <a:buNone/>
-              <a:defRPr b="1" sz="2400"/>
+              <a:defRPr sz="2400" b="1"/>
             </a:pPr>
+            <a:endParaRPr/>
           </a:p>
         </p:txBody>
       </p:sp>
       <p:sp>
         <p:nvSpPr>
           <p:cNvPr id="50" name="Slide Number"/>
-          <p:cNvSpPr txBox="1"/>
+          <p:cNvSpPr txBox="1">
+            <a:spLocks noGrp="1"/>
+          </p:cNvSpPr>
           <p:nvPr>
             <p:ph type="sldNum" sz="quarter" idx="2"/>
           </p:nvPr>
@@ -1319,8 +1356,10 @@
           <a:bodyPr/>
           <a:lstStyle/>
           <a:p>
-            <a:pPr/>
-            <a:fld id="{86CB4B4D-7CA3-9044-876B-883B54F8677D}" type="slidenum"/>
+            <a:fld id="{86CB4B4D-7CA3-9044-876B-883B54F8677D}" type="slidenum">
+              <a:t>‹#›</a:t>
+            </a:fld>
+            <a:endParaRPr/>
           </a:p>
         </p:txBody>
       </p:sp>
@@ -1329,12 +1368,12 @@
   <p:clrMapOvr>
     <a:masterClrMapping/>
   </p:clrMapOvr>
-  <p:transition xmlns:p14="http://schemas.microsoft.com/office/powerpoint/2010/main" spd="med" advClick="1"/>
+  <p:transition spd="med"/>
 </p:sldLayout>
 </file>
 
 <file path=ppt/slideLayouts/slideLayout6.xml><?xml version="1.0" encoding="utf-8"?>
-<p:sldLayout xmlns:a="http://schemas.openxmlformats.org/drawingml/2006/main" xmlns:r="http://schemas.openxmlformats.org/officeDocument/2006/relationships" xmlns:p="http://schemas.openxmlformats.org/presentationml/2006/main" xmlns:m="http://schemas.openxmlformats.org/officeDocument/2006/math" xmlns:a14="http://schemas.microsoft.com/office/drawing/2010/main" type="tx" showMasterSp="1" showMasterPhAnim="1">
+<p:sldLayout xmlns:a="http://schemas.openxmlformats.org/drawingml/2006/main" xmlns:r="http://schemas.openxmlformats.org/officeDocument/2006/relationships" xmlns:p="http://schemas.openxmlformats.org/presentationml/2006/main" type="tx">
   <p:cSld name="Title Only">
     <p:spTree>
       <p:nvGrpSpPr>
@@ -1353,7 +1392,9 @@
       <p:sp>
         <p:nvSpPr>
           <p:cNvPr id="57" name="Title Text"/>
-          <p:cNvSpPr txBox="1"/>
+          <p:cNvSpPr txBox="1">
+            <a:spLocks noGrp="1"/>
+          </p:cNvSpPr>
           <p:nvPr>
             <p:ph type="title"/>
           </p:nvPr>
@@ -1367,7 +1408,6 @@
           <a:bodyPr/>
           <a:lstStyle/>
           <a:p>
-            <a:pPr/>
             <a:r>
               <a:t>Title Text</a:t>
             </a:r>
@@ -1377,7 +1417,9 @@
       <p:sp>
         <p:nvSpPr>
           <p:cNvPr id="58" name="Slide Number"/>
-          <p:cNvSpPr txBox="1"/>
+          <p:cNvSpPr txBox="1">
+            <a:spLocks noGrp="1"/>
+          </p:cNvSpPr>
           <p:nvPr>
             <p:ph type="sldNum" sz="quarter" idx="2"/>
           </p:nvPr>
@@ -1391,8 +1433,10 @@
           <a:bodyPr/>
           <a:lstStyle/>
           <a:p>
-            <a:pPr/>
-            <a:fld id="{86CB4B4D-7CA3-9044-876B-883B54F8677D}" type="slidenum"/>
+            <a:fld id="{86CB4B4D-7CA3-9044-876B-883B54F8677D}" type="slidenum">
+              <a:t>‹#›</a:t>
+            </a:fld>
+            <a:endParaRPr/>
           </a:p>
         </p:txBody>
       </p:sp>
@@ -1401,12 +1445,12 @@
   <p:clrMapOvr>
     <a:masterClrMapping/>
   </p:clrMapOvr>
-  <p:transition xmlns:p14="http://schemas.microsoft.com/office/powerpoint/2010/main" spd="med" advClick="1"/>
+  <p:transition spd="med"/>
 </p:sldLayout>
 </file>
 
 <file path=ppt/slideLayouts/slideLayout7.xml><?xml version="1.0" encoding="utf-8"?>
-<p:sldLayout xmlns:a="http://schemas.openxmlformats.org/drawingml/2006/main" xmlns:r="http://schemas.openxmlformats.org/officeDocument/2006/relationships" xmlns:p="http://schemas.openxmlformats.org/presentationml/2006/main" xmlns:m="http://schemas.openxmlformats.org/officeDocument/2006/math" xmlns:a14="http://schemas.microsoft.com/office/drawing/2010/main" type="tx" showMasterSp="1" showMasterPhAnim="1">
+<p:sldLayout xmlns:a="http://schemas.openxmlformats.org/drawingml/2006/main" xmlns:r="http://schemas.openxmlformats.org/officeDocument/2006/relationships" xmlns:p="http://schemas.openxmlformats.org/presentationml/2006/main" type="tx">
   <p:cSld name="Blank">
     <p:spTree>
       <p:nvGrpSpPr>
@@ -1425,7 +1469,9 @@
       <p:sp>
         <p:nvSpPr>
           <p:cNvPr id="65" name="Slide Number"/>
-          <p:cNvSpPr txBox="1"/>
+          <p:cNvSpPr txBox="1">
+            <a:spLocks noGrp="1"/>
+          </p:cNvSpPr>
           <p:nvPr>
             <p:ph type="sldNum" sz="quarter" idx="2"/>
           </p:nvPr>
@@ -1439,8 +1485,10 @@
           <a:bodyPr/>
           <a:lstStyle/>
           <a:p>
-            <a:pPr/>
-            <a:fld id="{86CB4B4D-7CA3-9044-876B-883B54F8677D}" type="slidenum"/>
+            <a:fld id="{86CB4B4D-7CA3-9044-876B-883B54F8677D}" type="slidenum">
+              <a:t>‹#›</a:t>
+            </a:fld>
+            <a:endParaRPr/>
           </a:p>
         </p:txBody>
       </p:sp>
@@ -1449,12 +1497,12 @@
   <p:clrMapOvr>
     <a:masterClrMapping/>
   </p:clrMapOvr>
-  <p:transition xmlns:p14="http://schemas.microsoft.com/office/powerpoint/2010/main" spd="med" advClick="1"/>
+  <p:transition spd="med"/>
 </p:sldLayout>
 </file>
 
 <file path=ppt/slideLayouts/slideLayout8.xml><?xml version="1.0" encoding="utf-8"?>
-<p:sldLayout xmlns:a="http://schemas.openxmlformats.org/drawingml/2006/main" xmlns:r="http://schemas.openxmlformats.org/officeDocument/2006/relationships" xmlns:p="http://schemas.openxmlformats.org/presentationml/2006/main" xmlns:m="http://schemas.openxmlformats.org/officeDocument/2006/math" xmlns:a14="http://schemas.microsoft.com/office/drawing/2010/main" type="tx" showMasterSp="1" showMasterPhAnim="1">
+<p:sldLayout xmlns:a="http://schemas.openxmlformats.org/drawingml/2006/main" xmlns:r="http://schemas.openxmlformats.org/officeDocument/2006/relationships" xmlns:p="http://schemas.openxmlformats.org/presentationml/2006/main" type="tx">
   <p:cSld name="Content with Caption">
     <p:spTree>
       <p:nvGrpSpPr>
@@ -1473,7 +1521,9 @@
       <p:sp>
         <p:nvSpPr>
           <p:cNvPr id="72" name="Title Text"/>
-          <p:cNvSpPr txBox="1"/>
+          <p:cNvSpPr txBox="1">
+            <a:spLocks noGrp="1"/>
+          </p:cNvSpPr>
           <p:nvPr>
             <p:ph type="title"/>
           </p:nvPr>
@@ -1491,11 +1541,10 @@
           <a:bodyPr anchor="b"/>
           <a:lstStyle>
             <a:lvl1pPr algn="l">
-              <a:defRPr b="1" sz="2000"/>
+              <a:defRPr sz="2000" b="1"/>
             </a:lvl1pPr>
           </a:lstStyle>
           <a:p>
-            <a:pPr/>
             <a:r>
               <a:t>Title Text</a:t>
             </a:r>
@@ -1505,7 +1554,9 @@
       <p:sp>
         <p:nvSpPr>
           <p:cNvPr id="73" name="Body Level One…"/>
-          <p:cNvSpPr txBox="1"/>
+          <p:cNvSpPr txBox="1">
+            <a:spLocks noGrp="1"/>
+          </p:cNvSpPr>
           <p:nvPr>
             <p:ph type="body" idx="1"/>
           </p:nvPr>
@@ -1523,7 +1574,6 @@
           <a:bodyPr/>
           <a:lstStyle/>
           <a:p>
-            <a:pPr/>
             <a:r>
               <a:t>Body Level One</a:t>
             </a:r>
@@ -1557,7 +1607,9 @@
       <p:sp>
         <p:nvSpPr>
           <p:cNvPr id="74" name="Text Placeholder 3"/>
-          <p:cNvSpPr/>
+          <p:cNvSpPr>
+            <a:spLocks noGrp="1"/>
+          </p:cNvSpPr>
           <p:nvPr>
             <p:ph type="body" sz="half" idx="21"/>
           </p:nvPr>
@@ -1584,13 +1636,16 @@
               <a:buNone/>
               <a:defRPr sz="1400"/>
             </a:pPr>
+            <a:endParaRPr/>
           </a:p>
         </p:txBody>
       </p:sp>
       <p:sp>
         <p:nvSpPr>
           <p:cNvPr id="75" name="Slide Number"/>
-          <p:cNvSpPr txBox="1"/>
+          <p:cNvSpPr txBox="1">
+            <a:spLocks noGrp="1"/>
+          </p:cNvSpPr>
           <p:nvPr>
             <p:ph type="sldNum" sz="quarter" idx="2"/>
           </p:nvPr>
@@ -1604,8 +1659,10 @@
           <a:bodyPr/>
           <a:lstStyle/>
           <a:p>
-            <a:pPr/>
-            <a:fld id="{86CB4B4D-7CA3-9044-876B-883B54F8677D}" type="slidenum"/>
+            <a:fld id="{86CB4B4D-7CA3-9044-876B-883B54F8677D}" type="slidenum">
+              <a:t>‹#›</a:t>
+            </a:fld>
+            <a:endParaRPr/>
           </a:p>
         </p:txBody>
       </p:sp>
@@ -1614,12 +1671,12 @@
   <p:clrMapOvr>
     <a:masterClrMapping/>
   </p:clrMapOvr>
-  <p:transition xmlns:p14="http://schemas.microsoft.com/office/powerpoint/2010/main" spd="med" advClick="1"/>
+  <p:transition spd="med"/>
 </p:sldLayout>
 </file>
 
 <file path=ppt/slideLayouts/slideLayout9.xml><?xml version="1.0" encoding="utf-8"?>
-<p:sldLayout xmlns:a="http://schemas.openxmlformats.org/drawingml/2006/main" xmlns:r="http://schemas.openxmlformats.org/officeDocument/2006/relationships" xmlns:p="http://schemas.openxmlformats.org/presentationml/2006/main" xmlns:m="http://schemas.openxmlformats.org/officeDocument/2006/math" xmlns:a14="http://schemas.microsoft.com/office/drawing/2010/main" type="tx" showMasterSp="1" showMasterPhAnim="1">
+<p:sldLayout xmlns:a="http://schemas.openxmlformats.org/drawingml/2006/main" xmlns:r="http://schemas.openxmlformats.org/officeDocument/2006/relationships" xmlns:p="http://schemas.openxmlformats.org/presentationml/2006/main" type="tx">
   <p:cSld name="Picture with Caption">
     <p:spTree>
       <p:nvGrpSpPr>
@@ -1638,7 +1695,9 @@
       <p:sp>
         <p:nvSpPr>
           <p:cNvPr id="82" name="Title Text"/>
-          <p:cNvSpPr txBox="1"/>
+          <p:cNvSpPr txBox="1">
+            <a:spLocks noGrp="1"/>
+          </p:cNvSpPr>
           <p:nvPr>
             <p:ph type="title"/>
           </p:nvPr>
@@ -1656,11 +1715,10 @@
           <a:bodyPr anchor="b"/>
           <a:lstStyle>
             <a:lvl1pPr algn="l">
-              <a:defRPr b="1" sz="2000"/>
+              <a:defRPr sz="2000" b="1"/>
             </a:lvl1pPr>
           </a:lstStyle>
           <a:p>
-            <a:pPr/>
             <a:r>
               <a:t>Title Text</a:t>
             </a:r>
@@ -1670,7 +1728,9 @@
       <p:sp>
         <p:nvSpPr>
           <p:cNvPr id="83" name="Picture Placeholder 2"/>
-          <p:cNvSpPr/>
+          <p:cNvSpPr>
+            <a:spLocks noGrp="1"/>
+          </p:cNvSpPr>
           <p:nvPr>
             <p:ph type="pic" sz="half" idx="21"/>
           </p:nvPr>
@@ -1690,14 +1750,16 @@
           </a:bodyPr>
           <a:lstStyle/>
           <a:p>
-            <a:pPr/>
+            <a:endParaRPr/>
           </a:p>
         </p:txBody>
       </p:sp>
       <p:sp>
         <p:nvSpPr>
           <p:cNvPr id="84" name="Body Level One…"/>
-          <p:cNvSpPr txBox="1"/>
+          <p:cNvSpPr txBox="1">
+            <a:spLocks noGrp="1"/>
+          </p:cNvSpPr>
           <p:nvPr>
             <p:ph type="body" sz="quarter" idx="1"/>
           </p:nvPr>
@@ -1761,7 +1823,6 @@
             </a:lvl5pPr>
           </a:lstStyle>
           <a:p>
-            <a:pPr/>
             <a:r>
               <a:t>Body Level One</a:t>
             </a:r>
@@ -1795,7 +1856,9 @@
       <p:sp>
         <p:nvSpPr>
           <p:cNvPr id="85" name="Slide Number"/>
-          <p:cNvSpPr txBox="1"/>
+          <p:cNvSpPr txBox="1">
+            <a:spLocks noGrp="1"/>
+          </p:cNvSpPr>
           <p:nvPr>
             <p:ph type="sldNum" sz="quarter" idx="2"/>
           </p:nvPr>
@@ -1809,8 +1872,10 @@
           <a:bodyPr/>
           <a:lstStyle/>
           <a:p>
-            <a:pPr/>
-            <a:fld id="{86CB4B4D-7CA3-9044-876B-883B54F8677D}" type="slidenum"/>
+            <a:fld id="{86CB4B4D-7CA3-9044-876B-883B54F8677D}" type="slidenum">
+              <a:t>‹#›</a:t>
+            </a:fld>
+            <a:endParaRPr/>
           </a:p>
         </p:txBody>
       </p:sp>
@@ -1819,18 +1884,19 @@
   <p:clrMapOvr>
     <a:masterClrMapping/>
   </p:clrMapOvr>
-  <p:transition xmlns:p14="http://schemas.microsoft.com/office/powerpoint/2010/main" spd="med" advClick="1"/>
+  <p:transition spd="med"/>
 </p:sldLayout>
 </file>
 
 <file path=ppt/slideMasters/slideMaster1.xml><?xml version="1.0" encoding="utf-8"?>
-<p:sldMaster xmlns:a="http://schemas.openxmlformats.org/drawingml/2006/main" xmlns:r="http://schemas.openxmlformats.org/officeDocument/2006/relationships" xmlns:p="http://schemas.openxmlformats.org/presentationml/2006/main" xmlns:m="http://schemas.openxmlformats.org/officeDocument/2006/math" xmlns:a14="http://schemas.microsoft.com/office/drawing/2010/main">
+<p:sldMaster xmlns:a="http://schemas.openxmlformats.org/drawingml/2006/main" xmlns:r="http://schemas.openxmlformats.org/officeDocument/2006/relationships" xmlns:p="http://schemas.openxmlformats.org/presentationml/2006/main">
   <p:cSld>
     <p:bg>
       <p:bgPr>
         <a:solidFill>
           <a:srgbClr val="FFFFFF"/>
         </a:solidFill>
+        <a:effectLst/>
       </p:bgPr>
     </p:bg>
     <p:spTree>
@@ -1850,7 +1916,9 @@
       <p:sp>
         <p:nvSpPr>
           <p:cNvPr id="2" name="Title Text"/>
-          <p:cNvSpPr txBox="1"/>
+          <p:cNvSpPr txBox="1">
+            <a:spLocks noGrp="1"/>
+          </p:cNvSpPr>
           <p:nvPr>
             <p:ph type="title"/>
           </p:nvPr>
@@ -1868,17 +1936,16 @@
           </a:ln>
           <a:extLst>
             <a:ext uri="{C572A759-6A51-4108-AA02-DFA0A04FC94B}">
-              <ma14:wrappingTextBoxFlag xmlns:ma14="http://schemas.microsoft.com/office/mac/drawingml/2011/main" val="1"/>
+              <ma14:wrappingTextBoxFlag xmlns:ma14="http://schemas.microsoft.com/office/mac/drawingml/2011/main" xmlns:a14="http://schemas.microsoft.com/office/drawing/2010/main" xmlns:m="http://schemas.openxmlformats.org/officeDocument/2006/math" xmlns="" val="1"/>
             </a:ext>
           </a:extLst>
         </p:spPr>
         <p:txBody>
           <a:bodyPr lIns="45719" rIns="45719" anchor="ctr">
-            <a:normAutofit fontScale="100000" lnSpcReduction="0"/>
+            <a:normAutofit/>
           </a:bodyPr>
           <a:lstStyle/>
           <a:p>
-            <a:pPr/>
             <a:r>
               <a:t>Title Text</a:t>
             </a:r>
@@ -1888,7 +1955,9 @@
       <p:sp>
         <p:nvSpPr>
           <p:cNvPr id="3" name="Body Level One…"/>
-          <p:cNvSpPr txBox="1"/>
+          <p:cNvSpPr txBox="1">
+            <a:spLocks noGrp="1"/>
+          </p:cNvSpPr>
           <p:nvPr>
             <p:ph type="body" idx="1"/>
           </p:nvPr>
@@ -1906,17 +1975,16 @@
           </a:ln>
           <a:extLst>
             <a:ext uri="{C572A759-6A51-4108-AA02-DFA0A04FC94B}">
-              <ma14:wrappingTextBoxFlag xmlns:ma14="http://schemas.microsoft.com/office/mac/drawingml/2011/main" val="1"/>
+              <ma14:wrappingTextBoxFlag xmlns:ma14="http://schemas.microsoft.com/office/mac/drawingml/2011/main" xmlns:a14="http://schemas.microsoft.com/office/drawing/2010/main" xmlns:m="http://schemas.openxmlformats.org/officeDocument/2006/math" xmlns="" val="1"/>
             </a:ext>
           </a:extLst>
         </p:spPr>
         <p:txBody>
           <a:bodyPr lIns="45719" rIns="45719">
-            <a:normAutofit fontScale="100000" lnSpcReduction="0"/>
+            <a:normAutofit/>
           </a:bodyPr>
           <a:lstStyle/>
           <a:p>
-            <a:pPr/>
             <a:r>
               <a:t>Body Level One</a:t>
             </a:r>
@@ -1950,7 +2018,9 @@
       <p:sp>
         <p:nvSpPr>
           <p:cNvPr id="4" name="Slide Number"/>
-          <p:cNvSpPr txBox="1"/>
+          <p:cNvSpPr txBox="1">
+            <a:spLocks noGrp="1"/>
+          </p:cNvSpPr>
           <p:nvPr>
             <p:ph type="sldNum" sz="quarter" idx="2"/>
           </p:nvPr>
@@ -1981,8 +2051,10 @@
             </a:lvl1pPr>
           </a:lstStyle>
           <a:p>
-            <a:pPr/>
-            <a:fld id="{86CB4B4D-7CA3-9044-876B-883B54F8677D}" type="slidenum"/>
+            <a:fld id="{86CB4B4D-7CA3-9044-876B-883B54F8677D}" type="slidenum">
+              <a:t>‹#›</a:t>
+            </a:fld>
+            <a:endParaRPr/>
           </a:p>
         </p:txBody>
       </p:sp>
@@ -1990,17 +2062,17 @@
   </p:cSld>
   <p:clrMap bg1="lt1" tx1="dk1" bg2="lt2" tx2="dk2" accent1="accent1" accent2="accent2" accent3="accent3" accent4="accent4" accent5="accent5" accent6="accent6" hlink="hlink" folHlink="folHlink"/>
   <p:sldLayoutIdLst>
-    <p:sldLayoutId id="2147483649" r:id="rId2"/>
-    <p:sldLayoutId id="2147483650" r:id="rId3"/>
-    <p:sldLayoutId id="2147483651" r:id="rId4"/>
-    <p:sldLayoutId id="2147483652" r:id="rId5"/>
-    <p:sldLayoutId id="2147483653" r:id="rId6"/>
-    <p:sldLayoutId id="2147483654" r:id="rId7"/>
-    <p:sldLayoutId id="2147483655" r:id="rId8"/>
-    <p:sldLayoutId id="2147483656" r:id="rId9"/>
-    <p:sldLayoutId id="2147483657" r:id="rId10"/>
+    <p:sldLayoutId id="2147483649" r:id="rId1"/>
+    <p:sldLayoutId id="2147483650" r:id="rId2"/>
+    <p:sldLayoutId id="2147483651" r:id="rId3"/>
+    <p:sldLayoutId id="2147483652" r:id="rId4"/>
+    <p:sldLayoutId id="2147483653" r:id="rId5"/>
+    <p:sldLayoutId id="2147483654" r:id="rId6"/>
+    <p:sldLayoutId id="2147483655" r:id="rId7"/>
+    <p:sldLayoutId id="2147483656" r:id="rId8"/>
+    <p:sldLayoutId id="2147483657" r:id="rId9"/>
   </p:sldLayoutIdLst>
-  <p:transition xmlns:p14="http://schemas.microsoft.com/office/powerpoint/2010/main" spd="med" advClick="1"/>
+  <p:transition spd="med"/>
   <p:txStyles>
     <p:titleStyle>
       <a:lvl1pPr marL="0" marR="0" indent="0" algn="ctr" defTabSz="914400" rtl="0" latinLnBrk="0">
@@ -2018,7 +2090,7 @@
         <a:buFontTx/>
         <a:buNone/>
         <a:tabLst/>
-        <a:defRPr b="0" baseline="0" cap="none" i="0" spc="0" strike="noStrike" sz="4400" u="none">
+        <a:defRPr sz="4400" b="0" i="0" u="none" strike="noStrike" cap="none" spc="0" baseline="0">
           <a:solidFill>
             <a:srgbClr val="000000"/>
           </a:solidFill>
@@ -2044,7 +2116,7 @@
         <a:buFontTx/>
         <a:buNone/>
         <a:tabLst/>
-        <a:defRPr b="0" baseline="0" cap="none" i="0" spc="0" strike="noStrike" sz="4400" u="none">
+        <a:defRPr sz="4400" b="0" i="0" u="none" strike="noStrike" cap="none" spc="0" baseline="0">
           <a:solidFill>
             <a:srgbClr val="000000"/>
           </a:solidFill>
@@ -2070,7 +2142,7 @@
         <a:buFontTx/>
         <a:buNone/>
         <a:tabLst/>
-        <a:defRPr b="0" baseline="0" cap="none" i="0" spc="0" strike="noStrike" sz="4400" u="none">
+        <a:defRPr sz="4400" b="0" i="0" u="none" strike="noStrike" cap="none" spc="0" baseline="0">
           <a:solidFill>
             <a:srgbClr val="000000"/>
           </a:solidFill>
@@ -2096,7 +2168,7 @@
         <a:buFontTx/>
         <a:buNone/>
         <a:tabLst/>
-        <a:defRPr b="0" baseline="0" cap="none" i="0" spc="0" strike="noStrike" sz="4400" u="none">
+        <a:defRPr sz="4400" b="0" i="0" u="none" strike="noStrike" cap="none" spc="0" baseline="0">
           <a:solidFill>
             <a:srgbClr val="000000"/>
           </a:solidFill>
@@ -2122,7 +2194,7 @@
         <a:buFontTx/>
         <a:buNone/>
         <a:tabLst/>
-        <a:defRPr b="0" baseline="0" cap="none" i="0" spc="0" strike="noStrike" sz="4400" u="none">
+        <a:defRPr sz="4400" b="0" i="0" u="none" strike="noStrike" cap="none" spc="0" baseline="0">
           <a:solidFill>
             <a:srgbClr val="000000"/>
           </a:solidFill>
@@ -2148,7 +2220,7 @@
         <a:buFontTx/>
         <a:buNone/>
         <a:tabLst/>
-        <a:defRPr b="0" baseline="0" cap="none" i="0" spc="0" strike="noStrike" sz="4400" u="none">
+        <a:defRPr sz="4400" b="0" i="0" u="none" strike="noStrike" cap="none" spc="0" baseline="0">
           <a:solidFill>
             <a:srgbClr val="000000"/>
           </a:solidFill>
@@ -2174,7 +2246,7 @@
         <a:buFontTx/>
         <a:buNone/>
         <a:tabLst/>
-        <a:defRPr b="0" baseline="0" cap="none" i="0" spc="0" strike="noStrike" sz="4400" u="none">
+        <a:defRPr sz="4400" b="0" i="0" u="none" strike="noStrike" cap="none" spc="0" baseline="0">
           <a:solidFill>
             <a:srgbClr val="000000"/>
           </a:solidFill>
@@ -2200,7 +2272,7 @@
         <a:buFontTx/>
         <a:buNone/>
         <a:tabLst/>
-        <a:defRPr b="0" baseline="0" cap="none" i="0" spc="0" strike="noStrike" sz="4400" u="none">
+        <a:defRPr sz="4400" b="0" i="0" u="none" strike="noStrike" cap="none" spc="0" baseline="0">
           <a:solidFill>
             <a:srgbClr val="000000"/>
           </a:solidFill>
@@ -2226,7 +2298,7 @@
         <a:buFontTx/>
         <a:buNone/>
         <a:tabLst/>
-        <a:defRPr b="0" baseline="0" cap="none" i="0" spc="0" strike="noStrike" sz="4400" u="none">
+        <a:defRPr sz="4400" b="0" i="0" u="none" strike="noStrike" cap="none" spc="0" baseline="0">
           <a:solidFill>
             <a:srgbClr val="000000"/>
           </a:solidFill>
@@ -2254,7 +2326,7 @@
         <a:buFont typeface="Arial"/>
         <a:buChar char="•"/>
         <a:tabLst/>
-        <a:defRPr b="0" baseline="0" cap="none" i="0" spc="0" strike="noStrike" sz="3200" u="none">
+        <a:defRPr sz="3200" b="0" i="0" u="none" strike="noStrike" cap="none" spc="0" baseline="0">
           <a:solidFill>
             <a:srgbClr val="000000"/>
           </a:solidFill>
@@ -2280,7 +2352,7 @@
         <a:buFont typeface="Arial"/>
         <a:buChar char="–"/>
         <a:tabLst/>
-        <a:defRPr b="0" baseline="0" cap="none" i="0" spc="0" strike="noStrike" sz="3200" u="none">
+        <a:defRPr sz="3200" b="0" i="0" u="none" strike="noStrike" cap="none" spc="0" baseline="0">
           <a:solidFill>
             <a:srgbClr val="000000"/>
           </a:solidFill>
@@ -2306,7 +2378,7 @@
         <a:buFont typeface="Arial"/>
         <a:buChar char="•"/>
         <a:tabLst/>
-        <a:defRPr b="0" baseline="0" cap="none" i="0" spc="0" strike="noStrike" sz="3200" u="none">
+        <a:defRPr sz="3200" b="0" i="0" u="none" strike="noStrike" cap="none" spc="0" baseline="0">
           <a:solidFill>
             <a:srgbClr val="000000"/>
           </a:solidFill>
@@ -2332,7 +2404,7 @@
         <a:buFont typeface="Arial"/>
         <a:buChar char="–"/>
         <a:tabLst/>
-        <a:defRPr b="0" baseline="0" cap="none" i="0" spc="0" strike="noStrike" sz="3200" u="none">
+        <a:defRPr sz="3200" b="0" i="0" u="none" strike="noStrike" cap="none" spc="0" baseline="0">
           <a:solidFill>
             <a:srgbClr val="000000"/>
           </a:solidFill>
@@ -2358,7 +2430,7 @@
         <a:buFont typeface="Arial"/>
         <a:buChar char="»"/>
         <a:tabLst/>
-        <a:defRPr b="0" baseline="0" cap="none" i="0" spc="0" strike="noStrike" sz="3200" u="none">
+        <a:defRPr sz="3200" b="0" i="0" u="none" strike="noStrike" cap="none" spc="0" baseline="0">
           <a:solidFill>
             <a:srgbClr val="000000"/>
           </a:solidFill>
@@ -2384,7 +2456,7 @@
         <a:buFont typeface="Arial"/>
         <a:buChar char="•"/>
         <a:tabLst/>
-        <a:defRPr b="0" baseline="0" cap="none" i="0" spc="0" strike="noStrike" sz="3200" u="none">
+        <a:defRPr sz="3200" b="0" i="0" u="none" strike="noStrike" cap="none" spc="0" baseline="0">
           <a:solidFill>
             <a:srgbClr val="000000"/>
           </a:solidFill>
@@ -2410,7 +2482,7 @@
         <a:buFont typeface="Arial"/>
         <a:buChar char="•"/>
         <a:tabLst/>
-        <a:defRPr b="0" baseline="0" cap="none" i="0" spc="0" strike="noStrike" sz="3200" u="none">
+        <a:defRPr sz="3200" b="0" i="0" u="none" strike="noStrike" cap="none" spc="0" baseline="0">
           <a:solidFill>
             <a:srgbClr val="000000"/>
           </a:solidFill>
@@ -2436,7 +2508,7 @@
         <a:buFont typeface="Arial"/>
         <a:buChar char="•"/>
         <a:tabLst/>
-        <a:defRPr b="0" baseline="0" cap="none" i="0" spc="0" strike="noStrike" sz="3200" u="none">
+        <a:defRPr sz="3200" b="0" i="0" u="none" strike="noStrike" cap="none" spc="0" baseline="0">
           <a:solidFill>
             <a:srgbClr val="000000"/>
           </a:solidFill>
@@ -2462,7 +2534,7 @@
         <a:buFont typeface="Arial"/>
         <a:buChar char="•"/>
         <a:tabLst/>
-        <a:defRPr b="0" baseline="0" cap="none" i="0" spc="0" strike="noStrike" sz="3200" u="none">
+        <a:defRPr sz="3200" b="0" i="0" u="none" strike="noStrike" cap="none" spc="0" baseline="0">
           <a:solidFill>
             <a:srgbClr val="000000"/>
           </a:solidFill>
@@ -2490,7 +2562,7 @@
         <a:buFontTx/>
         <a:buNone/>
         <a:tabLst/>
-        <a:defRPr b="0" baseline="0" cap="none" i="0" spc="0" strike="noStrike" sz="1200" u="none">
+        <a:defRPr sz="1200" b="0" i="0" u="none" strike="noStrike" cap="none" spc="0" baseline="0">
           <a:solidFill>
             <a:schemeClr val="tx1"/>
           </a:solidFill>
@@ -2516,7 +2588,7 @@
         <a:buFontTx/>
         <a:buNone/>
         <a:tabLst/>
-        <a:defRPr b="0" baseline="0" cap="none" i="0" spc="0" strike="noStrike" sz="1200" u="none">
+        <a:defRPr sz="1200" b="0" i="0" u="none" strike="noStrike" cap="none" spc="0" baseline="0">
           <a:solidFill>
             <a:schemeClr val="tx1"/>
           </a:solidFill>
@@ -2542,7 +2614,7 @@
         <a:buFontTx/>
         <a:buNone/>
         <a:tabLst/>
-        <a:defRPr b="0" baseline="0" cap="none" i="0" spc="0" strike="noStrike" sz="1200" u="none">
+        <a:defRPr sz="1200" b="0" i="0" u="none" strike="noStrike" cap="none" spc="0" baseline="0">
           <a:solidFill>
             <a:schemeClr val="tx1"/>
           </a:solidFill>
@@ -2568,7 +2640,7 @@
         <a:buFontTx/>
         <a:buNone/>
         <a:tabLst/>
-        <a:defRPr b="0" baseline="0" cap="none" i="0" spc="0" strike="noStrike" sz="1200" u="none">
+        <a:defRPr sz="1200" b="0" i="0" u="none" strike="noStrike" cap="none" spc="0" baseline="0">
           <a:solidFill>
             <a:schemeClr val="tx1"/>
           </a:solidFill>
@@ -2594,7 +2666,7 @@
         <a:buFontTx/>
         <a:buNone/>
         <a:tabLst/>
-        <a:defRPr b="0" baseline="0" cap="none" i="0" spc="0" strike="noStrike" sz="1200" u="none">
+        <a:defRPr sz="1200" b="0" i="0" u="none" strike="noStrike" cap="none" spc="0" baseline="0">
           <a:solidFill>
             <a:schemeClr val="tx1"/>
           </a:solidFill>
@@ -2620,7 +2692,7 @@
         <a:buFontTx/>
         <a:buNone/>
         <a:tabLst/>
-        <a:defRPr b="0" baseline="0" cap="none" i="0" spc="0" strike="noStrike" sz="1200" u="none">
+        <a:defRPr sz="1200" b="0" i="0" u="none" strike="noStrike" cap="none" spc="0" baseline="0">
           <a:solidFill>
             <a:schemeClr val="tx1"/>
           </a:solidFill>
@@ -2646,7 +2718,7 @@
         <a:buFontTx/>
         <a:buNone/>
         <a:tabLst/>
-        <a:defRPr b="0" baseline="0" cap="none" i="0" spc="0" strike="noStrike" sz="1200" u="none">
+        <a:defRPr sz="1200" b="0" i="0" u="none" strike="noStrike" cap="none" spc="0" baseline="0">
           <a:solidFill>
             <a:schemeClr val="tx1"/>
           </a:solidFill>
@@ -2672,7 +2744,7 @@
         <a:buFontTx/>
         <a:buNone/>
         <a:tabLst/>
-        <a:defRPr b="0" baseline="0" cap="none" i="0" spc="0" strike="noStrike" sz="1200" u="none">
+        <a:defRPr sz="1200" b="0" i="0" u="none" strike="noStrike" cap="none" spc="0" baseline="0">
           <a:solidFill>
             <a:schemeClr val="tx1"/>
           </a:solidFill>
@@ -2698,7 +2770,7 @@
         <a:buFontTx/>
         <a:buNone/>
         <a:tabLst/>
-        <a:defRPr b="0" baseline="0" cap="none" i="0" spc="0" strike="noStrike" sz="1200" u="none">
+        <a:defRPr sz="1200" b="0" i="0" u="none" strike="noStrike" cap="none" spc="0" baseline="0">
           <a:solidFill>
             <a:schemeClr val="tx1"/>
           </a:solidFill>
@@ -2715,7 +2787,7 @@
 </file>
 
 <file path=ppt/slides/slide1.xml><?xml version="1.0" encoding="utf-8"?>
-<p:sld xmlns:a="http://schemas.openxmlformats.org/drawingml/2006/main" xmlns:r="http://schemas.openxmlformats.org/officeDocument/2006/relationships" xmlns:p="http://schemas.openxmlformats.org/presentationml/2006/main" xmlns:m="http://schemas.openxmlformats.org/officeDocument/2006/math" xmlns:a14="http://schemas.microsoft.com/office/drawing/2010/main" showMasterSp="1" showMasterPhAnim="1">
+<p:sld xmlns:a="http://schemas.openxmlformats.org/drawingml/2006/main" xmlns:r="http://schemas.openxmlformats.org/officeDocument/2006/relationships" xmlns:p="http://schemas.openxmlformats.org/presentationml/2006/main">
   <p:cSld>
     <p:spTree>
       <p:nvGrpSpPr>
@@ -2734,7 +2806,9 @@
       <p:sp>
         <p:nvSpPr>
           <p:cNvPr id="94" name="Title 1"/>
-          <p:cNvSpPr txBox="1"/>
+          <p:cNvSpPr txBox="1">
+            <a:spLocks noGrp="1"/>
+          </p:cNvSpPr>
           <p:nvPr>
             <p:ph type="ctrTitle"/>
           </p:nvPr>
@@ -2774,7 +2848,9 @@
       <p:sp>
         <p:nvSpPr>
           <p:cNvPr id="95" name="Subtitle 2"/>
-          <p:cNvSpPr txBox="1"/>
+          <p:cNvSpPr txBox="1">
+            <a:spLocks noGrp="1"/>
+          </p:cNvSpPr>
           <p:nvPr>
             <p:ph type="subTitle" sz="quarter" idx="1"/>
           </p:nvPr>
@@ -2792,7 +2868,6 @@
           <a:bodyPr/>
           <a:lstStyle/>
           <a:p>
-            <a:pPr/>
             <a:r>
               <a:t>A Black and Indigenously-Inspired</a:t>
             </a:r>
@@ -2837,12 +2912,174 @@
   <p:clrMapOvr>
     <a:masterClrMapping/>
   </p:clrMapOvr>
-  <p:transition xmlns:p14="http://schemas.microsoft.com/office/powerpoint/2010/main" spd="med" advClick="1"/>
+  <p:transition spd="med"/>
 </p:sld>
 </file>
 
 <file path=ppt/slides/slide10.xml><?xml version="1.0" encoding="utf-8"?>
-<p:sld xmlns:a="http://schemas.openxmlformats.org/drawingml/2006/main" xmlns:r="http://schemas.openxmlformats.org/officeDocument/2006/relationships" xmlns:p="http://schemas.openxmlformats.org/presentationml/2006/main" xmlns:m="http://schemas.openxmlformats.org/officeDocument/2006/math" xmlns:a14="http://schemas.microsoft.com/office/drawing/2010/main" showMasterSp="1" showMasterPhAnim="1">
+<p:sld xmlns:a="http://schemas.openxmlformats.org/drawingml/2006/main" xmlns:r="http://schemas.openxmlformats.org/officeDocument/2006/relationships" xmlns:p="http://schemas.openxmlformats.org/presentationml/2006/main">
+  <p:cSld>
+    <p:spTree>
+      <p:nvGrpSpPr>
+        <p:cNvPr id="1" name=""/>
+        <p:cNvGrpSpPr/>
+        <p:nvPr/>
+      </p:nvGrpSpPr>
+      <p:grpSpPr>
+        <a:xfrm>
+          <a:off x="0" y="0"/>
+          <a:ext cx="0" cy="0"/>
+          <a:chOff x="0" y="0"/>
+          <a:chExt cx="0" cy="0"/>
+        </a:xfrm>
+      </p:grpSpPr>
+      <p:sp>
+        <p:nvSpPr>
+          <p:cNvPr id="126" name="Elemental Force as Polemos"/>
+          <p:cNvSpPr txBox="1">
+            <a:spLocks noGrp="1"/>
+          </p:cNvSpPr>
+          <p:nvPr>
+            <p:ph type="title"/>
+          </p:nvPr>
+        </p:nvSpPr>
+        <p:spPr>
+          <a:prstGeom prst="rect">
+            <a:avLst/>
+          </a:prstGeom>
+        </p:spPr>
+        <p:txBody>
+          <a:bodyPr/>
+          <a:lstStyle/>
+          <a:p>
+            <a:r>
+              <a:t>Elemental Force as Polemos</a:t>
+            </a:r>
+          </a:p>
+        </p:txBody>
+      </p:sp>
+      <p:sp>
+        <p:nvSpPr>
+          <p:cNvPr id="127" name="But the primitive powers that burn within it burst open its wretched phraseology under the pressure of an elementary force. They awaken the secret nostalgia within the German soul. Hitlerism is more than a contagion or a  madness; it is an awakening of e"/>
+          <p:cNvSpPr txBox="1">
+            <a:spLocks noGrp="1"/>
+          </p:cNvSpPr>
+          <p:nvPr>
+            <p:ph type="body" idx="1"/>
+          </p:nvPr>
+        </p:nvSpPr>
+        <p:spPr>
+          <a:xfrm>
+            <a:off x="457200" y="1493356"/>
+            <a:ext cx="8229600" cy="4525964"/>
+          </a:xfrm>
+          <a:prstGeom prst="rect">
+            <a:avLst/>
+          </a:prstGeom>
+        </p:spPr>
+        <p:txBody>
+          <a:bodyPr/>
+          <a:lstStyle/>
+          <a:p>
+            <a:pPr marL="513644" indent="-513644" defTabSz="355600">
+              <a:spcBef>
+                <a:spcPts val="0"/>
+              </a:spcBef>
+              <a:buFont typeface="Menlo Regular"/>
+              <a:defRPr sz="1300">
+                <a:latin typeface="Helvetica Neue"/>
+                <a:ea typeface="Helvetica Neue"/>
+                <a:cs typeface="Helvetica Neue"/>
+                <a:sym typeface="Helvetica Neue"/>
+              </a:defRPr>
+            </a:pPr>
+            <a:r>
+              <a:t>But the primitive powers that burn within it burst open its wretched phraseology under the pressure of an elementary force. They awaken the secret nostalgia within the German soul. Hitlerism is more than a contagion or a  madness; it is an awakening of elementary feelings. But from this point on, this frighteningly dangerous phenomenon  becomes philosophically interesting. For these elementary feelings  harbor a philosophy. </a:t>
+            </a:r>
+          </a:p>
+          <a:p>
+            <a:pPr marL="513644" indent="-513644" defTabSz="355600">
+              <a:spcBef>
+                <a:spcPts val="0"/>
+              </a:spcBef>
+              <a:buFont typeface="Menlo Regular"/>
+              <a:defRPr sz="1300">
+                <a:latin typeface="Helvetica Neue"/>
+                <a:ea typeface="Helvetica Neue"/>
+                <a:cs typeface="Helvetica Neue"/>
+                <a:sym typeface="Helvetica Neue"/>
+              </a:defRPr>
+            </a:pPr>
+            <a:r>
+              <a:t>The mysterious urgings of the blood, the appeals of heredity and the past for which the body serves as an enigmatic vehicle, lose the  character of being problems that are subject to a solution put forward  by a sovereignly free Self. Not only does the Self bring in the unknown  elements of these problems in order to resolve them; the Self is also  constituted by these elements. </a:t>
+            </a:r>
+          </a:p>
+          <a:p>
+            <a:pPr marL="513644" indent="-513644" defTabSz="355600">
+              <a:spcBef>
+                <a:spcPts val="0"/>
+              </a:spcBef>
+              <a:buFont typeface="Menlo Regular"/>
+              <a:defRPr sz="1300">
+                <a:latin typeface="Helvetica Neue"/>
+                <a:ea typeface="Helvetica Neue"/>
+                <a:cs typeface="Helvetica Neue"/>
+                <a:sym typeface="Helvetica Neue"/>
+              </a:defRPr>
+            </a:pPr>
+            <a:r>
+              <a:t>But force is characterized by another type of propagation. The person who exerts force does not abandon it. Force does not disappear among those who submit to it. It is attached to the personality or society exerting it, enlarging that person or society while subordinating the rest. Here the universal order is not established as a consequence of ideological expansion; it is that very expansion that constitutes the unity of a world of masters and slaves. Nietzsche's will to power, which modern Germany is rediscovering and glorifying, is not only a new ideal; it is an ideal that simultaneously brings with it its own form of universalization: war and conquest.</a:t>
+            </a:r>
+            <a:br/>
+            <a:endParaRPr/>
+          </a:p>
+          <a:p>
+            <a:pPr marL="0" indent="0" defTabSz="355600">
+              <a:spcBef>
+                <a:spcPts val="0"/>
+              </a:spcBef>
+              <a:buSzTx/>
+              <a:buFontTx/>
+              <a:buNone/>
+              <a:defRPr sz="1300">
+                <a:latin typeface="Helvetica Neue"/>
+                <a:ea typeface="Helvetica Neue"/>
+                <a:cs typeface="Helvetica Neue"/>
+                <a:sym typeface="Helvetica Neue"/>
+              </a:defRPr>
+            </a:pPr>
+            <a:endParaRPr sz="1200"/>
+          </a:p>
+          <a:p>
+            <a:pPr marL="0" indent="0" defTabSz="457200">
+              <a:spcBef>
+                <a:spcPts val="1200"/>
+              </a:spcBef>
+              <a:buSzTx/>
+              <a:buFontTx/>
+              <a:buNone/>
+              <a:defRPr sz="1333" b="1">
+                <a:latin typeface="Times Roman"/>
+                <a:ea typeface="Times Roman"/>
+                <a:cs typeface="Times Roman"/>
+                <a:sym typeface="Times Roman"/>
+              </a:defRPr>
+            </a:pPr>
+            <a:endParaRPr sz="1200" b="0"/>
+          </a:p>
+        </p:txBody>
+      </p:sp>
+    </p:spTree>
+  </p:cSld>
+  <p:clrMapOvr>
+    <a:masterClrMapping/>
+  </p:clrMapOvr>
+  <p:transition spd="med"/>
+</p:sld>
+</file>
+
+<file path=ppt/slides/slide11.xml><?xml version="1.0" encoding="utf-8"?>
+<p:sld xmlns:a="http://schemas.openxmlformats.org/drawingml/2006/main" xmlns:r="http://schemas.openxmlformats.org/officeDocument/2006/relationships" xmlns:p="http://schemas.openxmlformats.org/presentationml/2006/main">
   <p:cSld>
     <p:spTree>
       <p:nvGrpSpPr>
@@ -2861,7 +3098,9 @@
       <p:sp>
         <p:nvSpPr>
           <p:cNvPr id="129" name="Regeneration of generations"/>
-          <p:cNvSpPr txBox="1"/>
+          <p:cNvSpPr txBox="1">
+            <a:spLocks noGrp="1"/>
+          </p:cNvSpPr>
           <p:nvPr>
             <p:ph type="title"/>
           </p:nvPr>
@@ -2875,7 +3114,6 @@
           <a:bodyPr/>
           <a:lstStyle/>
           <a:p>
-            <a:pPr/>
             <a:r>
               <a:t> Regeneration of generations</a:t>
             </a:r>
@@ -2885,7 +3123,9 @@
       <p:sp>
         <p:nvSpPr>
           <p:cNvPr id="130" name="For Levinas, the generative family demonstrates that, rather than merely issuing from an origin, existence is a continuous creation…"/>
-          <p:cNvSpPr txBox="1"/>
+          <p:cNvSpPr txBox="1">
+            <a:spLocks noGrp="1"/>
+          </p:cNvSpPr>
           <p:nvPr>
             <p:ph type="body" idx="1"/>
           </p:nvPr>
@@ -2972,12 +3212,12 @@
   <p:clrMapOvr>
     <a:masterClrMapping/>
   </p:clrMapOvr>
-  <p:transition xmlns:p14="http://schemas.microsoft.com/office/powerpoint/2010/main" spd="med" advClick="1"/>
+  <p:transition spd="med"/>
 </p:sld>
 </file>
 
-<file path=ppt/slides/slide11.xml><?xml version="1.0" encoding="utf-8"?>
-<p:sld xmlns:a="http://schemas.openxmlformats.org/drawingml/2006/main" xmlns:r="http://schemas.openxmlformats.org/officeDocument/2006/relationships" xmlns:p="http://schemas.openxmlformats.org/presentationml/2006/main" xmlns:m="http://schemas.openxmlformats.org/officeDocument/2006/math" xmlns:a14="http://schemas.microsoft.com/office/drawing/2010/main" showMasterSp="1" showMasterPhAnim="1">
+<file path=ppt/slides/slide12.xml><?xml version="1.0" encoding="utf-8"?>
+<p:sld xmlns:a="http://schemas.openxmlformats.org/drawingml/2006/main" xmlns:r="http://schemas.openxmlformats.org/officeDocument/2006/relationships" xmlns:p="http://schemas.openxmlformats.org/presentationml/2006/main">
   <p:cSld>
     <p:spTree>
       <p:nvGrpSpPr>
@@ -2996,7 +3236,9 @@
       <p:sp>
         <p:nvSpPr>
           <p:cNvPr id="132" name="Continuous Rebirthing at Every moment"/>
-          <p:cNvSpPr txBox="1"/>
+          <p:cNvSpPr txBox="1">
+            <a:spLocks noGrp="1"/>
+          </p:cNvSpPr>
           <p:nvPr>
             <p:ph type="title"/>
           </p:nvPr>
@@ -3014,7 +3256,6 @@
             </a:lvl1pPr>
           </a:lstStyle>
           <a:p>
-            <a:pPr/>
             <a:r>
               <a:t>Continuous Rebirthing at Every moment</a:t>
             </a:r>
@@ -3024,7 +3265,9 @@
       <p:sp>
         <p:nvSpPr>
           <p:cNvPr id="133" name="This is emphasized not just as the family scheme but showing how it is at every moment this reorientation…"/>
-          <p:cNvSpPr txBox="1"/>
+          <p:cNvSpPr txBox="1">
+            <a:spLocks noGrp="1"/>
+          </p:cNvSpPr>
           <p:nvPr>
             <p:ph type="body" idx="1"/>
           </p:nvPr>
@@ -3158,12 +3401,12 @@
   <p:clrMapOvr>
     <a:masterClrMapping/>
   </p:clrMapOvr>
-  <p:transition xmlns:p14="http://schemas.microsoft.com/office/powerpoint/2010/main" spd="med" advClick="1"/>
+  <p:transition spd="med"/>
 </p:sld>
 </file>
 
-<file path=ppt/slides/slide12.xml><?xml version="1.0" encoding="utf-8"?>
-<p:sld xmlns:a="http://schemas.openxmlformats.org/drawingml/2006/main" xmlns:r="http://schemas.openxmlformats.org/officeDocument/2006/relationships" xmlns:p="http://schemas.openxmlformats.org/presentationml/2006/main" xmlns:m="http://schemas.openxmlformats.org/officeDocument/2006/math" xmlns:a14="http://schemas.microsoft.com/office/drawing/2010/main" showMasterSp="1" showMasterPhAnim="1">
+<file path=ppt/slides/slide13.xml><?xml version="1.0" encoding="utf-8"?>
+<p:sld xmlns:a="http://schemas.openxmlformats.org/drawingml/2006/main" xmlns:r="http://schemas.openxmlformats.org/officeDocument/2006/relationships" xmlns:p="http://schemas.openxmlformats.org/presentationml/2006/main">
   <p:cSld>
     <p:spTree>
       <p:nvGrpSpPr>
@@ -3182,7 +3425,9 @@
       <p:sp>
         <p:nvSpPr>
           <p:cNvPr id="135" name="Maternal Body"/>
-          <p:cNvSpPr txBox="1"/>
+          <p:cNvSpPr txBox="1">
+            <a:spLocks noGrp="1"/>
+          </p:cNvSpPr>
           <p:nvPr>
             <p:ph type="title"/>
           </p:nvPr>
@@ -3200,7 +3445,6 @@
           <a:bodyPr/>
           <a:lstStyle/>
           <a:p>
-            <a:pPr/>
             <a:r>
               <a:t>Maternal Body</a:t>
             </a:r>
@@ -3210,7 +3454,9 @@
       <p:sp>
         <p:nvSpPr>
           <p:cNvPr id="136" name="Indeed in the transcendence of intentionality diachrony is reflected, that is, the psyche itself, in which the inspiration of the same by the other is articulated as a responsibility for another, in proximity. Sensibility is in this way situated back in "/>
-          <p:cNvSpPr txBox="1"/>
+          <p:cNvSpPr txBox="1">
+            <a:spLocks noGrp="1"/>
+          </p:cNvSpPr>
           <p:nvPr>
             <p:ph type="body" idx="1"/>
           </p:nvPr>
@@ -3224,7 +3470,7 @@
           <a:bodyPr/>
           <a:lstStyle/>
           <a:p>
-            <a:pPr lvl="1" marL="813816" indent="-282575" defTabSz="406908">
+            <a:pPr marL="813816" lvl="1" indent="-282575" defTabSz="406908">
               <a:spcBef>
                 <a:spcPts val="0"/>
               </a:spcBef>
@@ -3248,7 +3494,7 @@
             </a:r>
           </a:p>
           <a:p>
-            <a:pPr lvl="1" marL="813816" indent="-282575" defTabSz="406908">
+            <a:pPr marL="813816" lvl="1" indent="-282575" defTabSz="406908">
               <a:spcBef>
                 <a:spcPts val="0"/>
               </a:spcBef>
@@ -3280,7 +3526,7 @@
                 <a:srgbClr val="1F2328"/>
               </a:buClr>
               <a:buFont typeface="TimesNewRomanPSMT"/>
-              <a:buAutoNum type="arabicPeriod" startAt="1"/>
+              <a:buAutoNum type="arabicPeriod"/>
               <a:defRPr sz="1424">
                 <a:solidFill>
                   <a:srgbClr val="1F2328"/>
@@ -3295,6 +3541,7 @@
               <a:t>Or do the being encumbered with oneself and the suffering of constriction in one's skin, better than metaphors, follow the exact trope of an alteration of essence, which inverts, or would invert, into a recurrence in which the expulsion of self outside of itself is its substitution for the other?</a:t>
             </a:r>
             <a:br/>
+            <a:endParaRPr/>
           </a:p>
           <a:p>
             <a:pPr marL="0" indent="0" defTabSz="406908">
@@ -3304,7 +3551,7 @@
               <a:buSzTx/>
               <a:buFontTx/>
               <a:buNone/>
-              <a:defRPr b="1" sz="1602">
+              <a:defRPr sz="1602" b="1">
                 <a:solidFill>
                   <a:srgbClr val="1F2328"/>
                 </a:solidFill>
@@ -3314,9 +3561,10 @@
                 <a:sym typeface="Helvetica"/>
               </a:defRPr>
             </a:pPr>
-          </a:p>
-          <a:p>
-            <a:pPr lvl="1" marL="813816" indent="-282575" defTabSz="406908">
+            <a:endParaRPr/>
+          </a:p>
+          <a:p>
+            <a:pPr marL="813816" lvl="1" indent="-282575" defTabSz="406908">
               <a:spcBef>
                 <a:spcPts val="0"/>
               </a:spcBef>
@@ -3335,7 +3583,11 @@
                 <a:sym typeface="Helvetica"/>
               </a:defRPr>
             </a:pPr>
+            <a:r>
+              <a:t/>
+            </a:r>
             <a:br/>
+            <a:endParaRPr/>
           </a:p>
           <a:p>
             <a:pPr marL="0" indent="0" defTabSz="406908">
@@ -3345,7 +3597,7 @@
               <a:buSzTx/>
               <a:buFontTx/>
               <a:buNone/>
-              <a:defRPr b="1" sz="1602">
+              <a:defRPr sz="1602" b="1">
                 <a:solidFill>
                   <a:srgbClr val="1F2328"/>
                 </a:solidFill>
@@ -3355,6 +3607,7 @@
                 <a:sym typeface="Helvetica"/>
               </a:defRPr>
             </a:pPr>
+            <a:endParaRPr/>
           </a:p>
         </p:txBody>
       </p:sp>
@@ -3363,12 +3616,12 @@
   <p:clrMapOvr>
     <a:masterClrMapping/>
   </p:clrMapOvr>
-  <p:transition xmlns:p14="http://schemas.microsoft.com/office/powerpoint/2010/main" spd="med" advClick="1"/>
+  <p:transition spd="med"/>
 </p:sld>
 </file>
 
-<file path=ppt/slides/slide13.xml><?xml version="1.0" encoding="utf-8"?>
-<p:sld xmlns:a="http://schemas.openxmlformats.org/drawingml/2006/main" xmlns:r="http://schemas.openxmlformats.org/officeDocument/2006/relationships" xmlns:p="http://schemas.openxmlformats.org/presentationml/2006/main" xmlns:m="http://schemas.openxmlformats.org/officeDocument/2006/math" xmlns:a14="http://schemas.microsoft.com/office/drawing/2010/main" showMasterSp="1" showMasterPhAnim="1">
+<file path=ppt/slides/slide14.xml><?xml version="1.0" encoding="utf-8"?>
+<p:sld xmlns:a="http://schemas.openxmlformats.org/drawingml/2006/main" xmlns:r="http://schemas.openxmlformats.org/officeDocument/2006/relationships" xmlns:p="http://schemas.openxmlformats.org/presentationml/2006/main">
   <p:cSld>
     <p:spTree>
       <p:nvGrpSpPr>
@@ -3387,7 +3640,9 @@
       <p:sp>
         <p:nvSpPr>
           <p:cNvPr id="138" name="Double-click to edit"/>
-          <p:cNvSpPr txBox="1"/>
+          <p:cNvSpPr txBox="1">
+            <a:spLocks noGrp="1"/>
+          </p:cNvSpPr>
           <p:nvPr>
             <p:ph type="title"/>
           </p:nvPr>
@@ -3401,14 +3656,16 @@
           <a:bodyPr/>
           <a:lstStyle/>
           <a:p>
-            <a:pPr/>
+            <a:endParaRPr/>
           </a:p>
         </p:txBody>
       </p:sp>
       <p:sp>
         <p:nvSpPr>
           <p:cNvPr id="139" name="Double-click to edit"/>
-          <p:cNvSpPr txBox="1"/>
+          <p:cNvSpPr txBox="1">
+            <a:spLocks noGrp="1"/>
+          </p:cNvSpPr>
           <p:nvPr>
             <p:ph type="body" idx="1"/>
           </p:nvPr>
@@ -3422,7 +3679,7 @@
           <a:bodyPr/>
           <a:lstStyle/>
           <a:p>
-            <a:pPr/>
+            <a:endParaRPr/>
           </a:p>
         </p:txBody>
       </p:sp>
@@ -3431,12 +3688,12 @@
   <p:clrMapOvr>
     <a:masterClrMapping/>
   </p:clrMapOvr>
-  <p:transition xmlns:p14="http://schemas.microsoft.com/office/powerpoint/2010/main" spd="med" advClick="1"/>
+  <p:transition spd="med"/>
 </p:sld>
 </file>
 
-<file path=ppt/slides/slide14.xml><?xml version="1.0" encoding="utf-8"?>
-<p:sld xmlns:a="http://schemas.openxmlformats.org/drawingml/2006/main" xmlns:r="http://schemas.openxmlformats.org/officeDocument/2006/relationships" xmlns:p="http://schemas.openxmlformats.org/presentationml/2006/main" xmlns:m="http://schemas.openxmlformats.org/officeDocument/2006/math" xmlns:a14="http://schemas.microsoft.com/office/drawing/2010/main" showMasterSp="1" showMasterPhAnim="1">
+<file path=ppt/slides/slide15.xml><?xml version="1.0" encoding="utf-8"?>
+<p:sld xmlns:a="http://schemas.openxmlformats.org/drawingml/2006/main" xmlns:r="http://schemas.openxmlformats.org/officeDocument/2006/relationships" xmlns:p="http://schemas.openxmlformats.org/presentationml/2006/main">
   <p:cSld>
     <p:spTree>
       <p:nvGrpSpPr>
@@ -3455,7 +3712,9 @@
       <p:sp>
         <p:nvSpPr>
           <p:cNvPr id="141" name="Double-click to edit"/>
-          <p:cNvSpPr txBox="1"/>
+          <p:cNvSpPr txBox="1">
+            <a:spLocks noGrp="1"/>
+          </p:cNvSpPr>
           <p:nvPr>
             <p:ph type="title"/>
           </p:nvPr>
@@ -3469,14 +3728,16 @@
           <a:bodyPr/>
           <a:lstStyle/>
           <a:p>
-            <a:pPr/>
+            <a:endParaRPr/>
           </a:p>
         </p:txBody>
       </p:sp>
       <p:sp>
         <p:nvSpPr>
           <p:cNvPr id="142" name="Double-click to edit"/>
-          <p:cNvSpPr txBox="1"/>
+          <p:cNvSpPr txBox="1">
+            <a:spLocks noGrp="1"/>
+          </p:cNvSpPr>
           <p:nvPr>
             <p:ph type="body" idx="1"/>
           </p:nvPr>
@@ -3490,7 +3751,7 @@
           <a:bodyPr/>
           <a:lstStyle/>
           <a:p>
-            <a:pPr/>
+            <a:endParaRPr/>
           </a:p>
         </p:txBody>
       </p:sp>
@@ -3499,12 +3760,12 @@
   <p:clrMapOvr>
     <a:masterClrMapping/>
   </p:clrMapOvr>
-  <p:transition xmlns:p14="http://schemas.microsoft.com/office/powerpoint/2010/main" spd="med" advClick="1"/>
+  <p:transition spd="med"/>
 </p:sld>
 </file>
 
-<file path=ppt/slides/slide15.xml><?xml version="1.0" encoding="utf-8"?>
-<p:sld xmlns:a="http://schemas.openxmlformats.org/drawingml/2006/main" xmlns:r="http://schemas.openxmlformats.org/officeDocument/2006/relationships" xmlns:p="http://schemas.openxmlformats.org/presentationml/2006/main" xmlns:m="http://schemas.openxmlformats.org/officeDocument/2006/math" xmlns:a14="http://schemas.microsoft.com/office/drawing/2010/main" showMasterSp="1" showMasterPhAnim="1">
+<file path=ppt/slides/slide16.xml><?xml version="1.0" encoding="utf-8"?>
+<p:sld xmlns:a="http://schemas.openxmlformats.org/drawingml/2006/main" xmlns:r="http://schemas.openxmlformats.org/officeDocument/2006/relationships" xmlns:p="http://schemas.openxmlformats.org/presentationml/2006/main">
   <p:cSld>
     <p:spTree>
       <p:nvGrpSpPr>
@@ -3523,7 +3784,9 @@
       <p:sp>
         <p:nvSpPr>
           <p:cNvPr id="144" name="Anarchic Materiality, the Matrisocial"/>
-          <p:cNvSpPr txBox="1"/>
+          <p:cNvSpPr txBox="1">
+            <a:spLocks noGrp="1"/>
+          </p:cNvSpPr>
           <p:nvPr>
             <p:ph type="title"/>
           </p:nvPr>
@@ -3534,14 +3797,15 @@
           </a:prstGeom>
         </p:spPr>
         <p:txBody>
-          <a:bodyPr/>
+          <a:bodyPr>
+            <a:normAutofit fontScale="90000"/>
+          </a:bodyPr>
           <a:lstStyle>
             <a:lvl1pPr defTabSz="905255">
               <a:defRPr sz="4356"/>
             </a:lvl1pPr>
           </a:lstStyle>
           <a:p>
-            <a:pPr/>
             <a:r>
               <a:t>Anarchic Materiality, the Matrisocial</a:t>
             </a:r>
@@ -3551,7 +3815,9 @@
       <p:sp>
         <p:nvSpPr>
           <p:cNvPr id="145" name="Also bring in Kropotkin"/>
-          <p:cNvSpPr txBox="1"/>
+          <p:cNvSpPr txBox="1">
+            <a:spLocks noGrp="1"/>
+          </p:cNvSpPr>
           <p:nvPr>
             <p:ph type="body" idx="1"/>
           </p:nvPr>
@@ -3565,7 +3831,6 @@
           <a:bodyPr/>
           <a:lstStyle/>
           <a:p>
-            <a:pPr/>
             <a:r>
               <a:t>Also bring in Kropotkin</a:t>
             </a:r>
@@ -3577,12 +3842,12 @@
   <p:clrMapOvr>
     <a:masterClrMapping/>
   </p:clrMapOvr>
-  <p:transition xmlns:p14="http://schemas.microsoft.com/office/powerpoint/2010/main" spd="med" advClick="1"/>
+  <p:transition spd="med"/>
 </p:sld>
 </file>
 
 <file path=ppt/slides/slide2.xml><?xml version="1.0" encoding="utf-8"?>
-<p:sld xmlns:a="http://schemas.openxmlformats.org/drawingml/2006/main" xmlns:r="http://schemas.openxmlformats.org/officeDocument/2006/relationships" xmlns:p="http://schemas.openxmlformats.org/presentationml/2006/main" xmlns:m="http://schemas.openxmlformats.org/officeDocument/2006/math" xmlns:a14="http://schemas.microsoft.com/office/drawing/2010/main" showMasterSp="1" showMasterPhAnim="1">
+<p:sld xmlns:a="http://schemas.openxmlformats.org/drawingml/2006/main" xmlns:r="http://schemas.openxmlformats.org/officeDocument/2006/relationships" xmlns:p="http://schemas.openxmlformats.org/presentationml/2006/main">
   <p:cSld>
     <p:spTree>
       <p:nvGrpSpPr>
@@ -3601,7 +3866,9 @@
       <p:sp>
         <p:nvSpPr>
           <p:cNvPr id="98" name="Sol QUotes"/>
-          <p:cNvSpPr txBox="1"/>
+          <p:cNvSpPr txBox="1">
+            <a:spLocks noGrp="1"/>
+          </p:cNvSpPr>
           <p:nvPr>
             <p:ph type="title"/>
           </p:nvPr>
@@ -3615,7 +3882,6 @@
           <a:bodyPr/>
           <a:lstStyle/>
           <a:p>
-            <a:pPr/>
             <a:r>
               <a:t>Sol QUotes</a:t>
             </a:r>
@@ -3625,7 +3891,9 @@
       <p:sp>
         <p:nvSpPr>
           <p:cNvPr id="99" name="n a 2016 paper, Sol Neely, our great friend, asked us to allow the writings of Emmanuel Levinas to become inspired by indigenous thought so that we could learn to take ethical responsibility through &quot;the social relation—the irreducible kinship relation e"/>
-          <p:cNvSpPr txBox="1"/>
+          <p:cNvSpPr txBox="1">
+            <a:spLocks noGrp="1"/>
+          </p:cNvSpPr>
           <p:nvPr>
             <p:ph type="body" idx="1"/>
           </p:nvPr>
@@ -3661,7 +3929,7 @@
             </a:r>
             <a:r>
               <a:rPr sz="1200">
-                <a:hlinkClick r:id="rId2" invalidUrl="" action="" tgtFrame="" tooltip="" history="1" highlightClick="0" endSnd="0"/>
+                <a:hlinkClick r:id="rId2"/>
               </a:rPr>
               <a:t>1</a:t>
             </a:r>
@@ -3676,12 +3944,12 @@
   <p:clrMapOvr>
     <a:masterClrMapping/>
   </p:clrMapOvr>
-  <p:transition xmlns:p14="http://schemas.microsoft.com/office/powerpoint/2010/main" spd="med" advClick="1"/>
+  <p:transition spd="med"/>
 </p:sld>
 </file>
 
 <file path=ppt/slides/slide3.xml><?xml version="1.0" encoding="utf-8"?>
-<p:sld xmlns:a="http://schemas.openxmlformats.org/drawingml/2006/main" xmlns:r="http://schemas.openxmlformats.org/officeDocument/2006/relationships" xmlns:p="http://schemas.openxmlformats.org/presentationml/2006/main" xmlns:m="http://schemas.openxmlformats.org/officeDocument/2006/math" xmlns:a14="http://schemas.microsoft.com/office/drawing/2010/main" showMasterSp="1" showMasterPhAnim="1">
+<p:sld xmlns:a="http://schemas.openxmlformats.org/drawingml/2006/main" xmlns:r="http://schemas.openxmlformats.org/officeDocument/2006/relationships" xmlns:p="http://schemas.openxmlformats.org/presentationml/2006/main">
   <p:cSld>
     <p:spTree>
       <p:nvGrpSpPr>
@@ -3700,7 +3968,9 @@
       <p:sp>
         <p:nvSpPr>
           <p:cNvPr id="101" name="Title 1"/>
-          <p:cNvSpPr txBox="1"/>
+          <p:cNvSpPr txBox="1">
+            <a:spLocks noGrp="1"/>
+          </p:cNvSpPr>
           <p:nvPr>
             <p:ph type="title"/>
           </p:nvPr>
@@ -3711,14 +3981,15 @@
           </a:prstGeom>
         </p:spPr>
         <p:txBody>
-          <a:bodyPr/>
+          <a:bodyPr>
+            <a:normAutofit fontScale="90000"/>
+          </a:bodyPr>
           <a:lstStyle>
             <a:lvl1pPr defTabSz="886968">
               <a:defRPr sz="3783"/>
             </a:lvl1pPr>
           </a:lstStyle>
           <a:p>
-            <a:pPr/>
             <a:r>
               <a:t>“Does X have a face” is always the wrong question</a:t>
             </a:r>
@@ -3728,7 +3999,9 @@
       <p:sp>
         <p:nvSpPr>
           <p:cNvPr id="102" name="Content Placeholder 2"/>
-          <p:cNvSpPr txBox="1"/>
+          <p:cNvSpPr txBox="1">
+            <a:spLocks noGrp="1"/>
+          </p:cNvSpPr>
           <p:nvPr>
             <p:ph type="body" idx="1"/>
           </p:nvPr>
@@ -3746,13 +4019,11 @@
           <a:bodyPr/>
           <a:lstStyle/>
           <a:p>
-            <a:pPr/>
             <a:r>
               <a:t>Straightforwardly ontological, predicative</a:t>
             </a:r>
           </a:p>
           <a:p>
-            <a:pPr/>
             <a:r>
               <a:t>Reification of the face as a thing</a:t>
             </a:r>
@@ -3764,12 +4035,12 @@
   <p:clrMapOvr>
     <a:masterClrMapping/>
   </p:clrMapOvr>
-  <p:transition xmlns:p14="http://schemas.microsoft.com/office/powerpoint/2010/main" spd="med" advClick="1"/>
+  <p:transition spd="med"/>
 </p:sld>
 </file>
 
 <file path=ppt/slides/slide4.xml><?xml version="1.0" encoding="utf-8"?>
-<p:sld xmlns:a="http://schemas.openxmlformats.org/drawingml/2006/main" xmlns:r="http://schemas.openxmlformats.org/officeDocument/2006/relationships" xmlns:p="http://schemas.openxmlformats.org/presentationml/2006/main" xmlns:m="http://schemas.openxmlformats.org/officeDocument/2006/math" xmlns:a14="http://schemas.microsoft.com/office/drawing/2010/main" showMasterSp="1" showMasterPhAnim="1">
+<p:sld xmlns:a="http://schemas.openxmlformats.org/drawingml/2006/main" xmlns:r="http://schemas.openxmlformats.org/officeDocument/2006/relationships" xmlns:p="http://schemas.openxmlformats.org/presentationml/2006/main">
   <p:cSld>
     <p:spTree>
       <p:nvGrpSpPr>
@@ -3788,7 +4059,9 @@
       <p:sp>
         <p:nvSpPr>
           <p:cNvPr id="104" name="Title 1"/>
-          <p:cNvSpPr txBox="1"/>
+          <p:cNvSpPr txBox="1">
+            <a:spLocks noGrp="1"/>
+          </p:cNvSpPr>
           <p:nvPr>
             <p:ph type="title"/>
           </p:nvPr>
@@ -3802,7 +4075,6 @@
           <a:bodyPr/>
           <a:lstStyle/>
           <a:p>
-            <a:pPr/>
             <a:r>
               <a:t>“Le Visage” = Intentionality</a:t>
             </a:r>
@@ -3812,7 +4084,9 @@
       <p:sp>
         <p:nvSpPr>
           <p:cNvPr id="105" name="Content Placeholder 2"/>
-          <p:cNvSpPr txBox="1"/>
+          <p:cNvSpPr txBox="1">
+            <a:spLocks noGrp="1"/>
+          </p:cNvSpPr>
           <p:nvPr>
             <p:ph type="body" idx="1"/>
           </p:nvPr>
@@ -3914,7 +4188,7 @@
             </a:r>
           </a:p>
           <a:p>
-            <a:pPr lvl="1" marL="742950" indent="-285750">
+            <a:pPr marL="742950" lvl="1" indent="-285750">
               <a:lnSpc>
                 <a:spcPct val="80000"/>
               </a:lnSpc>
@@ -3928,7 +4202,7 @@
             </a:r>
           </a:p>
           <a:p>
-            <a:pPr lvl="1" marL="742950" indent="-285750">
+            <a:pPr marL="742950" lvl="1" indent="-285750">
               <a:lnSpc>
                 <a:spcPct val="80000"/>
               </a:lnSpc>
@@ -3942,7 +4216,7 @@
             </a:r>
           </a:p>
           <a:p>
-            <a:pPr lvl="1" marL="742950" indent="-285750">
+            <a:pPr marL="742950" lvl="1" indent="-285750">
               <a:lnSpc>
                 <a:spcPct val="80000"/>
               </a:lnSpc>
@@ -3956,7 +4230,7 @@
             </a:r>
           </a:p>
           <a:p>
-            <a:pPr lvl="1" marL="742950" indent="-285750">
+            <a:pPr marL="742950" lvl="1" indent="-285750">
               <a:lnSpc>
                 <a:spcPct val="80000"/>
               </a:lnSpc>
@@ -3976,12 +4250,202 @@
   <p:clrMapOvr>
     <a:masterClrMapping/>
   </p:clrMapOvr>
-  <p:transition xmlns:p14="http://schemas.microsoft.com/office/powerpoint/2010/main" spd="med" advClick="1"/>
+  <p:transition spd="med"/>
 </p:sld>
 </file>
 
 <file path=ppt/slides/slide5.xml><?xml version="1.0" encoding="utf-8"?>
-<p:sld xmlns:a="http://schemas.openxmlformats.org/drawingml/2006/main" xmlns:r="http://schemas.openxmlformats.org/officeDocument/2006/relationships" xmlns:p="http://schemas.openxmlformats.org/presentationml/2006/main" xmlns:m="http://schemas.openxmlformats.org/officeDocument/2006/math" xmlns:a14="http://schemas.microsoft.com/office/drawing/2010/main" showMasterSp="1" showMasterPhAnim="1">
+<p:sld xmlns:a="http://schemas.openxmlformats.org/drawingml/2006/main" xmlns:r="http://schemas.openxmlformats.org/officeDocument/2006/relationships" xmlns:p="http://schemas.openxmlformats.org/presentationml/2006/main">
+  <p:cSld>
+    <p:spTree>
+      <p:nvGrpSpPr>
+        <p:cNvPr id="1" name=""/>
+        <p:cNvGrpSpPr/>
+        <p:nvPr/>
+      </p:nvGrpSpPr>
+      <p:grpSpPr>
+        <a:xfrm>
+          <a:off x="0" y="0"/>
+          <a:ext cx="0" cy="0"/>
+          <a:chOff x="0" y="0"/>
+          <a:chExt cx="0" cy="0"/>
+        </a:xfrm>
+      </p:grpSpPr>
+      <p:sp>
+        <p:nvSpPr>
+          <p:cNvPr id="2" name="Title 1"/>
+          <p:cNvSpPr>
+            <a:spLocks noGrp="1"/>
+          </p:cNvSpPr>
+          <p:nvPr>
+            <p:ph type="title"/>
+          </p:nvPr>
+        </p:nvSpPr>
+        <p:spPr/>
+        <p:txBody>
+          <a:bodyPr>
+            <a:normAutofit fontScale="90000"/>
+          </a:bodyPr>
+          <a:lstStyle/>
+          <a:p>
+            <a:r>
+              <a:rPr lang="en-US" dirty="0" smtClean="0"/>
+              <a:t>Face is idolatry. You never look at the face of God</a:t>
+            </a:r>
+            <a:endParaRPr lang="en-US" dirty="0"/>
+          </a:p>
+        </p:txBody>
+      </p:sp>
+      <p:sp>
+        <p:nvSpPr>
+          <p:cNvPr id="3" name="Text Placeholder 2"/>
+          <p:cNvSpPr>
+            <a:spLocks noGrp="1"/>
+          </p:cNvSpPr>
+          <p:nvPr>
+            <p:ph type="body" idx="1"/>
+          </p:nvPr>
+        </p:nvSpPr>
+        <p:spPr/>
+        <p:txBody>
+          <a:bodyPr>
+            <a:normAutofit fontScale="47500" lnSpcReduction="20000"/>
+          </a:bodyPr>
+          <a:lstStyle/>
+          <a:p>
+            <a:pPr fontAlgn="base"/>
+            <a:r>
+              <a:rPr lang="en-US" dirty="0"/>
+              <a:t>The problem begins in the </a:t>
+            </a:r>
+            <a:r>
+              <a:rPr lang="en-US" dirty="0">
+                <a:hlinkClick r:id="rId2"/>
+              </a:rPr>
+              <a:t>book of Exodus</a:t>
+            </a:r>
+            <a:r>
+              <a:rPr lang="en-US" dirty="0"/>
+              <a:t>, when the prophet </a:t>
+            </a:r>
+            <a:r>
+              <a:rPr lang="en-US" dirty="0">
+                <a:hlinkClick r:id="rId3"/>
+              </a:rPr>
+              <a:t>Moses</a:t>
+            </a:r>
+            <a:r>
+              <a:rPr lang="en-US" dirty="0"/>
+              <a:t>, speaking with God on Mount Sinai, asks God to show Moses his glory. God warns that: "…You cannot see my face, for no one may see me and live." (Exodus 33:20, </a:t>
+            </a:r>
+            <a:r>
+              <a:rPr lang="en-US" dirty="0">
+                <a:hlinkClick r:id="rId4"/>
+              </a:rPr>
+              <a:t>NIV</a:t>
+            </a:r>
+            <a:r>
+              <a:rPr lang="en-US" dirty="0" smtClean="0"/>
+              <a:t>)</a:t>
+            </a:r>
+            <a:r>
+              <a:rPr lang="en-US" dirty="0"/>
+              <a:t/>
+            </a:r>
+            <a:br>
+              <a:rPr lang="en-US" dirty="0"/>
+            </a:br>
+            <a:r>
+              <a:rPr lang="en-US" dirty="0"/>
+              <a:t> </a:t>
+            </a:r>
+            <a:endParaRPr lang="en-US" dirty="0" smtClean="0"/>
+          </a:p>
+          <a:p>
+            <a:r>
+              <a:rPr lang="en-US" dirty="0" smtClean="0"/>
+              <a:t>The </a:t>
+            </a:r>
+            <a:r>
+              <a:rPr lang="en-US" dirty="0"/>
+              <a:t>face isn't a thing. The mistake of reification, predication, ontological attribution is all over the scholarship. "The Face" is a mode of relating, one that is fundamentally ambiguous as you point out. This is an obvious truth: I see everything Gad presents as himself, as his Face, on his Facebook for example as a mode of self-presentation, but is that presentation of Face really who Gad is? Yes and no. The Face is a fundamentally ambiguous presentation. Moreover, "le visage" is a sort of a metonym for "intentionality" in general and sort of a wordplay on vision, vis-a-vis, </a:t>
+            </a:r>
+            <a:r>
+              <a:rPr lang="en-US" dirty="0" err="1"/>
+              <a:t>videre</a:t>
+            </a:r>
+            <a:r>
+              <a:rPr lang="en-US" dirty="0"/>
+              <a:t> (to see). It's an inquiry into the positionality of the one who sees, the one who looks, an inquiry into the position of the masculine, virile Subject. The face-to-face is a reconsideration of Hegel's struggle between self-</a:t>
+            </a:r>
+            <a:r>
+              <a:rPr lang="en-US" dirty="0" err="1"/>
+              <a:t>consciousnesses</a:t>
+            </a:r>
+            <a:r>
+              <a:rPr lang="en-US" dirty="0"/>
+              <a:t>, but this absolutely not the only nor the most important dynamic in </a:t>
+            </a:r>
+            <a:r>
+              <a:rPr lang="en-US" dirty="0" err="1"/>
+              <a:t>Levinas</a:t>
+            </a:r>
+            <a:r>
+              <a:rPr lang="en-US" dirty="0"/>
+              <a:t>. It's his undermining of all that macho bullshit of virile subjectivity. In his later works, he makes it more clear that the face is not the most important concept.</a:t>
+            </a:r>
+          </a:p>
+          <a:p>
+            <a:r>
+              <a:rPr lang="en-US" dirty="0"/>
+              <a:t>Really: worship of the Face in </a:t>
+            </a:r>
+            <a:r>
+              <a:rPr lang="en-US" dirty="0" err="1"/>
+              <a:t>Levinas</a:t>
+            </a:r>
+            <a:r>
+              <a:rPr lang="en-US" dirty="0"/>
+              <a:t> is flat out idolatry</a:t>
+            </a:r>
+          </a:p>
+          <a:p>
+            <a:r>
+              <a:rPr lang="en-US" dirty="0"/>
+              <a:t>I haven't read this article and I probably won't any time soon. In general, the idea of the "Face" is widely misunderstood. You get scholars asking dumb questions like "What is the face" and "Does X have a face". This is very clearly an ontological question, one of </a:t>
+            </a:r>
+            <a:r>
+              <a:rPr lang="en-US" dirty="0" err="1"/>
+              <a:t>predicaton</a:t>
+            </a:r>
+            <a:r>
+              <a:rPr lang="en-US" dirty="0"/>
+              <a:t>, of the Being of Face. Clearly the wrong question, reifying question</a:t>
+            </a:r>
+            <a:r>
+              <a:rPr lang="en-US" dirty="0" smtClean="0"/>
+              <a:t>.</a:t>
+            </a:r>
+            <a:endParaRPr lang="en-US" dirty="0"/>
+          </a:p>
+        </p:txBody>
+      </p:sp>
+    </p:spTree>
+    <p:extLst>
+      <p:ext uri="{BB962C8B-B14F-4D97-AF65-F5344CB8AC3E}">
+        <p14:creationId xmlns:p14="http://schemas.microsoft.com/office/powerpoint/2010/main" val="2154964135"/>
+      </p:ext>
+    </p:extLst>
+  </p:cSld>
+  <p:clrMapOvr>
+    <a:masterClrMapping/>
+  </p:clrMapOvr>
+  <p:transition spd="med"/>
+</p:sld>
+</file>
+
+<file path=ppt/slides/slide6.xml><?xml version="1.0" encoding="utf-8"?>
+<p:sld xmlns:a="http://schemas.openxmlformats.org/drawingml/2006/main" xmlns:r="http://schemas.openxmlformats.org/officeDocument/2006/relationships" xmlns:p="http://schemas.openxmlformats.org/presentationml/2006/main">
   <p:cSld>
     <p:spTree>
       <p:nvGrpSpPr>
@@ -4000,7 +4464,9 @@
       <p:sp>
         <p:nvSpPr>
           <p:cNvPr id="107" name="Title 1"/>
-          <p:cNvSpPr txBox="1"/>
+          <p:cNvSpPr txBox="1">
+            <a:spLocks noGrp="1"/>
+          </p:cNvSpPr>
           <p:nvPr>
             <p:ph type="title"/>
           </p:nvPr>
@@ -4018,7 +4484,6 @@
             </a:lvl1pPr>
           </a:lstStyle>
           <a:p>
-            <a:pPr/>
             <a:r>
               <a:t>Iconoclasm Anarchic, Faceless Levinas</a:t>
             </a:r>
@@ -4028,7 +4493,9 @@
       <p:sp>
         <p:nvSpPr>
           <p:cNvPr id="108" name="Content Placeholder 2"/>
-          <p:cNvSpPr txBox="1"/>
+          <p:cNvSpPr txBox="1">
+            <a:spLocks noGrp="1"/>
+          </p:cNvSpPr>
           <p:nvPr>
             <p:ph type="body" sz="half" idx="1"/>
           </p:nvPr>
@@ -4046,32 +4513,60 @@
           <a:bodyPr/>
           <a:lstStyle/>
           <a:p>
-            <a:pPr/>
-            <a:r>
-              <a:t>In his later work, Levinas stops using the language of the face</a:t>
-            </a:r>
-          </a:p>
-          <a:p>
-            <a:pPr lvl="1" marL="742950" indent="-285750">
+            <a:r>
+              <a:rPr dirty="0"/>
+              <a:t>In his later work, </a:t>
+            </a:r>
+            <a:r>
+              <a:rPr dirty="0" err="1"/>
+              <a:t>Levinas</a:t>
+            </a:r>
+            <a:r>
+              <a:rPr dirty="0"/>
+              <a:t> stops using the language of the face</a:t>
+            </a:r>
+          </a:p>
+          <a:p>
+            <a:pPr marL="742950" lvl="1" indent="-285750">
               <a:spcBef>
                 <a:spcPts val="600"/>
               </a:spcBef>
               <a:defRPr sz="2800"/>
             </a:pPr>
             <a:r>
+              <a:rPr dirty="0"/>
               <a:t>Prevents the ontological error of thinking the face is a thing</a:t>
             </a:r>
           </a:p>
           <a:p>
-            <a:pPr lvl="1" marL="742950" indent="-285750">
+            <a:pPr marL="742950" lvl="1" indent="-285750">
               <a:spcBef>
                 <a:spcPts val="600"/>
               </a:spcBef>
               <a:defRPr sz="2800"/>
             </a:pPr>
             <a:r>
-              <a:t>His work foregrounds the depths from which subjectivity is given birth by maternity</a:t>
-            </a:r>
+              <a:rPr dirty="0"/>
+              <a:t>His work foregrounds the depths from which subjectivity is given birth by </a:t>
+            </a:r>
+            <a:r>
+              <a:rPr dirty="0" smtClean="0"/>
+              <a:t>maternity</a:t>
+            </a:r>
+            <a:endParaRPr lang="en-US" dirty="0"/>
+          </a:p>
+          <a:p>
+            <a:pPr marL="742950" lvl="1" indent="-285750">
+              <a:spcBef>
+                <a:spcPts val="600"/>
+              </a:spcBef>
+              <a:defRPr sz="2800"/>
+            </a:pPr>
+            <a:r>
+              <a:rPr lang="en-US" dirty="0" smtClean="0"/>
+              <a:t>Faceless becoming</a:t>
+            </a:r>
+            <a:endParaRPr dirty="0"/>
           </a:p>
         </p:txBody>
       </p:sp>
@@ -4109,12 +4604,12 @@
   <p:clrMapOvr>
     <a:masterClrMapping/>
   </p:clrMapOvr>
-  <p:transition xmlns:p14="http://schemas.microsoft.com/office/powerpoint/2010/main" spd="med" advClick="1"/>
+  <p:transition spd="med"/>
 </p:sld>
 </file>
 
-<file path=ppt/slides/slide6.xml><?xml version="1.0" encoding="utf-8"?>
-<p:sld xmlns:a="http://schemas.openxmlformats.org/drawingml/2006/main" xmlns:r="http://schemas.openxmlformats.org/officeDocument/2006/relationships" xmlns:p="http://schemas.openxmlformats.org/presentationml/2006/main" xmlns:m="http://schemas.openxmlformats.org/officeDocument/2006/math" xmlns:a14="http://schemas.microsoft.com/office/drawing/2010/main" showMasterSp="1" showMasterPhAnim="1">
+<file path=ppt/slides/slide7.xml><?xml version="1.0" encoding="utf-8"?>
+<p:sld xmlns:a="http://schemas.openxmlformats.org/drawingml/2006/main" xmlns:r="http://schemas.openxmlformats.org/officeDocument/2006/relationships" xmlns:p="http://schemas.openxmlformats.org/presentationml/2006/main">
   <p:cSld>
     <p:spTree>
       <p:nvGrpSpPr>
@@ -4133,7 +4628,9 @@
       <p:sp>
         <p:nvSpPr>
           <p:cNvPr id="111" name="Title 1"/>
-          <p:cNvSpPr txBox="1"/>
+          <p:cNvSpPr txBox="1">
+            <a:spLocks noGrp="1"/>
+          </p:cNvSpPr>
           <p:nvPr>
             <p:ph type="title"/>
           </p:nvPr>
@@ -4147,7 +4644,6 @@
           <a:bodyPr/>
           <a:lstStyle/>
           <a:p>
-            <a:pPr/>
             <a:r>
               <a:t>The face of the element</a:t>
             </a:r>
@@ -4157,7 +4653,9 @@
       <p:sp>
         <p:nvSpPr>
           <p:cNvPr id="112" name="Content Placeholder 2"/>
-          <p:cNvSpPr txBox="1"/>
+          <p:cNvSpPr txBox="1">
+            <a:spLocks noGrp="1"/>
+          </p:cNvSpPr>
           <p:nvPr>
             <p:ph type="body" idx="1"/>
           </p:nvPr>
@@ -4190,10 +4688,7 @@
               </a:defRPr>
             </a:pPr>
             <a:r>
-              <a:t>Il se déploie dans sa propre dimension la profondeur, inconvertible en largeur et en longueur où s'étend la face de l'élément. La chose, certes, elle non plus, ne s'offre que par une face unique; mais nous pouvons en faire le tour, et l'envers en vaut l'endroit. Tous les points de vue se valent. La profondeur de l'élément le prolonge et le perd dans la terre et dans le ciel « Rien ne finit, rien ne commence. »</a:t>
-            </a:r>
-            <a:r>
-              <a:t>”</a:t>
+              <a:t>Il se déploie dans sa propre dimension la profondeur, inconvertible en largeur et en longueur où s'étend la face de l'élément. La chose, certes, elle non plus, ne s'offre que par une face unique; mais nous pouvons en faire le tour, et l'envers en vaut l'endroit. Tous les points de vue se valent. La profondeur de l'élément le prolonge et le perd dans la terre et dans le ciel « Rien ne finit, rien ne commence. »”</a:t>
             </a:r>
           </a:p>
           <a:p>
@@ -4230,7 +4725,7 @@
             </a:r>
           </a:p>
           <a:p>
-            <a:pPr lvl="1" marL="742950" indent="-285750">
+            <a:pPr marL="742950" lvl="1" indent="-285750">
               <a:lnSpc>
                 <a:spcPct val="80000"/>
               </a:lnSpc>
@@ -4258,7 +4753,7 @@
             </a:r>
           </a:p>
           <a:p>
-            <a:pPr lvl="1" marL="742950" indent="-285750">
+            <a:pPr marL="742950" lvl="1" indent="-285750">
               <a:lnSpc>
                 <a:spcPct val="80000"/>
               </a:lnSpc>
@@ -4272,7 +4767,7 @@
             </a:r>
           </a:p>
           <a:p>
-            <a:pPr lvl="1" marL="742950" indent="-285750">
+            <a:pPr marL="742950" lvl="1" indent="-285750">
               <a:lnSpc>
                 <a:spcPct val="80000"/>
               </a:lnSpc>
@@ -4286,7 +4781,7 @@
             </a:r>
           </a:p>
           <a:p>
-            <a:pPr lvl="1" marL="742950" indent="-285750">
+            <a:pPr marL="742950" lvl="1" indent="-285750">
               <a:lnSpc>
                 <a:spcPct val="80000"/>
               </a:lnSpc>
@@ -4306,12 +4801,12 @@
   <p:clrMapOvr>
     <a:masterClrMapping/>
   </p:clrMapOvr>
-  <p:transition xmlns:p14="http://schemas.microsoft.com/office/powerpoint/2010/main" spd="med" advClick="1"/>
+  <p:transition spd="med"/>
 </p:sld>
 </file>
 
-<file path=ppt/slides/slide7.xml><?xml version="1.0" encoding="utf-8"?>
-<p:sld xmlns:a="http://schemas.openxmlformats.org/drawingml/2006/main" xmlns:r="http://schemas.openxmlformats.org/officeDocument/2006/relationships" xmlns:p="http://schemas.openxmlformats.org/presentationml/2006/main" xmlns:m="http://schemas.openxmlformats.org/officeDocument/2006/math" xmlns:a14="http://schemas.microsoft.com/office/drawing/2010/main" showMasterSp="1" showMasterPhAnim="1">
+<file path=ppt/slides/slide8.xml><?xml version="1.0" encoding="utf-8"?>
+<p:sld xmlns:a="http://schemas.openxmlformats.org/drawingml/2006/main" xmlns:r="http://schemas.openxmlformats.org/officeDocument/2006/relationships" xmlns:p="http://schemas.openxmlformats.org/presentationml/2006/main">
   <p:cSld>
     <p:spTree>
       <p:nvGrpSpPr>
@@ -4330,7 +4825,9 @@
       <p:sp>
         <p:nvSpPr>
           <p:cNvPr id="114" name="Title 1"/>
-          <p:cNvSpPr txBox="1"/>
+          <p:cNvSpPr txBox="1">
+            <a:spLocks noGrp="1"/>
+          </p:cNvSpPr>
           <p:nvPr>
             <p:ph type="title"/>
           </p:nvPr>
@@ -4344,7 +4841,6 @@
           <a:bodyPr/>
           <a:lstStyle/>
           <a:p>
-            <a:pPr/>
             <a:r>
               <a:t>Continuous Creation </a:t>
             </a:r>
@@ -4359,16 +4855,22 @@
         </p:nvGraphicFramePr>
         <p:xfrm>
           <a:off x="914400" y="4365357"/>
-          <a:ext cx="6172200" cy="1"/>
+          <a:ext cx="6172200" cy="548640"/>
         </p:xfrm>
-        <a:graphic xmlns:a="http://schemas.openxmlformats.org/drawingml/2006/main">
+        <a:graphic>
           <a:graphicData uri="http://schemas.openxmlformats.org/drawingml/2006/table">
             <a:tbl>
-              <a:tblPr firstCol="0" firstRow="0" lastCol="0" lastRow="0" bandCol="0" bandRow="0" rtl="0">
+              <a:tblPr>
                 <a:tableStyleId>{4C3C2611-4C71-4FC5-86AE-919BDF0F9419}</a:tableStyleId>
               </a:tblPr>
               <a:tblGrid>
-                <a:gridCol w="6172200"/>
+                <a:gridCol w="6172200">
+                  <a:extLst>
+                    <a:ext uri="{9D8B030D-6E8A-4147-A177-3AD203B41FA5}">
+                      <a16:colId xmlns:a16="http://schemas.microsoft.com/office/drawing/2014/main" val="20000"/>
+                    </a:ext>
+                  </a:extLst>
+                </a:gridCol>
               </a:tblGrid>
               <a:tr h="50800">
                 <a:tc>
@@ -4377,7 +4879,7 @@
                     <a:lstStyle/>
                     <a:p>
                       <a:pPr algn="l">
-                        <a:defRPr b="1" sz="1800">
+                        <a:defRPr sz="1800" b="1">
                           <a:latin typeface="sbl_hebrew"/>
                           <a:ea typeface="sbl_hebrew"/>
                           <a:cs typeface="sbl_hebrew"/>
@@ -4394,7 +4896,7 @@
                               <a:srgbClr val="0000FF"/>
                             </a:solidFill>
                           </a:uFill>
-                          <a:hlinkClick r:id="rId2" invalidUrl="" action="" tgtFrame="" tooltip="" history="1" highlightClick="0" endSnd="0"/>
+                          <a:hlinkClick r:id="rId2"/>
                         </a:rPr>
                         <a:t>30</a:t>
                       </a:r>
@@ -4420,7 +4922,7 @@
                       </a:r>
                     </a:p>
                   </a:txBody>
-                  <a:tcPr marL="0" marR="0" marT="0" marB="0" anchor="t" anchorCtr="0" horzOverflow="overflow">
+                  <a:tcPr marL="0" marR="0" marT="0" marB="0" horzOverflow="overflow">
                     <a:lnL w="12700">
                       <a:miter lim="400000"/>
                     </a:lnL>
@@ -4438,6 +4940,11 @@
                     </a:solidFill>
                   </a:tcPr>
                 </a:tc>
+                <a:extLst>
+                  <a:ext uri="{0D108BD9-81ED-4DB2-BD59-A6C34878D82A}">
+                    <a16:rowId xmlns:a16="http://schemas.microsoft.com/office/drawing/2014/main" val="10000"/>
+                  </a:ext>
+                </a:extLst>
               </a:tr>
             </a:tbl>
           </a:graphicData>
@@ -4462,7 +4969,7 @@
           </a:ln>
           <a:extLst>
             <a:ext uri="{C572A759-6A51-4108-AA02-DFA0A04FC94B}">
-              <ma14:wrappingTextBoxFlag xmlns:ma14="http://schemas.microsoft.com/office/mac/drawingml/2011/main" val="1"/>
+              <ma14:wrappingTextBoxFlag xmlns:ma14="http://schemas.microsoft.com/office/mac/drawingml/2011/main" xmlns:a14="http://schemas.microsoft.com/office/drawing/2010/main" xmlns:m="http://schemas.openxmlformats.org/officeDocument/2006/math" xmlns="" val="1"/>
             </a:ext>
           </a:extLst>
         </p:spPr>
@@ -4481,8 +4988,11 @@
             </a:lvl1pPr>
           </a:lstStyle>
           <a:p>
-            <a:pPr/>
+            <a:r>
+              <a:t/>
+            </a:r>
             <a:br/>
+            <a:endParaRPr/>
           </a:p>
         </p:txBody>
       </p:sp>
@@ -4505,7 +5015,7 @@
           </a:ln>
           <a:extLst>
             <a:ext uri="{C572A759-6A51-4108-AA02-DFA0A04FC94B}">
-              <ma14:wrappingTextBoxFlag xmlns:ma14="http://schemas.microsoft.com/office/mac/drawingml/2011/main" val="1"/>
+              <ma14:wrappingTextBoxFlag xmlns:ma14="http://schemas.microsoft.com/office/mac/drawingml/2011/main" xmlns:a14="http://schemas.microsoft.com/office/drawing/2010/main" xmlns:m="http://schemas.openxmlformats.org/officeDocument/2006/math" xmlns="" val="1"/>
             </a:ext>
           </a:extLst>
         </p:spPr>
@@ -4524,8 +5034,11 @@
             </a:lvl1pPr>
           </a:lstStyle>
           <a:p>
-            <a:pPr/>
+            <a:r>
+              <a:t/>
+            </a:r>
             <a:br/>
+            <a:endParaRPr/>
           </a:p>
         </p:txBody>
       </p:sp>
@@ -4548,7 +5061,7 @@
           </a:ln>
           <a:extLst>
             <a:ext uri="{C572A759-6A51-4108-AA02-DFA0A04FC94B}">
-              <ma14:wrappingTextBoxFlag xmlns:ma14="http://schemas.microsoft.com/office/mac/drawingml/2011/main" val="1"/>
+              <ma14:wrappingTextBoxFlag xmlns:ma14="http://schemas.microsoft.com/office/mac/drawingml/2011/main" xmlns:a14="http://schemas.microsoft.com/office/drawing/2010/main" xmlns:m="http://schemas.openxmlformats.org/officeDocument/2006/math" xmlns="" val="1"/>
             </a:ext>
           </a:extLst>
         </p:spPr>
@@ -4576,7 +5089,7 @@
                     <a:srgbClr val="0000FF"/>
                   </a:solidFill>
                 </a:uFill>
-                <a:hlinkClick r:id="rId2" invalidUrl="" action="" tgtFrame="" tooltip="" history="1" highlightClick="0" endSnd="0"/>
+                <a:hlinkClick r:id="rId2"/>
               </a:rPr>
               <a:t>ל</a:t>
             </a:r>
@@ -4609,7 +5122,7 @@
           </a:ln>
           <a:extLst>
             <a:ext uri="{C572A759-6A51-4108-AA02-DFA0A04FC94B}">
-              <ma14:wrappingTextBoxFlag xmlns:ma14="http://schemas.microsoft.com/office/mac/drawingml/2011/main" val="1"/>
+              <ma14:wrappingTextBoxFlag xmlns:ma14="http://schemas.microsoft.com/office/mac/drawingml/2011/main" xmlns:a14="http://schemas.microsoft.com/office/drawing/2010/main" xmlns:m="http://schemas.openxmlformats.org/officeDocument/2006/math" xmlns="" val="1"/>
             </a:ext>
           </a:extLst>
         </p:spPr>
@@ -4643,9 +5156,14 @@
                 <a:sym typeface="Arial"/>
               </a:defRPr>
             </a:pPr>
+            <a:r>
+              <a:rPr sz="2000"/>
+              <a:t/>
+            </a:r>
             <a:br>
               <a:rPr sz="2000"/>
             </a:br>
+            <a:endParaRPr sz="2000"/>
           </a:p>
         </p:txBody>
       </p:sp>
@@ -4668,7 +5186,7 @@
           </a:ln>
           <a:extLst>
             <a:ext uri="{C572A759-6A51-4108-AA02-DFA0A04FC94B}">
-              <ma14:wrappingTextBoxFlag xmlns:ma14="http://schemas.microsoft.com/office/mac/drawingml/2011/main" val="1"/>
+              <ma14:wrappingTextBoxFlag xmlns:ma14="http://schemas.microsoft.com/office/mac/drawingml/2011/main" xmlns:a14="http://schemas.microsoft.com/office/drawing/2010/main" xmlns:m="http://schemas.openxmlformats.org/officeDocument/2006/math" xmlns="" val="1"/>
             </a:ext>
           </a:extLst>
         </p:spPr>
@@ -4707,7 +5225,11 @@
                 <a:sym typeface="Arial"/>
               </a:defRPr>
             </a:pPr>
+            <a:r>
+              <a:t/>
+            </a:r>
             <a:br/>
+            <a:endParaRPr/>
           </a:p>
         </p:txBody>
       </p:sp>
@@ -4730,7 +5252,7 @@
           </a:ln>
           <a:extLst>
             <a:ext uri="{C572A759-6A51-4108-AA02-DFA0A04FC94B}">
-              <ma14:wrappingTextBoxFlag xmlns:ma14="http://schemas.microsoft.com/office/mac/drawingml/2011/main" val="1"/>
+              <ma14:wrappingTextBoxFlag xmlns:ma14="http://schemas.microsoft.com/office/mac/drawingml/2011/main" xmlns:a14="http://schemas.microsoft.com/office/drawing/2010/main" xmlns:m="http://schemas.openxmlformats.org/officeDocument/2006/math" xmlns="" val="1"/>
             </a:ext>
           </a:extLst>
         </p:spPr>
@@ -4740,7 +5262,6 @@
           </a:bodyPr>
           <a:lstStyle/>
           <a:p>
-            <a:pPr/>
             <a:r>
               <a:t>Bergson: Creation would have appeared not simply as continued, but also as continuous. The universe, regarded as a whole, would really evolve. The future would no longer be determinable by the present</a:t>
             </a:r>
@@ -4752,12 +5273,12 @@
   <p:clrMapOvr>
     <a:masterClrMapping/>
   </p:clrMapOvr>
-  <p:transition xmlns:p14="http://schemas.microsoft.com/office/powerpoint/2010/main" spd="med" advClick="1"/>
+  <p:transition spd="med"/>
 </p:sld>
 </file>
 
-<file path=ppt/slides/slide8.xml><?xml version="1.0" encoding="utf-8"?>
-<p:sld xmlns:a="http://schemas.openxmlformats.org/drawingml/2006/main" xmlns:r="http://schemas.openxmlformats.org/officeDocument/2006/relationships" xmlns:p="http://schemas.openxmlformats.org/presentationml/2006/main" xmlns:m="http://schemas.openxmlformats.org/officeDocument/2006/math" xmlns:a14="http://schemas.microsoft.com/office/drawing/2010/main" showMasterSp="1" showMasterPhAnim="1">
+<file path=ppt/slides/slide9.xml><?xml version="1.0" encoding="utf-8"?>
+<p:sld xmlns:a="http://schemas.openxmlformats.org/drawingml/2006/main" xmlns:r="http://schemas.openxmlformats.org/officeDocument/2006/relationships" xmlns:p="http://schemas.openxmlformats.org/presentationml/2006/main">
   <p:cSld>
     <p:spTree>
       <p:nvGrpSpPr>
@@ -4776,7 +5297,9 @@
       <p:sp>
         <p:nvSpPr>
           <p:cNvPr id="123" name="Regeneration precedes πόλεμος"/>
-          <p:cNvSpPr txBox="1"/>
+          <p:cNvSpPr txBox="1">
+            <a:spLocks noGrp="1"/>
+          </p:cNvSpPr>
           <p:nvPr>
             <p:ph type="title"/>
           </p:nvPr>
@@ -4790,7 +5313,6 @@
           <a:bodyPr/>
           <a:lstStyle/>
           <a:p>
-            <a:pPr/>
             <a:r>
               <a:t>Regeneration precedes πόλεμος </a:t>
             </a:r>
@@ -4800,7 +5322,9 @@
       <p:sp>
         <p:nvSpPr>
           <p:cNvPr id="124" name="Levinas’s doctrine of non-Heraclitean Becoming…"/>
-          <p:cNvSpPr txBox="1"/>
+          <p:cNvSpPr txBox="1">
+            <a:spLocks noGrp="1"/>
+          </p:cNvSpPr>
           <p:nvPr>
             <p:ph type="body" idx="1"/>
           </p:nvPr>
@@ -4815,7 +5339,9 @@
           </a:prstGeom>
         </p:spPr>
         <p:txBody>
-          <a:bodyPr/>
+          <a:bodyPr>
+            <a:normAutofit lnSpcReduction="10000"/>
+          </a:bodyPr>
           <a:lstStyle/>
           <a:p>
             <a:pPr marL="233172" indent="-233172" defTabSz="621791">
@@ -4880,7 +5406,7 @@
             </a:r>
             <a:r>
               <a:rPr sz="816">
-                <a:hlinkClick r:id="rId2" invalidUrl="" action="" tgtFrame="" tooltip="" history="1" highlightClick="0" endSnd="0"/>
+                <a:hlinkClick r:id="rId2"/>
               </a:rPr>
               <a:t>1</a:t>
             </a:r>
@@ -4889,7 +5415,7 @@
             </a:r>
             <a:r>
               <a:rPr sz="816">
-                <a:hlinkClick r:id="rId3" invalidUrl="" action="" tgtFrame="" tooltip="" history="1" highlightClick="0" endSnd="0"/>
+                <a:hlinkClick r:id="rId3"/>
               </a:rPr>
               <a:t>2</a:t>
             </a:r>
@@ -4934,6 +5460,7 @@
                 <a:sym typeface="Helvetica"/>
               </a:defRPr>
             </a:pPr>
+            <a:endParaRPr/>
           </a:p>
           <a:p>
             <a:pPr marL="0" indent="0" defTabSz="310895">
@@ -4953,6 +5480,7 @@
                 <a:sym typeface="Helvetica"/>
               </a:defRPr>
             </a:pPr>
+            <a:endParaRPr/>
           </a:p>
           <a:p>
             <a:pPr marL="0" indent="0" defTabSz="310895">
@@ -4972,6 +5500,7 @@
                 <a:sym typeface="Helvetica"/>
               </a:defRPr>
             </a:pPr>
+            <a:endParaRPr/>
           </a:p>
           <a:p>
             <a:pPr marL="0" indent="0" defTabSz="310895">
@@ -5018,7 +5547,7 @@
             </a:r>
             <a:r>
               <a:rPr sz="816">
-                <a:hlinkClick r:id="rId4" invalidUrl="" action="" tgtFrame="" tooltip="" history="1" highlightClick="0" endSnd="0"/>
+                <a:hlinkClick r:id="rId4"/>
               </a:rPr>
               <a:t>4</a:t>
             </a:r>
@@ -5027,7 +5556,7 @@
             </a:r>
             <a:r>
               <a:rPr sz="816">
-                <a:hlinkClick r:id="rId5" invalidUrl="" action="" tgtFrame="" tooltip="" history="1" highlightClick="0" endSnd="0"/>
+                <a:hlinkClick r:id="rId5"/>
               </a:rPr>
               <a:t>5</a:t>
             </a:r>
@@ -5036,7 +5565,7 @@
             </a:r>
             <a:r>
               <a:rPr sz="816">
-                <a:hlinkClick r:id="rId6" invalidUrl="" action="" tgtFrame="" tooltip="" history="1" highlightClick="0" endSnd="0"/>
+                <a:hlinkClick r:id="rId6"/>
               </a:rPr>
               <a:t>6</a:t>
             </a:r>
@@ -5045,7 +5574,7 @@
             </a:r>
             <a:r>
               <a:rPr sz="816">
-                <a:hlinkClick r:id="rId7" invalidUrl="" action="" tgtFrame="" tooltip="" history="1" highlightClick="0" endSnd="0"/>
+                <a:hlinkClick r:id="rId7"/>
               </a:rPr>
               <a:t>7</a:t>
             </a:r>
@@ -5076,170 +5605,12 @@
   <p:clrMapOvr>
     <a:masterClrMapping/>
   </p:clrMapOvr>
-  <p:transition xmlns:p14="http://schemas.microsoft.com/office/powerpoint/2010/main" spd="med" advClick="1"/>
-</p:sld>
-</file>
-
-<file path=ppt/slides/slide9.xml><?xml version="1.0" encoding="utf-8"?>
-<p:sld xmlns:a="http://schemas.openxmlformats.org/drawingml/2006/main" xmlns:r="http://schemas.openxmlformats.org/officeDocument/2006/relationships" xmlns:p="http://schemas.openxmlformats.org/presentationml/2006/main" xmlns:m="http://schemas.openxmlformats.org/officeDocument/2006/math" xmlns:a14="http://schemas.microsoft.com/office/drawing/2010/main" showMasterSp="1" showMasterPhAnim="1">
-  <p:cSld>
-    <p:spTree>
-      <p:nvGrpSpPr>
-        <p:cNvPr id="1" name=""/>
-        <p:cNvGrpSpPr/>
-        <p:nvPr/>
-      </p:nvGrpSpPr>
-      <p:grpSpPr>
-        <a:xfrm>
-          <a:off x="0" y="0"/>
-          <a:ext cx="0" cy="0"/>
-          <a:chOff x="0" y="0"/>
-          <a:chExt cx="0" cy="0"/>
-        </a:xfrm>
-      </p:grpSpPr>
-      <p:sp>
-        <p:nvSpPr>
-          <p:cNvPr id="126" name="Elemental Force as Polemos"/>
-          <p:cNvSpPr txBox="1"/>
-          <p:nvPr>
-            <p:ph type="title"/>
-          </p:nvPr>
-        </p:nvSpPr>
-        <p:spPr>
-          <a:prstGeom prst="rect">
-            <a:avLst/>
-          </a:prstGeom>
-        </p:spPr>
-        <p:txBody>
-          <a:bodyPr/>
-          <a:lstStyle/>
-          <a:p>
-            <a:pPr/>
-            <a:r>
-              <a:t>Elemental Force as Polemos</a:t>
-            </a:r>
-          </a:p>
-        </p:txBody>
-      </p:sp>
-      <p:sp>
-        <p:nvSpPr>
-          <p:cNvPr id="127" name="But the primitive powers that burn within it burst open its wretched phraseology under the pressure of an elementary force. They awaken the secret nostalgia within the German soul. Hitlerism is more than a contagion or a  madness; it is an awakening of e"/>
-          <p:cNvSpPr txBox="1"/>
-          <p:nvPr>
-            <p:ph type="body" idx="1"/>
-          </p:nvPr>
-        </p:nvSpPr>
-        <p:spPr>
-          <a:xfrm>
-            <a:off x="457200" y="1493356"/>
-            <a:ext cx="8229600" cy="4525964"/>
-          </a:xfrm>
-          <a:prstGeom prst="rect">
-            <a:avLst/>
-          </a:prstGeom>
-        </p:spPr>
-        <p:txBody>
-          <a:bodyPr/>
-          <a:lstStyle/>
-          <a:p>
-            <a:pPr marL="513644" indent="-513644" defTabSz="355600">
-              <a:spcBef>
-                <a:spcPts val="0"/>
-              </a:spcBef>
-              <a:buFont typeface="Menlo Regular"/>
-              <a:defRPr sz="1300">
-                <a:latin typeface="Helvetica Neue"/>
-                <a:ea typeface="Helvetica Neue"/>
-                <a:cs typeface="Helvetica Neue"/>
-                <a:sym typeface="Helvetica Neue"/>
-              </a:defRPr>
-            </a:pPr>
-            <a:r>
-              <a:t>But the primitive powers that burn within it burst open its wretched phraseology under the pressure of an elementary force. They awaken the secret nostalgia within the German soul. Hitlerism is more than a contagion or a  madness; it is an awakening of elementary feelings. But from this point on, this frighteningly dangerous phenomenon  becomes philosophically interesting. For these elementary feelings  harbor a philosophy. </a:t>
-            </a:r>
-          </a:p>
-          <a:p>
-            <a:pPr marL="513644" indent="-513644" defTabSz="355600">
-              <a:spcBef>
-                <a:spcPts val="0"/>
-              </a:spcBef>
-              <a:buFont typeface="Menlo Regular"/>
-              <a:defRPr sz="1300">
-                <a:latin typeface="Helvetica Neue"/>
-                <a:ea typeface="Helvetica Neue"/>
-                <a:cs typeface="Helvetica Neue"/>
-                <a:sym typeface="Helvetica Neue"/>
-              </a:defRPr>
-            </a:pPr>
-            <a:r>
-              <a:t>The mysterious urgings of the blood, the appeals of heredity and the past for which the body serves as an enigmatic vehicle, lose the  character of being problems that are subject to a solution put forward  by a sovereignly free Self. Not only does the Self bring in the unknown  elements of these problems in order to resolve them; the Self is also  constituted by these elements. </a:t>
-            </a:r>
-          </a:p>
-          <a:p>
-            <a:pPr marL="513644" indent="-513644" defTabSz="355600">
-              <a:spcBef>
-                <a:spcPts val="0"/>
-              </a:spcBef>
-              <a:buFont typeface="Menlo Regular"/>
-              <a:defRPr sz="1300">
-                <a:latin typeface="Helvetica Neue"/>
-                <a:ea typeface="Helvetica Neue"/>
-                <a:cs typeface="Helvetica Neue"/>
-                <a:sym typeface="Helvetica Neue"/>
-              </a:defRPr>
-            </a:pPr>
-            <a:r>
-              <a:t>But force is characterized by another type of propagation. The person who exerts force does not abandon it. Force does not disappear among those who submit to it. It is attached to the personality or society exerting it, enlarging that person or society while subordinating the rest. Here the universal order is not established as a consequence of ideological expansion; it is that very expansion that constitutes the unity of a world of masters and slaves. Nietzsche's will to power, which modern Germany is rediscovering and glorifying, is not only a new ideal; it is an ideal that simultaneously brings with it its own form of universalization: war and conquest.</a:t>
-            </a:r>
-            <a:br/>
-          </a:p>
-          <a:p>
-            <a:pPr marL="0" indent="0" defTabSz="355600">
-              <a:spcBef>
-                <a:spcPts val="0"/>
-              </a:spcBef>
-              <a:buSzTx/>
-              <a:buFontTx/>
-              <a:buNone/>
-              <a:defRPr sz="1300">
-                <a:latin typeface="Helvetica Neue"/>
-                <a:ea typeface="Helvetica Neue"/>
-                <a:cs typeface="Helvetica Neue"/>
-                <a:sym typeface="Helvetica Neue"/>
-              </a:defRPr>
-            </a:pPr>
-            <a:endParaRPr sz="1200"/>
-          </a:p>
-          <a:p>
-            <a:pPr marL="0" indent="0" defTabSz="457200">
-              <a:spcBef>
-                <a:spcPts val="1200"/>
-              </a:spcBef>
-              <a:buSzTx/>
-              <a:buFontTx/>
-              <a:buNone/>
-              <a:defRPr b="1" sz="1333">
-                <a:latin typeface="Times Roman"/>
-                <a:ea typeface="Times Roman"/>
-                <a:cs typeface="Times Roman"/>
-                <a:sym typeface="Times Roman"/>
-              </a:defRPr>
-            </a:pPr>
-            <a:endParaRPr b="0" sz="1200"/>
-          </a:p>
-        </p:txBody>
-      </p:sp>
-    </p:spTree>
-  </p:cSld>
-  <p:clrMapOvr>
-    <a:masterClrMapping/>
-  </p:clrMapOvr>
-  <p:transition xmlns:p14="http://schemas.microsoft.com/office/powerpoint/2010/main" spd="med" advClick="1"/>
+  <p:transition spd="med"/>
 </p:sld>
 </file>
 
 <file path=ppt/theme/theme1.xml><?xml version="1.0" encoding="utf-8"?>
-<a:theme xmlns:a="http://schemas.openxmlformats.org/drawingml/2006/main" xmlns:r="http://schemas.openxmlformats.org/officeDocument/2006/relationships" name="Office Theme">
+<a:theme xmlns:a="http://schemas.openxmlformats.org/drawingml/2006/main" name="Office Theme">
   <a:themeElements>
     <a:clrScheme name="Office Theme">
       <a:dk1>
@@ -5365,7 +5736,7 @@
       <a:effectStyleLst>
         <a:effectStyle>
           <a:effectLst>
-            <a:outerShdw sx="100000" sy="100000" kx="0" ky="0" algn="b" rotWithShape="0" blurRad="38100" dist="23000" dir="5400000">
+            <a:outerShdw blurRad="38100" dist="23000" dir="5400000" rotWithShape="0">
               <a:srgbClr val="000000">
                 <a:alpha val="35000"/>
               </a:srgbClr>
@@ -5374,7 +5745,7 @@
         </a:effectStyle>
         <a:effectStyle>
           <a:effectLst>
-            <a:outerShdw sx="100000" sy="100000" kx="0" ky="0" algn="b" rotWithShape="0" blurRad="38100" dist="23000" dir="5400000">
+            <a:outerShdw blurRad="38100" dist="23000" dir="5400000" rotWithShape="0">
               <a:srgbClr val="000000">
                 <a:alpha val="35000"/>
               </a:srgbClr>
@@ -5383,7 +5754,7 @@
         </a:effectStyle>
         <a:effectStyle>
           <a:effectLst>
-            <a:outerShdw sx="100000" sy="100000" kx="0" ky="0" algn="b" rotWithShape="0" blurRad="38100" dist="20000" dir="5400000">
+            <a:outerShdw blurRad="38100" dist="20000" dir="5400000" rotWithShape="0">
               <a:srgbClr val="000000">
                 <a:alpha val="38000"/>
               </a:srgbClr>
@@ -5457,7 +5828,7 @@
           <a:round/>
         </a:ln>
         <a:effectLst>
-          <a:outerShdw sx="100000" sy="100000" kx="0" ky="0" algn="b" rotWithShape="0" blurRad="38100" dist="23000" dir="5400000">
+          <a:outerShdw blurRad="38100" dist="23000" dir="5400000" rotWithShape="0">
             <a:srgbClr val="000000">
               <a:alpha val="35000"/>
             </a:srgbClr>
@@ -5465,7 +5836,7 @@
         </a:effectLst>
         <a:sp3d/>
       </a:spPr>
-      <a:bodyPr rot="0" spcFirstLastPara="1" vertOverflow="overflow" horzOverflow="overflow" vert="horz" wrap="square" lIns="45719" tIns="45719" rIns="45719" bIns="45719" numCol="1" spcCol="38100" rtlCol="0" anchor="ctr" upright="0">
+      <a:bodyPr rot="0" spcFirstLastPara="1" vertOverflow="overflow" horzOverflow="overflow" vert="horz" wrap="square" lIns="45719" tIns="45719" rIns="45719" bIns="45719" numCol="1" spcCol="38100" rtlCol="0" anchor="ctr">
         <a:spAutoFit/>
       </a:bodyPr>
       <a:lstStyle>
@@ -5484,7 +5855,7 @@
           <a:buFontTx/>
           <a:buNone/>
           <a:tabLst/>
-          <a:defRPr b="0" baseline="0" cap="none" i="0" spc="0" strike="noStrike" sz="1800" u="none" kumimoji="0" normalizeH="0">
+          <a:defRPr kumimoji="0" sz="1800" b="0" i="0" u="none" strike="noStrike" cap="none" spc="0" normalizeH="0" baseline="0">
             <a:ln>
               <a:noFill/>
             </a:ln>
@@ -5514,7 +5885,7 @@
           <a:buFontTx/>
           <a:buNone/>
           <a:tabLst/>
-          <a:defRPr b="0" baseline="0" cap="none" i="0" spc="0" strike="noStrike" sz="1800" u="none" kumimoji="0" normalizeH="0">
+          <a:defRPr kumimoji="0" sz="1800" b="0" i="0" u="none" strike="noStrike" cap="none" spc="0" normalizeH="0" baseline="0">
             <a:ln>
               <a:noFill/>
             </a:ln>
@@ -5540,7 +5911,7 @@
           <a:buFontTx/>
           <a:buNone/>
           <a:tabLst/>
-          <a:defRPr b="0" baseline="0" cap="none" i="0" spc="0" strike="noStrike" sz="1800" u="none" kumimoji="0" normalizeH="0">
+          <a:defRPr kumimoji="0" sz="1800" b="0" i="0" u="none" strike="noStrike" cap="none" spc="0" normalizeH="0" baseline="0">
             <a:ln>
               <a:noFill/>
             </a:ln>
@@ -5566,7 +5937,7 @@
           <a:buFontTx/>
           <a:buNone/>
           <a:tabLst/>
-          <a:defRPr b="0" baseline="0" cap="none" i="0" spc="0" strike="noStrike" sz="1800" u="none" kumimoji="0" normalizeH="0">
+          <a:defRPr kumimoji="0" sz="1800" b="0" i="0" u="none" strike="noStrike" cap="none" spc="0" normalizeH="0" baseline="0">
             <a:ln>
               <a:noFill/>
             </a:ln>
@@ -5592,7 +5963,7 @@
           <a:buFontTx/>
           <a:buNone/>
           <a:tabLst/>
-          <a:defRPr b="0" baseline="0" cap="none" i="0" spc="0" strike="noStrike" sz="1800" u="none" kumimoji="0" normalizeH="0">
+          <a:defRPr kumimoji="0" sz="1800" b="0" i="0" u="none" strike="noStrike" cap="none" spc="0" normalizeH="0" baseline="0">
             <a:ln>
               <a:noFill/>
             </a:ln>
@@ -5618,7 +5989,7 @@
           <a:buFontTx/>
           <a:buNone/>
           <a:tabLst/>
-          <a:defRPr b="0" baseline="0" cap="none" i="0" spc="0" strike="noStrike" sz="1800" u="none" kumimoji="0" normalizeH="0">
+          <a:defRPr kumimoji="0" sz="1800" b="0" i="0" u="none" strike="noStrike" cap="none" spc="0" normalizeH="0" baseline="0">
             <a:ln>
               <a:noFill/>
             </a:ln>
@@ -5644,7 +6015,7 @@
           <a:buFontTx/>
           <a:buNone/>
           <a:tabLst/>
-          <a:defRPr b="0" baseline="0" cap="none" i="0" spc="0" strike="noStrike" sz="1800" u="none" kumimoji="0" normalizeH="0">
+          <a:defRPr kumimoji="0" sz="1800" b="0" i="0" u="none" strike="noStrike" cap="none" spc="0" normalizeH="0" baseline="0">
             <a:ln>
               <a:noFill/>
             </a:ln>
@@ -5670,7 +6041,7 @@
           <a:buFontTx/>
           <a:buNone/>
           <a:tabLst/>
-          <a:defRPr b="0" baseline="0" cap="none" i="0" spc="0" strike="noStrike" sz="1800" u="none" kumimoji="0" normalizeH="0">
+          <a:defRPr kumimoji="0" sz="1800" b="0" i="0" u="none" strike="noStrike" cap="none" spc="0" normalizeH="0" baseline="0">
             <a:ln>
               <a:noFill/>
             </a:ln>
@@ -5696,7 +6067,7 @@
           <a:buFontTx/>
           <a:buNone/>
           <a:tabLst/>
-          <a:defRPr b="0" baseline="0" cap="none" i="0" spc="0" strike="noStrike" sz="1800" u="none" kumimoji="0" normalizeH="0">
+          <a:defRPr kumimoji="0" sz="1800" b="0" i="0" u="none" strike="noStrike" cap="none" spc="0" normalizeH="0" baseline="0">
             <a:ln>
               <a:noFill/>
             </a:ln>
@@ -5722,7 +6093,7 @@
           <a:buFontTx/>
           <a:buNone/>
           <a:tabLst/>
-          <a:defRPr b="0" baseline="0" cap="none" i="0" spc="0" strike="noStrike" sz="1800" u="none" kumimoji="0" normalizeH="0">
+          <a:defRPr kumimoji="0" sz="1800" b="0" i="0" u="none" strike="noStrike" cap="none" spc="0" normalizeH="0" baseline="0">
             <a:ln>
               <a:noFill/>
             </a:ln>
@@ -5735,9 +6106,15 @@
         </a:lvl9pPr>
       </a:lstStyle>
       <a:style>
-        <a:lnRef idx="0"/>
-        <a:fillRef idx="0"/>
-        <a:effectRef idx="0"/>
+        <a:lnRef idx="0">
+          <a:scrgbClr r="0" g="0" b="0"/>
+        </a:lnRef>
+        <a:fillRef idx="0">
+          <a:scrgbClr r="0" g="0" b="0"/>
+        </a:fillRef>
+        <a:effectRef idx="0">
+          <a:scrgbClr r="0" g="0" b="0"/>
+        </a:effectRef>
         <a:fontRef idx="none"/>
       </a:style>
     </a:spDef>
@@ -5752,7 +6129,7 @@
           <a:round/>
         </a:ln>
         <a:effectLst>
-          <a:outerShdw sx="100000" sy="100000" kx="0" ky="0" algn="b" rotWithShape="0" blurRad="38100" dist="20000" dir="5400000">
+          <a:outerShdw blurRad="38100" dist="20000" dir="5400000" rotWithShape="0">
             <a:srgbClr val="000000">
               <a:alpha val="38000"/>
             </a:srgbClr>
@@ -5760,7 +6137,7 @@
         </a:effectLst>
         <a:sp3d/>
       </a:spPr>
-      <a:bodyPr rot="0" spcFirstLastPara="1" vertOverflow="overflow" horzOverflow="overflow" vert="horz" wrap="square" lIns="91439" tIns="45719" rIns="91439" bIns="45719" numCol="1" spcCol="38100" rtlCol="0" anchor="t" upright="0">
+      <a:bodyPr rot="0" spcFirstLastPara="1" vertOverflow="overflow" horzOverflow="overflow" vert="horz" wrap="square" lIns="91439" tIns="45719" rIns="91439" bIns="45719" numCol="1" spcCol="38100" rtlCol="0" anchor="t">
         <a:noAutofit/>
       </a:bodyPr>
       <a:lstStyle>
@@ -5779,7 +6156,7 @@
           <a:buFontTx/>
           <a:buNone/>
           <a:tabLst/>
-          <a:defRPr b="0" baseline="0" cap="none" i="0" spc="0" strike="noStrike" sz="1800" u="none" kumimoji="0" normalizeH="0">
+          <a:defRPr kumimoji="0" sz="1800" b="0" i="0" u="none" strike="noStrike" cap="none" spc="0" normalizeH="0" baseline="0">
             <a:ln>
               <a:noFill/>
             </a:ln>
@@ -5805,7 +6182,7 @@
           <a:buFontTx/>
           <a:buNone/>
           <a:tabLst/>
-          <a:defRPr b="0" baseline="0" cap="none" i="0" spc="0" strike="noStrike" sz="1800" u="none" kumimoji="0" normalizeH="0">
+          <a:defRPr kumimoji="0" sz="1800" b="0" i="0" u="none" strike="noStrike" cap="none" spc="0" normalizeH="0" baseline="0">
             <a:ln>
               <a:noFill/>
             </a:ln>
@@ -5831,7 +6208,7 @@
           <a:buFontTx/>
           <a:buNone/>
           <a:tabLst/>
-          <a:defRPr b="0" baseline="0" cap="none" i="0" spc="0" strike="noStrike" sz="1800" u="none" kumimoji="0" normalizeH="0">
+          <a:defRPr kumimoji="0" sz="1800" b="0" i="0" u="none" strike="noStrike" cap="none" spc="0" normalizeH="0" baseline="0">
             <a:ln>
               <a:noFill/>
             </a:ln>
@@ -5857,7 +6234,7 @@
           <a:buFontTx/>
           <a:buNone/>
           <a:tabLst/>
-          <a:defRPr b="0" baseline="0" cap="none" i="0" spc="0" strike="noStrike" sz="1800" u="none" kumimoji="0" normalizeH="0">
+          <a:defRPr kumimoji="0" sz="1800" b="0" i="0" u="none" strike="noStrike" cap="none" spc="0" normalizeH="0" baseline="0">
             <a:ln>
               <a:noFill/>
             </a:ln>
@@ -5883,7 +6260,7 @@
           <a:buFontTx/>
           <a:buNone/>
           <a:tabLst/>
-          <a:defRPr b="0" baseline="0" cap="none" i="0" spc="0" strike="noStrike" sz="1800" u="none" kumimoji="0" normalizeH="0">
+          <a:defRPr kumimoji="0" sz="1800" b="0" i="0" u="none" strike="noStrike" cap="none" spc="0" normalizeH="0" baseline="0">
             <a:ln>
               <a:noFill/>
             </a:ln>
@@ -5909,7 +6286,7 @@
           <a:buFontTx/>
           <a:buNone/>
           <a:tabLst/>
-          <a:defRPr b="0" baseline="0" cap="none" i="0" spc="0" strike="noStrike" sz="1800" u="none" kumimoji="0" normalizeH="0">
+          <a:defRPr kumimoji="0" sz="1800" b="0" i="0" u="none" strike="noStrike" cap="none" spc="0" normalizeH="0" baseline="0">
             <a:ln>
               <a:noFill/>
             </a:ln>
@@ -5935,7 +6312,7 @@
           <a:buFontTx/>
           <a:buNone/>
           <a:tabLst/>
-          <a:defRPr b="0" baseline="0" cap="none" i="0" spc="0" strike="noStrike" sz="1800" u="none" kumimoji="0" normalizeH="0">
+          <a:defRPr kumimoji="0" sz="1800" b="0" i="0" u="none" strike="noStrike" cap="none" spc="0" normalizeH="0" baseline="0">
             <a:ln>
               <a:noFill/>
             </a:ln>
@@ -5961,7 +6338,7 @@
           <a:buFontTx/>
           <a:buNone/>
           <a:tabLst/>
-          <a:defRPr b="0" baseline="0" cap="none" i="0" spc="0" strike="noStrike" sz="1800" u="none" kumimoji="0" normalizeH="0">
+          <a:defRPr kumimoji="0" sz="1800" b="0" i="0" u="none" strike="noStrike" cap="none" spc="0" normalizeH="0" baseline="0">
             <a:ln>
               <a:noFill/>
             </a:ln>
@@ -5987,7 +6364,7 @@
           <a:buFontTx/>
           <a:buNone/>
           <a:tabLst/>
-          <a:defRPr b="0" baseline="0" cap="none" i="0" spc="0" strike="noStrike" sz="1800" u="none" kumimoji="0" normalizeH="0">
+          <a:defRPr kumimoji="0" sz="1800" b="0" i="0" u="none" strike="noStrike" cap="none" spc="0" normalizeH="0" baseline="0">
             <a:ln>
               <a:noFill/>
             </a:ln>
@@ -6013,7 +6390,7 @@
           <a:buFontTx/>
           <a:buNone/>
           <a:tabLst/>
-          <a:defRPr b="0" baseline="0" cap="none" i="0" spc="0" strike="noStrike" sz="1800" u="none" kumimoji="0" normalizeH="0">
+          <a:defRPr kumimoji="0" sz="1800" b="0" i="0" u="none" strike="noStrike" cap="none" spc="0" normalizeH="0" baseline="0">
             <a:ln>
               <a:noFill/>
             </a:ln>
@@ -6026,9 +6403,15 @@
         </a:lvl9pPr>
       </a:lstStyle>
       <a:style>
-        <a:lnRef idx="0"/>
-        <a:fillRef idx="0"/>
-        <a:effectRef idx="0"/>
+        <a:lnRef idx="0">
+          <a:scrgbClr r="0" g="0" b="0"/>
+        </a:lnRef>
+        <a:fillRef idx="0">
+          <a:scrgbClr r="0" g="0" b="0"/>
+        </a:fillRef>
+        <a:effectRef idx="0">
+          <a:scrgbClr r="0" g="0" b="0"/>
+        </a:effectRef>
         <a:fontRef idx="none"/>
       </a:style>
     </a:lnDef>
@@ -6042,7 +6425,7 @@
         <a:effectLst/>
         <a:sp3d/>
       </a:spPr>
-      <a:bodyPr rot="0" spcFirstLastPara="1" vertOverflow="overflow" horzOverflow="overflow" vert="horz" wrap="square" lIns="45719" tIns="45719" rIns="45719" bIns="45719" numCol="1" spcCol="38100" rtlCol="0" anchor="t" upright="0">
+      <a:bodyPr rot="0" spcFirstLastPara="1" vertOverflow="overflow" horzOverflow="overflow" vert="horz" wrap="square" lIns="45719" tIns="45719" rIns="45719" bIns="45719" numCol="1" spcCol="38100" rtlCol="0" anchor="t">
         <a:spAutoFit/>
       </a:bodyPr>
       <a:lstStyle>
@@ -6061,7 +6444,7 @@
           <a:buFontTx/>
           <a:buNone/>
           <a:tabLst/>
-          <a:defRPr b="0" baseline="0" cap="none" i="0" spc="0" strike="noStrike" sz="1800" u="none" kumimoji="0" normalizeH="0">
+          <a:defRPr kumimoji="0" sz="1800" b="0" i="0" u="none" strike="noStrike" cap="none" spc="0" normalizeH="0" baseline="0">
             <a:ln>
               <a:noFill/>
             </a:ln>
@@ -6091,7 +6474,7 @@
           <a:buFontTx/>
           <a:buNone/>
           <a:tabLst/>
-          <a:defRPr b="0" baseline="0" cap="none" i="0" spc="0" strike="noStrike" sz="1800" u="none" kumimoji="0" normalizeH="0">
+          <a:defRPr kumimoji="0" sz="1800" b="0" i="0" u="none" strike="noStrike" cap="none" spc="0" normalizeH="0" baseline="0">
             <a:ln>
               <a:noFill/>
             </a:ln>
@@ -6117,7 +6500,7 @@
           <a:buFontTx/>
           <a:buNone/>
           <a:tabLst/>
-          <a:defRPr b="0" baseline="0" cap="none" i="0" spc="0" strike="noStrike" sz="1800" u="none" kumimoji="0" normalizeH="0">
+          <a:defRPr kumimoji="0" sz="1800" b="0" i="0" u="none" strike="noStrike" cap="none" spc="0" normalizeH="0" baseline="0">
             <a:ln>
               <a:noFill/>
             </a:ln>
@@ -6143,7 +6526,7 @@
           <a:buFontTx/>
           <a:buNone/>
           <a:tabLst/>
-          <a:defRPr b="0" baseline="0" cap="none" i="0" spc="0" strike="noStrike" sz="1800" u="none" kumimoji="0" normalizeH="0">
+          <a:defRPr kumimoji="0" sz="1800" b="0" i="0" u="none" strike="noStrike" cap="none" spc="0" normalizeH="0" baseline="0">
             <a:ln>
               <a:noFill/>
             </a:ln>
@@ -6169,7 +6552,7 @@
           <a:buFontTx/>
           <a:buNone/>
           <a:tabLst/>
-          <a:defRPr b="0" baseline="0" cap="none" i="0" spc="0" strike="noStrike" sz="1800" u="none" kumimoji="0" normalizeH="0">
+          <a:defRPr kumimoji="0" sz="1800" b="0" i="0" u="none" strike="noStrike" cap="none" spc="0" normalizeH="0" baseline="0">
             <a:ln>
               <a:noFill/>
             </a:ln>
@@ -6195,7 +6578,7 @@
           <a:buFontTx/>
           <a:buNone/>
           <a:tabLst/>
-          <a:defRPr b="0" baseline="0" cap="none" i="0" spc="0" strike="noStrike" sz="1800" u="none" kumimoji="0" normalizeH="0">
+          <a:defRPr kumimoji="0" sz="1800" b="0" i="0" u="none" strike="noStrike" cap="none" spc="0" normalizeH="0" baseline="0">
             <a:ln>
               <a:noFill/>
             </a:ln>
@@ -6221,7 +6604,7 @@
           <a:buFontTx/>
           <a:buNone/>
           <a:tabLst/>
-          <a:defRPr b="0" baseline="0" cap="none" i="0" spc="0" strike="noStrike" sz="1800" u="none" kumimoji="0" normalizeH="0">
+          <a:defRPr kumimoji="0" sz="1800" b="0" i="0" u="none" strike="noStrike" cap="none" spc="0" normalizeH="0" baseline="0">
             <a:ln>
               <a:noFill/>
             </a:ln>
@@ -6247,7 +6630,7 @@
           <a:buFontTx/>
           <a:buNone/>
           <a:tabLst/>
-          <a:defRPr b="0" baseline="0" cap="none" i="0" spc="0" strike="noStrike" sz="1800" u="none" kumimoji="0" normalizeH="0">
+          <a:defRPr kumimoji="0" sz="1800" b="0" i="0" u="none" strike="noStrike" cap="none" spc="0" normalizeH="0" baseline="0">
             <a:ln>
               <a:noFill/>
             </a:ln>
@@ -6273,7 +6656,7 @@
           <a:buFontTx/>
           <a:buNone/>
           <a:tabLst/>
-          <a:defRPr b="0" baseline="0" cap="none" i="0" spc="0" strike="noStrike" sz="1800" u="none" kumimoji="0" normalizeH="0">
+          <a:defRPr kumimoji="0" sz="1800" b="0" i="0" u="none" strike="noStrike" cap="none" spc="0" normalizeH="0" baseline="0">
             <a:ln>
               <a:noFill/>
             </a:ln>
@@ -6299,7 +6682,7 @@
           <a:buFontTx/>
           <a:buNone/>
           <a:tabLst/>
-          <a:defRPr b="0" baseline="0" cap="none" i="0" spc="0" strike="noStrike" sz="1800" u="none" kumimoji="0" normalizeH="0">
+          <a:defRPr kumimoji="0" sz="1800" b="0" i="0" u="none" strike="noStrike" cap="none" spc="0" normalizeH="0" baseline="0">
             <a:ln>
               <a:noFill/>
             </a:ln>
@@ -6312,18 +6695,25 @@
         </a:lvl9pPr>
       </a:lstStyle>
       <a:style>
-        <a:lnRef idx="0"/>
-        <a:fillRef idx="0"/>
-        <a:effectRef idx="0"/>
+        <a:lnRef idx="0">
+          <a:scrgbClr r="0" g="0" b="0"/>
+        </a:lnRef>
+        <a:fillRef idx="0">
+          <a:scrgbClr r="0" g="0" b="0"/>
+        </a:fillRef>
+        <a:effectRef idx="0">
+          <a:scrgbClr r="0" g="0" b="0"/>
+        </a:effectRef>
         <a:fontRef idx="none"/>
       </a:style>
     </a:txDef>
   </a:objectDefaults>
+  <a:extraClrSchemeLst/>
 </a:theme>
 </file>
 
 <file path=ppt/theme/theme2.xml><?xml version="1.0" encoding="utf-8"?>
-<a:theme xmlns:a="http://schemas.openxmlformats.org/drawingml/2006/main" xmlns:r="http://schemas.openxmlformats.org/officeDocument/2006/relationships" name="Office Theme">
+<a:theme xmlns:a="http://schemas.openxmlformats.org/drawingml/2006/main" name="Office Theme">
   <a:themeElements>
     <a:clrScheme name="Office Theme">
       <a:dk1>
@@ -6449,7 +6839,7 @@
       <a:effectStyleLst>
         <a:effectStyle>
           <a:effectLst>
-            <a:outerShdw sx="100000" sy="100000" kx="0" ky="0" algn="b" rotWithShape="0" blurRad="38100" dist="23000" dir="5400000">
+            <a:outerShdw blurRad="38100" dist="23000" dir="5400000" rotWithShape="0">
               <a:srgbClr val="000000">
                 <a:alpha val="35000"/>
               </a:srgbClr>
@@ -6458,7 +6848,7 @@
         </a:effectStyle>
         <a:effectStyle>
           <a:effectLst>
-            <a:outerShdw sx="100000" sy="100000" kx="0" ky="0" algn="b" rotWithShape="0" blurRad="38100" dist="23000" dir="5400000">
+            <a:outerShdw blurRad="38100" dist="23000" dir="5400000" rotWithShape="0">
               <a:srgbClr val="000000">
                 <a:alpha val="35000"/>
               </a:srgbClr>
@@ -6467,7 +6857,7 @@
         </a:effectStyle>
         <a:effectStyle>
           <a:effectLst>
-            <a:outerShdw sx="100000" sy="100000" kx="0" ky="0" algn="b" rotWithShape="0" blurRad="38100" dist="20000" dir="5400000">
+            <a:outerShdw blurRad="38100" dist="20000" dir="5400000" rotWithShape="0">
               <a:srgbClr val="000000">
                 <a:alpha val="38000"/>
               </a:srgbClr>
@@ -6541,7 +6931,7 @@
           <a:round/>
         </a:ln>
         <a:effectLst>
-          <a:outerShdw sx="100000" sy="100000" kx="0" ky="0" algn="b" rotWithShape="0" blurRad="38100" dist="23000" dir="5400000">
+          <a:outerShdw blurRad="38100" dist="23000" dir="5400000" rotWithShape="0">
             <a:srgbClr val="000000">
               <a:alpha val="35000"/>
             </a:srgbClr>
@@ -6549,7 +6939,7 @@
         </a:effectLst>
         <a:sp3d/>
       </a:spPr>
-      <a:bodyPr rot="0" spcFirstLastPara="1" vertOverflow="overflow" horzOverflow="overflow" vert="horz" wrap="square" lIns="45719" tIns="45719" rIns="45719" bIns="45719" numCol="1" spcCol="38100" rtlCol="0" anchor="ctr" upright="0">
+      <a:bodyPr rot="0" spcFirstLastPara="1" vertOverflow="overflow" horzOverflow="overflow" vert="horz" wrap="square" lIns="45719" tIns="45719" rIns="45719" bIns="45719" numCol="1" spcCol="38100" rtlCol="0" anchor="ctr">
         <a:spAutoFit/>
       </a:bodyPr>
       <a:lstStyle>
@@ -6568,7 +6958,7 @@
           <a:buFontTx/>
           <a:buNone/>
           <a:tabLst/>
-          <a:defRPr b="0" baseline="0" cap="none" i="0" spc="0" strike="noStrike" sz="1800" u="none" kumimoji="0" normalizeH="0">
+          <a:defRPr kumimoji="0" sz="1800" b="0" i="0" u="none" strike="noStrike" cap="none" spc="0" normalizeH="0" baseline="0">
             <a:ln>
               <a:noFill/>
             </a:ln>
@@ -6598,7 +6988,7 @@
           <a:buFontTx/>
           <a:buNone/>
           <a:tabLst/>
-          <a:defRPr b="0" baseline="0" cap="none" i="0" spc="0" strike="noStrike" sz="1800" u="none" kumimoji="0" normalizeH="0">
+          <a:defRPr kumimoji="0" sz="1800" b="0" i="0" u="none" strike="noStrike" cap="none" spc="0" normalizeH="0" baseline="0">
             <a:ln>
               <a:noFill/>
             </a:ln>
@@ -6624,7 +7014,7 @@
           <a:buFontTx/>
           <a:buNone/>
           <a:tabLst/>
-          <a:defRPr b="0" baseline="0" cap="none" i="0" spc="0" strike="noStrike" sz="1800" u="none" kumimoji="0" normalizeH="0">
+          <a:defRPr kumimoji="0" sz="1800" b="0" i="0" u="none" strike="noStrike" cap="none" spc="0" normalizeH="0" baseline="0">
             <a:ln>
               <a:noFill/>
             </a:ln>
@@ -6650,7 +7040,7 @@
           <a:buFontTx/>
           <a:buNone/>
           <a:tabLst/>
-          <a:defRPr b="0" baseline="0" cap="none" i="0" spc="0" strike="noStrike" sz="1800" u="none" kumimoji="0" normalizeH="0">
+          <a:defRPr kumimoji="0" sz="1800" b="0" i="0" u="none" strike="noStrike" cap="none" spc="0" normalizeH="0" baseline="0">
             <a:ln>
               <a:noFill/>
             </a:ln>
@@ -6676,7 +7066,7 @@
           <a:buFontTx/>
           <a:buNone/>
           <a:tabLst/>
-          <a:defRPr b="0" baseline="0" cap="none" i="0" spc="0" strike="noStrike" sz="1800" u="none" kumimoji="0" normalizeH="0">
+          <a:defRPr kumimoji="0" sz="1800" b="0" i="0" u="none" strike="noStrike" cap="none" spc="0" normalizeH="0" baseline="0">
             <a:ln>
               <a:noFill/>
             </a:ln>
@@ -6702,7 +7092,7 @@
           <a:buFontTx/>
           <a:buNone/>
           <a:tabLst/>
-          <a:defRPr b="0" baseline="0" cap="none" i="0" spc="0" strike="noStrike" sz="1800" u="none" kumimoji="0" normalizeH="0">
+          <a:defRPr kumimoji="0" sz="1800" b="0" i="0" u="none" strike="noStrike" cap="none" spc="0" normalizeH="0" baseline="0">
             <a:ln>
               <a:noFill/>
             </a:ln>
@@ -6728,7 +7118,7 @@
           <a:buFontTx/>
           <a:buNone/>
           <a:tabLst/>
-          <a:defRPr b="0" baseline="0" cap="none" i="0" spc="0" strike="noStrike" sz="1800" u="none" kumimoji="0" normalizeH="0">
+          <a:defRPr kumimoji="0" sz="1800" b="0" i="0" u="none" strike="noStrike" cap="none" spc="0" normalizeH="0" baseline="0">
             <a:ln>
               <a:noFill/>
             </a:ln>
@@ -6754,7 +7144,7 @@
           <a:buFontTx/>
           <a:buNone/>
           <a:tabLst/>
-          <a:defRPr b="0" baseline="0" cap="none" i="0" spc="0" strike="noStrike" sz="1800" u="none" kumimoji="0" normalizeH="0">
+          <a:defRPr kumimoji="0" sz="1800" b="0" i="0" u="none" strike="noStrike" cap="none" spc="0" normalizeH="0" baseline="0">
             <a:ln>
               <a:noFill/>
             </a:ln>
@@ -6780,7 +7170,7 @@
           <a:buFontTx/>
           <a:buNone/>
           <a:tabLst/>
-          <a:defRPr b="0" baseline="0" cap="none" i="0" spc="0" strike="noStrike" sz="1800" u="none" kumimoji="0" normalizeH="0">
+          <a:defRPr kumimoji="0" sz="1800" b="0" i="0" u="none" strike="noStrike" cap="none" spc="0" normalizeH="0" baseline="0">
             <a:ln>
               <a:noFill/>
             </a:ln>
@@ -6806,7 +7196,7 @@
           <a:buFontTx/>
           <a:buNone/>
           <a:tabLst/>
-          <a:defRPr b="0" baseline="0" cap="none" i="0" spc="0" strike="noStrike" sz="1800" u="none" kumimoji="0" normalizeH="0">
+          <a:defRPr kumimoji="0" sz="1800" b="0" i="0" u="none" strike="noStrike" cap="none" spc="0" normalizeH="0" baseline="0">
             <a:ln>
               <a:noFill/>
             </a:ln>
@@ -6819,9 +7209,15 @@
         </a:lvl9pPr>
       </a:lstStyle>
       <a:style>
-        <a:lnRef idx="0"/>
-        <a:fillRef idx="0"/>
-        <a:effectRef idx="0"/>
+        <a:lnRef idx="0">
+          <a:scrgbClr r="0" g="0" b="0"/>
+        </a:lnRef>
+        <a:fillRef idx="0">
+          <a:scrgbClr r="0" g="0" b="0"/>
+        </a:fillRef>
+        <a:effectRef idx="0">
+          <a:scrgbClr r="0" g="0" b="0"/>
+        </a:effectRef>
         <a:fontRef idx="none"/>
       </a:style>
     </a:spDef>
@@ -6836,7 +7232,7 @@
           <a:round/>
         </a:ln>
         <a:effectLst>
-          <a:outerShdw sx="100000" sy="100000" kx="0" ky="0" algn="b" rotWithShape="0" blurRad="38100" dist="20000" dir="5400000">
+          <a:outerShdw blurRad="38100" dist="20000" dir="5400000" rotWithShape="0">
             <a:srgbClr val="000000">
               <a:alpha val="38000"/>
             </a:srgbClr>
@@ -6844,7 +7240,7 @@
         </a:effectLst>
         <a:sp3d/>
       </a:spPr>
-      <a:bodyPr rot="0" spcFirstLastPara="1" vertOverflow="overflow" horzOverflow="overflow" vert="horz" wrap="square" lIns="91439" tIns="45719" rIns="91439" bIns="45719" numCol="1" spcCol="38100" rtlCol="0" anchor="t" upright="0">
+      <a:bodyPr rot="0" spcFirstLastPara="1" vertOverflow="overflow" horzOverflow="overflow" vert="horz" wrap="square" lIns="91439" tIns="45719" rIns="91439" bIns="45719" numCol="1" spcCol="38100" rtlCol="0" anchor="t">
         <a:noAutofit/>
       </a:bodyPr>
       <a:lstStyle>
@@ -6863,7 +7259,7 @@
           <a:buFontTx/>
           <a:buNone/>
           <a:tabLst/>
-          <a:defRPr b="0" baseline="0" cap="none" i="0" spc="0" strike="noStrike" sz="1800" u="none" kumimoji="0" normalizeH="0">
+          <a:defRPr kumimoji="0" sz="1800" b="0" i="0" u="none" strike="noStrike" cap="none" spc="0" normalizeH="0" baseline="0">
             <a:ln>
               <a:noFill/>
             </a:ln>
@@ -6889,7 +7285,7 @@
           <a:buFontTx/>
           <a:buNone/>
           <a:tabLst/>
-          <a:defRPr b="0" baseline="0" cap="none" i="0" spc="0" strike="noStrike" sz="1800" u="none" kumimoji="0" normalizeH="0">
+          <a:defRPr kumimoji="0" sz="1800" b="0" i="0" u="none" strike="noStrike" cap="none" spc="0" normalizeH="0" baseline="0">
             <a:ln>
               <a:noFill/>
             </a:ln>
@@ -6915,7 +7311,7 @@
           <a:buFontTx/>
           <a:buNone/>
           <a:tabLst/>
-          <a:defRPr b="0" baseline="0" cap="none" i="0" spc="0" strike="noStrike" sz="1800" u="none" kumimoji="0" normalizeH="0">
+          <a:defRPr kumimoji="0" sz="1800" b="0" i="0" u="none" strike="noStrike" cap="none" spc="0" normalizeH="0" baseline="0">
             <a:ln>
               <a:noFill/>
             </a:ln>
@@ -6941,7 +7337,7 @@
           <a:buFontTx/>
           <a:buNone/>
           <a:tabLst/>
-          <a:defRPr b="0" baseline="0" cap="none" i="0" spc="0" strike="noStrike" sz="1800" u="none" kumimoji="0" normalizeH="0">
+          <a:defRPr kumimoji="0" sz="1800" b="0" i="0" u="none" strike="noStrike" cap="none" spc="0" normalizeH="0" baseline="0">
             <a:ln>
               <a:noFill/>
             </a:ln>
@@ -6967,7 +7363,7 @@
           <a:buFontTx/>
           <a:buNone/>
           <a:tabLst/>
-          <a:defRPr b="0" baseline="0" cap="none" i="0" spc="0" strike="noStrike" sz="1800" u="none" kumimoji="0" normalizeH="0">
+          <a:defRPr kumimoji="0" sz="1800" b="0" i="0" u="none" strike="noStrike" cap="none" spc="0" normalizeH="0" baseline="0">
             <a:ln>
               <a:noFill/>
             </a:ln>
@@ -6993,7 +7389,7 @@
           <a:buFontTx/>
           <a:buNone/>
           <a:tabLst/>
-          <a:defRPr b="0" baseline="0" cap="none" i="0" spc="0" strike="noStrike" sz="1800" u="none" kumimoji="0" normalizeH="0">
+          <a:defRPr kumimoji="0" sz="1800" b="0" i="0" u="none" strike="noStrike" cap="none" spc="0" normalizeH="0" baseline="0">
             <a:ln>
               <a:noFill/>
             </a:ln>
@@ -7019,7 +7415,7 @@
           <a:buFontTx/>
           <a:buNone/>
           <a:tabLst/>
-          <a:defRPr b="0" baseline="0" cap="none" i="0" spc="0" strike="noStrike" sz="1800" u="none" kumimoji="0" normalizeH="0">
+          <a:defRPr kumimoji="0" sz="1800" b="0" i="0" u="none" strike="noStrike" cap="none" spc="0" normalizeH="0" baseline="0">
             <a:ln>
               <a:noFill/>
             </a:ln>
@@ -7045,7 +7441,7 @@
           <a:buFontTx/>
           <a:buNone/>
           <a:tabLst/>
-          <a:defRPr b="0" baseline="0" cap="none" i="0" spc="0" strike="noStrike" sz="1800" u="none" kumimoji="0" normalizeH="0">
+          <a:defRPr kumimoji="0" sz="1800" b="0" i="0" u="none" strike="noStrike" cap="none" spc="0" normalizeH="0" baseline="0">
             <a:ln>
               <a:noFill/>
             </a:ln>
@@ -7071,7 +7467,7 @@
           <a:buFontTx/>
           <a:buNone/>
           <a:tabLst/>
-          <a:defRPr b="0" baseline="0" cap="none" i="0" spc="0" strike="noStrike" sz="1800" u="none" kumimoji="0" normalizeH="0">
+          <a:defRPr kumimoji="0" sz="1800" b="0" i="0" u="none" strike="noStrike" cap="none" spc="0" normalizeH="0" baseline="0">
             <a:ln>
               <a:noFill/>
             </a:ln>
@@ -7097,7 +7493,7 @@
           <a:buFontTx/>
           <a:buNone/>
           <a:tabLst/>
-          <a:defRPr b="0" baseline="0" cap="none" i="0" spc="0" strike="noStrike" sz="1800" u="none" kumimoji="0" normalizeH="0">
+          <a:defRPr kumimoji="0" sz="1800" b="0" i="0" u="none" strike="noStrike" cap="none" spc="0" normalizeH="0" baseline="0">
             <a:ln>
               <a:noFill/>
             </a:ln>
@@ -7110,9 +7506,15 @@
         </a:lvl9pPr>
       </a:lstStyle>
       <a:style>
-        <a:lnRef idx="0"/>
-        <a:fillRef idx="0"/>
-        <a:effectRef idx="0"/>
+        <a:lnRef idx="0">
+          <a:scrgbClr r="0" g="0" b="0"/>
+        </a:lnRef>
+        <a:fillRef idx="0">
+          <a:scrgbClr r="0" g="0" b="0"/>
+        </a:fillRef>
+        <a:effectRef idx="0">
+          <a:scrgbClr r="0" g="0" b="0"/>
+        </a:effectRef>
         <a:fontRef idx="none"/>
       </a:style>
     </a:lnDef>
@@ -7126,7 +7528,7 @@
         <a:effectLst/>
         <a:sp3d/>
       </a:spPr>
-      <a:bodyPr rot="0" spcFirstLastPara="1" vertOverflow="overflow" horzOverflow="overflow" vert="horz" wrap="square" lIns="45719" tIns="45719" rIns="45719" bIns="45719" numCol="1" spcCol="38100" rtlCol="0" anchor="t" upright="0">
+      <a:bodyPr rot="0" spcFirstLastPara="1" vertOverflow="overflow" horzOverflow="overflow" vert="horz" wrap="square" lIns="45719" tIns="45719" rIns="45719" bIns="45719" numCol="1" spcCol="38100" rtlCol="0" anchor="t">
         <a:spAutoFit/>
       </a:bodyPr>
       <a:lstStyle>
@@ -7145,7 +7547,7 @@
           <a:buFontTx/>
           <a:buNone/>
           <a:tabLst/>
-          <a:defRPr b="0" baseline="0" cap="none" i="0" spc="0" strike="noStrike" sz="1800" u="none" kumimoji="0" normalizeH="0">
+          <a:defRPr kumimoji="0" sz="1800" b="0" i="0" u="none" strike="noStrike" cap="none" spc="0" normalizeH="0" baseline="0">
             <a:ln>
               <a:noFill/>
             </a:ln>
@@ -7175,7 +7577,7 @@
           <a:buFontTx/>
           <a:buNone/>
           <a:tabLst/>
-          <a:defRPr b="0" baseline="0" cap="none" i="0" spc="0" strike="noStrike" sz="1800" u="none" kumimoji="0" normalizeH="0">
+          <a:defRPr kumimoji="0" sz="1800" b="0" i="0" u="none" strike="noStrike" cap="none" spc="0" normalizeH="0" baseline="0">
             <a:ln>
               <a:noFill/>
             </a:ln>
@@ -7201,7 +7603,7 @@
           <a:buFontTx/>
           <a:buNone/>
           <a:tabLst/>
-          <a:defRPr b="0" baseline="0" cap="none" i="0" spc="0" strike="noStrike" sz="1800" u="none" kumimoji="0" normalizeH="0">
+          <a:defRPr kumimoji="0" sz="1800" b="0" i="0" u="none" strike="noStrike" cap="none" spc="0" normalizeH="0" baseline="0">
             <a:ln>
               <a:noFill/>
             </a:ln>
@@ -7227,7 +7629,7 @@
           <a:buFontTx/>
           <a:buNone/>
           <a:tabLst/>
-          <a:defRPr b="0" baseline="0" cap="none" i="0" spc="0" strike="noStrike" sz="1800" u="none" kumimoji="0" normalizeH="0">
+          <a:defRPr kumimoji="0" sz="1800" b="0" i="0" u="none" strike="noStrike" cap="none" spc="0" normalizeH="0" baseline="0">
             <a:ln>
               <a:noFill/>
             </a:ln>
@@ -7253,7 +7655,7 @@
           <a:buFontTx/>
           <a:buNone/>
           <a:tabLst/>
-          <a:defRPr b="0" baseline="0" cap="none" i="0" spc="0" strike="noStrike" sz="1800" u="none" kumimoji="0" normalizeH="0">
+          <a:defRPr kumimoji="0" sz="1800" b="0" i="0" u="none" strike="noStrike" cap="none" spc="0" normalizeH="0" baseline="0">
             <a:ln>
               <a:noFill/>
             </a:ln>
@@ -7279,7 +7681,7 @@
           <a:buFontTx/>
           <a:buNone/>
           <a:tabLst/>
-          <a:defRPr b="0" baseline="0" cap="none" i="0" spc="0" strike="noStrike" sz="1800" u="none" kumimoji="0" normalizeH="0">
+          <a:defRPr kumimoji="0" sz="1800" b="0" i="0" u="none" strike="noStrike" cap="none" spc="0" normalizeH="0" baseline="0">
             <a:ln>
               <a:noFill/>
             </a:ln>
@@ -7305,7 +7707,7 @@
           <a:buFontTx/>
           <a:buNone/>
           <a:tabLst/>
-          <a:defRPr b="0" baseline="0" cap="none" i="0" spc="0" strike="noStrike" sz="1800" u="none" kumimoji="0" normalizeH="0">
+          <a:defRPr kumimoji="0" sz="1800" b="0" i="0" u="none" strike="noStrike" cap="none" spc="0" normalizeH="0" baseline="0">
             <a:ln>
               <a:noFill/>
             </a:ln>
@@ -7331,7 +7733,7 @@
           <a:buFontTx/>
           <a:buNone/>
           <a:tabLst/>
-          <a:defRPr b="0" baseline="0" cap="none" i="0" spc="0" strike="noStrike" sz="1800" u="none" kumimoji="0" normalizeH="0">
+          <a:defRPr kumimoji="0" sz="1800" b="0" i="0" u="none" strike="noStrike" cap="none" spc="0" normalizeH="0" baseline="0">
             <a:ln>
               <a:noFill/>
             </a:ln>
@@ -7357,7 +7759,7 @@
           <a:buFontTx/>
           <a:buNone/>
           <a:tabLst/>
-          <a:defRPr b="0" baseline="0" cap="none" i="0" spc="0" strike="noStrike" sz="1800" u="none" kumimoji="0" normalizeH="0">
+          <a:defRPr kumimoji="0" sz="1800" b="0" i="0" u="none" strike="noStrike" cap="none" spc="0" normalizeH="0" baseline="0">
             <a:ln>
               <a:noFill/>
             </a:ln>
@@ -7383,7 +7785,7 @@
           <a:buFontTx/>
           <a:buNone/>
           <a:tabLst/>
-          <a:defRPr b="0" baseline="0" cap="none" i="0" spc="0" strike="noStrike" sz="1800" u="none" kumimoji="0" normalizeH="0">
+          <a:defRPr kumimoji="0" sz="1800" b="0" i="0" u="none" strike="noStrike" cap="none" spc="0" normalizeH="0" baseline="0">
             <a:ln>
               <a:noFill/>
             </a:ln>
@@ -7396,12 +7798,19 @@
         </a:lvl9pPr>
       </a:lstStyle>
       <a:style>
-        <a:lnRef idx="0"/>
-        <a:fillRef idx="0"/>
-        <a:effectRef idx="0"/>
+        <a:lnRef idx="0">
+          <a:scrgbClr r="0" g="0" b="0"/>
+        </a:lnRef>
+        <a:fillRef idx="0">
+          <a:scrgbClr r="0" g="0" b="0"/>
+        </a:fillRef>
+        <a:effectRef idx="0">
+          <a:scrgbClr r="0" g="0" b="0"/>
+        </a:effectRef>
         <a:fontRef idx="none"/>
       </a:style>
     </a:txDef>
   </a:objectDefaults>
+  <a:extraClrSchemeLst/>
 </a:theme>
 </file>